--- a/Deliverables/Diagrams_ConEd_Internship.pptx
+++ b/Deliverables/Diagrams_ConEd_Internship.pptx
@@ -5,7 +5,7 @@
     <p:sldMasterId id="2147483717" r:id="rId4"/>
   </p:sldMasterIdLst>
   <p:notesMasterIdLst>
-    <p:notesMasterId r:id="rId14"/>
+    <p:notesMasterId r:id="rId16"/>
   </p:notesMasterIdLst>
   <p:sldIdLst>
     <p:sldId id="256" r:id="rId5"/>
@@ -17,6 +17,8 @@
     <p:sldId id="259" r:id="rId11"/>
     <p:sldId id="264" r:id="rId12"/>
     <p:sldId id="265" r:id="rId13"/>
+    <p:sldId id="267" r:id="rId14"/>
+    <p:sldId id="268" r:id="rId15"/>
   </p:sldIdLst>
   <p:sldSz cx="12192000" cy="6858000"/>
   <p:notesSz cx="6858000" cy="9144000"/>
@@ -137,7 +139,7 @@
 <file path=ppt/revisionInfo.xml><?xml version="1.0" encoding="utf-8"?>
 <p1510:revInfo xmlns:a="http://schemas.openxmlformats.org/drawingml/2006/main" xmlns:r="http://schemas.openxmlformats.org/officeDocument/2006/relationships" xmlns:p1510="http://schemas.microsoft.com/office/powerpoint/2015/10/main">
   <p1510:revLst>
-    <p1510:client id="{6D89C38F-58D6-4F62-B7B3-09BB6481E711}" v="471" dt="2025-02-18T05:06:30.857"/>
+    <p1510:client id="{5E9144F9-825E-47D6-B3D4-43E82CEAED6D}" v="6" dt="2025-02-24T04:54:56.447"/>
   </p1510:revLst>
 </p1510:revInfo>
 </file>
@@ -173,46 +175,6 @@
             <ac:spMk id="3" creationId="{0FE60150-1CC6-F091-C108-8B715A61CA0C}"/>
           </ac:spMkLst>
         </pc:spChg>
-        <pc:spChg chg="add del">
-          <ac:chgData name="Ahshreyah Ross" userId="853aa158-3928-4290-990f-ace230c19a1e" providerId="ADAL" clId="{6D89C38F-58D6-4F62-B7B3-09BB6481E711}" dt="2025-02-18T04:54:15.263" v="2034" actId="26606"/>
-          <ac:spMkLst>
-            <pc:docMk/>
-            <pc:sldMk cId="1654447897" sldId="256"/>
-            <ac:spMk id="6" creationId="{560F55E5-82DC-49DE-B7FA-8D2E291A8867}"/>
-          </ac:spMkLst>
-        </pc:spChg>
-        <pc:spChg chg="add del">
-          <ac:chgData name="Ahshreyah Ross" userId="853aa158-3928-4290-990f-ace230c19a1e" providerId="ADAL" clId="{6D89C38F-58D6-4F62-B7B3-09BB6481E711}" dt="2025-02-18T03:13:17.893" v="1749" actId="26606"/>
-          <ac:spMkLst>
-            <pc:docMk/>
-            <pc:sldMk cId="1654447897" sldId="256"/>
-            <ac:spMk id="8" creationId="{4E50CAEE-CAC0-4F18-9593-F09A3338C1A8}"/>
-          </ac:spMkLst>
-        </pc:spChg>
-        <pc:spChg chg="add del">
-          <ac:chgData name="Ahshreyah Ross" userId="853aa158-3928-4290-990f-ace230c19a1e" providerId="ADAL" clId="{6D89C38F-58D6-4F62-B7B3-09BB6481E711}" dt="2025-02-18T03:13:07.676" v="1747" actId="26606"/>
-          <ac:spMkLst>
-            <pc:docMk/>
-            <pc:sldMk cId="1654447897" sldId="256"/>
-            <ac:spMk id="9" creationId="{560F55E5-82DC-49DE-B7FA-8D2E291A8867}"/>
-          </ac:spMkLst>
-        </pc:spChg>
-        <pc:spChg chg="add del">
-          <ac:chgData name="Ahshreyah Ross" userId="853aa158-3928-4290-990f-ace230c19a1e" providerId="ADAL" clId="{6D89C38F-58D6-4F62-B7B3-09BB6481E711}" dt="2025-02-18T04:54:22.761" v="2036" actId="26606"/>
-          <ac:spMkLst>
-            <pc:docMk/>
-            <pc:sldMk cId="1654447897" sldId="256"/>
-            <ac:spMk id="19" creationId="{E3DBC1DC-8B23-45B2-99A1-9800FF7CA4B2}"/>
-          </ac:spMkLst>
-        </pc:spChg>
-        <pc:spChg chg="add del">
-          <ac:chgData name="Ahshreyah Ross" userId="853aa158-3928-4290-990f-ace230c19a1e" providerId="ADAL" clId="{6D89C38F-58D6-4F62-B7B3-09BB6481E711}" dt="2025-02-18T04:54:22.761" v="2036" actId="26606"/>
-          <ac:spMkLst>
-            <pc:docMk/>
-            <pc:sldMk cId="1654447897" sldId="256"/>
-            <ac:spMk id="22" creationId="{016D3CCF-90AA-4761-A389-F302E4C53C1A}"/>
-          </ac:spMkLst>
-        </pc:spChg>
         <pc:spChg chg="add">
           <ac:chgData name="Ahshreyah Ross" userId="853aa158-3928-4290-990f-ace230c19a1e" providerId="ADAL" clId="{6D89C38F-58D6-4F62-B7B3-09BB6481E711}" dt="2025-02-18T04:54:22.794" v="2037" actId="26606"/>
           <ac:spMkLst>
@@ -221,110 +183,6 @@
             <ac:spMk id="25" creationId="{560F55E5-82DC-49DE-B7FA-8D2E291A8867}"/>
           </ac:spMkLst>
         </pc:spChg>
-        <pc:picChg chg="add del">
-          <ac:chgData name="Ahshreyah Ross" userId="853aa158-3928-4290-990f-ace230c19a1e" providerId="ADAL" clId="{6D89C38F-58D6-4F62-B7B3-09BB6481E711}" dt="2025-02-18T03:13:07.676" v="1747" actId="26606"/>
-          <ac:picMkLst>
-            <pc:docMk/>
-            <pc:sldMk cId="1654447897" sldId="256"/>
-            <ac:picMk id="5" creationId="{AB3BCC45-B028-437F-6919-BA707EABBBE5}"/>
-          </ac:picMkLst>
-        </pc:picChg>
-        <pc:picChg chg="add del">
-          <ac:chgData name="Ahshreyah Ross" userId="853aa158-3928-4290-990f-ace230c19a1e" providerId="ADAL" clId="{6D89C38F-58D6-4F62-B7B3-09BB6481E711}" dt="2025-02-18T04:54:15.263" v="2034" actId="26606"/>
-          <ac:picMkLst>
-            <pc:docMk/>
-            <pc:sldMk cId="1654447897" sldId="256"/>
-            <ac:picMk id="7" creationId="{C88758C8-9D10-484F-99AF-42B11A4FA660}"/>
-          </ac:picMkLst>
-        </pc:picChg>
-        <pc:picChg chg="add del">
-          <ac:chgData name="Ahshreyah Ross" userId="853aa158-3928-4290-990f-ace230c19a1e" providerId="ADAL" clId="{6D89C38F-58D6-4F62-B7B3-09BB6481E711}" dt="2025-02-18T03:13:17.893" v="1749" actId="26606"/>
-          <ac:picMkLst>
-            <pc:docMk/>
-            <pc:sldMk cId="1654447897" sldId="256"/>
-            <ac:picMk id="10" creationId="{D2DA77D5-12C4-446D-AC72-A514960A553E}"/>
-          </ac:picMkLst>
-        </pc:picChg>
-        <pc:picChg chg="add del">
-          <ac:chgData name="Ahshreyah Ross" userId="853aa158-3928-4290-990f-ace230c19a1e" providerId="ADAL" clId="{6D89C38F-58D6-4F62-B7B3-09BB6481E711}" dt="2025-02-18T03:13:07.676" v="1747" actId="26606"/>
-          <ac:picMkLst>
-            <pc:docMk/>
-            <pc:sldMk cId="1654447897" sldId="256"/>
-            <ac:picMk id="11" creationId="{C88758C8-9D10-484F-99AF-42B11A4FA660}"/>
-          </ac:picMkLst>
-        </pc:picChg>
-        <pc:picChg chg="add del">
-          <ac:chgData name="Ahshreyah Ross" userId="853aa158-3928-4290-990f-ace230c19a1e" providerId="ADAL" clId="{6D89C38F-58D6-4F62-B7B3-09BB6481E711}" dt="2025-02-18T03:13:17.893" v="1749" actId="26606"/>
-          <ac:picMkLst>
-            <pc:docMk/>
-            <pc:sldMk cId="1654447897" sldId="256"/>
-            <ac:picMk id="12" creationId="{19E04E4F-6B32-4651-ACE0-DACABF1FC254}"/>
-          </ac:picMkLst>
-        </pc:picChg>
-        <pc:picChg chg="add del">
-          <ac:chgData name="Ahshreyah Ross" userId="853aa158-3928-4290-990f-ace230c19a1e" providerId="ADAL" clId="{6D89C38F-58D6-4F62-B7B3-09BB6481E711}" dt="2025-02-18T03:13:07.676" v="1747" actId="26606"/>
-          <ac:picMkLst>
-            <pc:docMk/>
-            <pc:sldMk cId="1654447897" sldId="256"/>
-            <ac:picMk id="13" creationId="{CCED32FD-C5FE-4C22-A60D-AC9FFA8DEC69}"/>
-          </ac:picMkLst>
-        </pc:picChg>
-        <pc:picChg chg="add del">
-          <ac:chgData name="Ahshreyah Ross" userId="853aa158-3928-4290-990f-ace230c19a1e" providerId="ADAL" clId="{6D89C38F-58D6-4F62-B7B3-09BB6481E711}" dt="2025-02-18T03:13:17.893" v="1749" actId="26606"/>
-          <ac:picMkLst>
-            <pc:docMk/>
-            <pc:sldMk cId="1654447897" sldId="256"/>
-            <ac:picMk id="14" creationId="{13D4F2B0-7771-46FC-9763-240E8F55F14D}"/>
-          </ac:picMkLst>
-        </pc:picChg>
-        <pc:picChg chg="add del">
-          <ac:chgData name="Ahshreyah Ross" userId="853aa158-3928-4290-990f-ace230c19a1e" providerId="ADAL" clId="{6D89C38F-58D6-4F62-B7B3-09BB6481E711}" dt="2025-02-18T04:54:15.263" v="2034" actId="26606"/>
-          <ac:picMkLst>
-            <pc:docMk/>
-            <pc:sldMk cId="1654447897" sldId="256"/>
-            <ac:picMk id="15" creationId="{A7C38F4E-9A46-0058-F048-B56EB3294710}"/>
-          </ac:picMkLst>
-        </pc:picChg>
-        <pc:picChg chg="add del">
-          <ac:chgData name="Ahshreyah Ross" userId="853aa158-3928-4290-990f-ace230c19a1e" providerId="ADAL" clId="{6D89C38F-58D6-4F62-B7B3-09BB6481E711}" dt="2025-02-18T03:13:17.893" v="1749" actId="26606"/>
-          <ac:picMkLst>
-            <pc:docMk/>
-            <pc:sldMk cId="1654447897" sldId="256"/>
-            <ac:picMk id="16" creationId="{6164F387-6750-4AFF-8A10-65C64D31ECA3}"/>
-          </ac:picMkLst>
-        </pc:picChg>
-        <pc:picChg chg="add del">
-          <ac:chgData name="Ahshreyah Ross" userId="853aa158-3928-4290-990f-ace230c19a1e" providerId="ADAL" clId="{6D89C38F-58D6-4F62-B7B3-09BB6481E711}" dt="2025-02-18T04:54:15.263" v="2034" actId="26606"/>
-          <ac:picMkLst>
-            <pc:docMk/>
-            <pc:sldMk cId="1654447897" sldId="256"/>
-            <ac:picMk id="17" creationId="{CCED32FD-C5FE-4C22-A60D-AC9FFA8DEC69}"/>
-          </ac:picMkLst>
-        </pc:picChg>
-        <pc:picChg chg="add del">
-          <ac:chgData name="Ahshreyah Ross" userId="853aa158-3928-4290-990f-ace230c19a1e" providerId="ADAL" clId="{6D89C38F-58D6-4F62-B7B3-09BB6481E711}" dt="2025-02-18T04:54:22.761" v="2036" actId="26606"/>
-          <ac:picMkLst>
-            <pc:docMk/>
-            <pc:sldMk cId="1654447897" sldId="256"/>
-            <ac:picMk id="20" creationId="{4443BA04-6E62-4916-96E0-DD7AE1BB1083}"/>
-          </ac:picMkLst>
-        </pc:picChg>
-        <pc:picChg chg="add del">
-          <ac:chgData name="Ahshreyah Ross" userId="853aa158-3928-4290-990f-ace230c19a1e" providerId="ADAL" clId="{6D89C38F-58D6-4F62-B7B3-09BB6481E711}" dt="2025-02-18T04:54:22.761" v="2036" actId="26606"/>
-          <ac:picMkLst>
-            <pc:docMk/>
-            <pc:sldMk cId="1654447897" sldId="256"/>
-            <ac:picMk id="21" creationId="{56A102D2-6892-86A1-C844-529689A39BEA}"/>
-          </ac:picMkLst>
-        </pc:picChg>
-        <pc:picChg chg="add del">
-          <ac:chgData name="Ahshreyah Ross" userId="853aa158-3928-4290-990f-ace230c19a1e" providerId="ADAL" clId="{6D89C38F-58D6-4F62-B7B3-09BB6481E711}" dt="2025-02-18T04:54:22.761" v="2036" actId="26606"/>
-          <ac:picMkLst>
-            <pc:docMk/>
-            <pc:sldMk cId="1654447897" sldId="256"/>
-            <ac:picMk id="23" creationId="{38FC6125-7266-4FC0-AE04-3E1EB27B9482}"/>
-          </ac:picMkLst>
-        </pc:picChg>
         <pc:picChg chg="add">
           <ac:chgData name="Ahshreyah Ross" userId="853aa158-3928-4290-990f-ace230c19a1e" providerId="ADAL" clId="{6D89C38F-58D6-4F62-B7B3-09BB6481E711}" dt="2025-02-18T04:54:22.794" v="2037" actId="26606"/>
           <ac:picMkLst>
@@ -498,54 +356,6 @@
             <pc:docMk/>
             <pc:sldMk cId="3866743022" sldId="257"/>
             <ac:cxnSpMk id="55" creationId="{203FE537-E2FA-E980-7B61-AABD34657B01}"/>
-          </ac:cxnSpMkLst>
-        </pc:cxnChg>
-        <pc:cxnChg chg="add del mod">
-          <ac:chgData name="Ahshreyah Ross" userId="853aa158-3928-4290-990f-ace230c19a1e" providerId="ADAL" clId="{6D89C38F-58D6-4F62-B7B3-09BB6481E711}" dt="2025-02-17T03:39:49.220" v="882" actId="21"/>
-          <ac:cxnSpMkLst>
-            <pc:docMk/>
-            <pc:sldMk cId="3866743022" sldId="257"/>
-            <ac:cxnSpMk id="107" creationId="{BDB83022-E39F-A5FE-473B-20F4685C65B8}"/>
-          </ac:cxnSpMkLst>
-        </pc:cxnChg>
-        <pc:cxnChg chg="add del mod">
-          <ac:chgData name="Ahshreyah Ross" userId="853aa158-3928-4290-990f-ace230c19a1e" providerId="ADAL" clId="{6D89C38F-58D6-4F62-B7B3-09BB6481E711}" dt="2025-02-17T03:39:44.954" v="881" actId="21"/>
-          <ac:cxnSpMkLst>
-            <pc:docMk/>
-            <pc:sldMk cId="3866743022" sldId="257"/>
-            <ac:cxnSpMk id="111" creationId="{CF18E60D-9783-8685-A8B6-42BE1EB06895}"/>
-          </ac:cxnSpMkLst>
-        </pc:cxnChg>
-        <pc:cxnChg chg="add del mod">
-          <ac:chgData name="Ahshreyah Ross" userId="853aa158-3928-4290-990f-ace230c19a1e" providerId="ADAL" clId="{6D89C38F-58D6-4F62-B7B3-09BB6481E711}" dt="2025-02-17T03:39:40.540" v="880" actId="21"/>
-          <ac:cxnSpMkLst>
-            <pc:docMk/>
-            <pc:sldMk cId="3866743022" sldId="257"/>
-            <ac:cxnSpMk id="113" creationId="{55E19401-FAA3-7E54-261E-BCA688BA8812}"/>
-          </ac:cxnSpMkLst>
-        </pc:cxnChg>
-        <pc:cxnChg chg="add del mod">
-          <ac:chgData name="Ahshreyah Ross" userId="853aa158-3928-4290-990f-ace230c19a1e" providerId="ADAL" clId="{6D89C38F-58D6-4F62-B7B3-09BB6481E711}" dt="2025-02-17T03:39:52.891" v="883" actId="21"/>
-          <ac:cxnSpMkLst>
-            <pc:docMk/>
-            <pc:sldMk cId="3866743022" sldId="257"/>
-            <ac:cxnSpMk id="117" creationId="{4635C2E2-1170-1A0B-D18D-BCB475080A5A}"/>
-          </ac:cxnSpMkLst>
-        </pc:cxnChg>
-        <pc:cxnChg chg="add del mod">
-          <ac:chgData name="Ahshreyah Ross" userId="853aa158-3928-4290-990f-ace230c19a1e" providerId="ADAL" clId="{6D89C38F-58D6-4F62-B7B3-09BB6481E711}" dt="2025-02-17T03:39:58.986" v="884" actId="21"/>
-          <ac:cxnSpMkLst>
-            <pc:docMk/>
-            <pc:sldMk cId="3866743022" sldId="257"/>
-            <ac:cxnSpMk id="122" creationId="{779D5F78-8975-4A43-3000-1B1589286495}"/>
-          </ac:cxnSpMkLst>
-        </pc:cxnChg>
-        <pc:cxnChg chg="add del mod">
-          <ac:chgData name="Ahshreyah Ross" userId="853aa158-3928-4290-990f-ace230c19a1e" providerId="ADAL" clId="{6D89C38F-58D6-4F62-B7B3-09BB6481E711}" dt="2025-02-17T03:40:31.777" v="887" actId="21"/>
-          <ac:cxnSpMkLst>
-            <pc:docMk/>
-            <pc:sldMk cId="3866743022" sldId="257"/>
-            <ac:cxnSpMk id="151" creationId="{04E92435-E6C1-9B9D-7A4D-5B8CB11FC971}"/>
           </ac:cxnSpMkLst>
         </pc:cxnChg>
         <pc:cxnChg chg="add mod">
@@ -739,14 +549,6 @@
             <ac:cxnSpMk id="45" creationId="{0704F927-E912-4F13-A3C6-FCC37EE84011}"/>
           </ac:cxnSpMkLst>
         </pc:cxnChg>
-        <pc:cxnChg chg="add del mod">
-          <ac:chgData name="Ahshreyah Ross" userId="853aa158-3928-4290-990f-ace230c19a1e" providerId="ADAL" clId="{6D89C38F-58D6-4F62-B7B3-09BB6481E711}" dt="2025-02-17T03:23:00.680" v="763" actId="21"/>
-          <ac:cxnSpMkLst>
-            <pc:docMk/>
-            <pc:sldMk cId="3134899690" sldId="258"/>
-            <ac:cxnSpMk id="53" creationId="{3A44726D-B483-9DDF-F7B1-146CE756C905}"/>
-          </ac:cxnSpMkLst>
-        </pc:cxnChg>
         <pc:cxnChg chg="add mod">
           <ac:chgData name="Ahshreyah Ross" userId="853aa158-3928-4290-990f-ace230c19a1e" providerId="ADAL" clId="{6D89C38F-58D6-4F62-B7B3-09BB6481E711}" dt="2025-02-17T03:31:22.574" v="847" actId="14100"/>
           <ac:cxnSpMkLst>
@@ -761,62 +563,6 @@
             <pc:docMk/>
             <pc:sldMk cId="3134899690" sldId="258"/>
             <ac:cxnSpMk id="57" creationId="{0C828CEE-8E5C-A9F6-06DA-0FB0047EC766}"/>
-          </ac:cxnSpMkLst>
-        </pc:cxnChg>
-        <pc:cxnChg chg="add del">
-          <ac:chgData name="Ahshreyah Ross" userId="853aa158-3928-4290-990f-ace230c19a1e" providerId="ADAL" clId="{6D89C38F-58D6-4F62-B7B3-09BB6481E711}" dt="2025-02-17T03:21:05.927" v="746" actId="11529"/>
-          <ac:cxnSpMkLst>
-            <pc:docMk/>
-            <pc:sldMk cId="3134899690" sldId="258"/>
-            <ac:cxnSpMk id="61" creationId="{988ABEC2-396F-1B93-1C7E-F0D72F94AB97}"/>
-          </ac:cxnSpMkLst>
-        </pc:cxnChg>
-        <pc:cxnChg chg="add del mod">
-          <ac:chgData name="Ahshreyah Ross" userId="853aa158-3928-4290-990f-ace230c19a1e" providerId="ADAL" clId="{6D89C38F-58D6-4F62-B7B3-09BB6481E711}" dt="2025-02-17T03:29:06.111" v="829" actId="21"/>
-          <ac:cxnSpMkLst>
-            <pc:docMk/>
-            <pc:sldMk cId="3134899690" sldId="258"/>
-            <ac:cxnSpMk id="63" creationId="{C72F89AC-5175-A75B-B5A0-54BE1A0A68CB}"/>
-          </ac:cxnSpMkLst>
-        </pc:cxnChg>
-        <pc:cxnChg chg="add del mod">
-          <ac:chgData name="Ahshreyah Ross" userId="853aa158-3928-4290-990f-ace230c19a1e" providerId="ADAL" clId="{6D89C38F-58D6-4F62-B7B3-09BB6481E711}" dt="2025-02-17T03:23:43.058" v="769" actId="11529"/>
-          <ac:cxnSpMkLst>
-            <pc:docMk/>
-            <pc:sldMk cId="3134899690" sldId="258"/>
-            <ac:cxnSpMk id="68" creationId="{9B1EBC05-69FB-708E-1B9E-AF93748291B7}"/>
-          </ac:cxnSpMkLst>
-        </pc:cxnChg>
-        <pc:cxnChg chg="add del">
-          <ac:chgData name="Ahshreyah Ross" userId="853aa158-3928-4290-990f-ace230c19a1e" providerId="ADAL" clId="{6D89C38F-58D6-4F62-B7B3-09BB6481E711}" dt="2025-02-17T03:24:00.175" v="773" actId="11529"/>
-          <ac:cxnSpMkLst>
-            <pc:docMk/>
-            <pc:sldMk cId="3134899690" sldId="258"/>
-            <ac:cxnSpMk id="71" creationId="{BD3A6126-22CA-A1BF-6870-9E36849BDAA7}"/>
-          </ac:cxnSpMkLst>
-        </pc:cxnChg>
-        <pc:cxnChg chg="add del">
-          <ac:chgData name="Ahshreyah Ross" userId="853aa158-3928-4290-990f-ace230c19a1e" providerId="ADAL" clId="{6D89C38F-58D6-4F62-B7B3-09BB6481E711}" dt="2025-02-17T03:23:59.620" v="772" actId="11529"/>
-          <ac:cxnSpMkLst>
-            <pc:docMk/>
-            <pc:sldMk cId="3134899690" sldId="258"/>
-            <ac:cxnSpMk id="73" creationId="{075931C6-3FF5-70A1-FCA7-F3039F1F69AB}"/>
-          </ac:cxnSpMkLst>
-        </pc:cxnChg>
-        <pc:cxnChg chg="add del mod">
-          <ac:chgData name="Ahshreyah Ross" userId="853aa158-3928-4290-990f-ace230c19a1e" providerId="ADAL" clId="{6D89C38F-58D6-4F62-B7B3-09BB6481E711}" dt="2025-02-17T03:24:45.364" v="783" actId="11529"/>
-          <ac:cxnSpMkLst>
-            <pc:docMk/>
-            <pc:sldMk cId="3134899690" sldId="258"/>
-            <ac:cxnSpMk id="75" creationId="{3B8D52DD-7853-9372-CA49-FF5C5F7FF321}"/>
-          </ac:cxnSpMkLst>
-        </pc:cxnChg>
-        <pc:cxnChg chg="add del mod">
-          <ac:chgData name="Ahshreyah Ross" userId="853aa158-3928-4290-990f-ace230c19a1e" providerId="ADAL" clId="{6D89C38F-58D6-4F62-B7B3-09BB6481E711}" dt="2025-02-17T03:25:12.112" v="788" actId="21"/>
-          <ac:cxnSpMkLst>
-            <pc:docMk/>
-            <pc:sldMk cId="3134899690" sldId="258"/>
-            <ac:cxnSpMk id="78" creationId="{63F15023-2556-D365-E1E0-53E51415629C}"/>
           </ac:cxnSpMkLst>
         </pc:cxnChg>
         <pc:cxnChg chg="add mod">
@@ -874,38 +620,6 @@
             <ac:spMk id="2" creationId="{494D0DC2-EE16-9FB6-012E-1B185AA6C759}"/>
           </ac:spMkLst>
         </pc:spChg>
-        <pc:spChg chg="add del">
-          <ac:chgData name="Ahshreyah Ross" userId="853aa158-3928-4290-990f-ace230c19a1e" providerId="ADAL" clId="{6D89C38F-58D6-4F62-B7B3-09BB6481E711}" dt="2025-02-17T00:22:21.477" v="272" actId="1957"/>
-          <ac:spMkLst>
-            <pc:docMk/>
-            <pc:sldMk cId="1536232479" sldId="259"/>
-            <ac:spMk id="3" creationId="{77B41859-0319-2011-3305-B2AFC29369A5}"/>
-          </ac:spMkLst>
-        </pc:spChg>
-        <pc:spChg chg="add del">
-          <ac:chgData name="Ahshreyah Ross" userId="853aa158-3928-4290-990f-ace230c19a1e" providerId="ADAL" clId="{6D89C38F-58D6-4F62-B7B3-09BB6481E711}" dt="2025-02-18T03:13:56.247" v="1751" actId="26606"/>
-          <ac:spMkLst>
-            <pc:docMk/>
-            <pc:sldMk cId="1536232479" sldId="259"/>
-            <ac:spMk id="14" creationId="{DB6A7BFB-3BBE-4C11-93FC-A6557BD1136C}"/>
-          </ac:spMkLst>
-        </pc:spChg>
-        <pc:spChg chg="add del">
-          <ac:chgData name="Ahshreyah Ross" userId="853aa158-3928-4290-990f-ace230c19a1e" providerId="ADAL" clId="{6D89C38F-58D6-4F62-B7B3-09BB6481E711}" dt="2025-02-18T03:13:56.247" v="1751" actId="26606"/>
-          <ac:spMkLst>
-            <pc:docMk/>
-            <pc:sldMk cId="1536232479" sldId="259"/>
-            <ac:spMk id="16" creationId="{70CA7A26-553C-443C-9A3D-2A2529D45912}"/>
-          </ac:spMkLst>
-        </pc:spChg>
-        <pc:graphicFrameChg chg="add mod">
-          <ac:chgData name="Ahshreyah Ross" userId="853aa158-3928-4290-990f-ace230c19a1e" providerId="ADAL" clId="{6D89C38F-58D6-4F62-B7B3-09BB6481E711}" dt="2025-02-17T00:22:12.235" v="269" actId="1957"/>
-          <ac:graphicFrameMkLst>
-            <pc:docMk/>
-            <pc:sldMk cId="1536232479" sldId="259"/>
-            <ac:graphicFrameMk id="6" creationId="{E3E0D2F5-101D-24F3-B37D-EB4DF259F65A}"/>
-          </ac:graphicFrameMkLst>
-        </pc:graphicFrameChg>
         <pc:graphicFrameChg chg="add mod">
           <ac:chgData name="Ahshreyah Ross" userId="853aa158-3928-4290-990f-ace230c19a1e" providerId="ADAL" clId="{6D89C38F-58D6-4F62-B7B3-09BB6481E711}" dt="2025-02-18T03:13:56.247" v="1751" actId="26606"/>
           <ac:graphicFrameMkLst>
@@ -914,30 +628,6 @@
             <ac:graphicFrameMk id="9" creationId="{E6D96B91-F18C-BADC-CD42-AAE4DACA2843}"/>
           </ac:graphicFrameMkLst>
         </pc:graphicFrameChg>
-        <pc:graphicFrameChg chg="add del mod">
-          <ac:chgData name="Ahshreyah Ross" userId="853aa158-3928-4290-990f-ace230c19a1e" providerId="ADAL" clId="{6D89C38F-58D6-4F62-B7B3-09BB6481E711}" dt="2025-02-17T01:14:33.159" v="370" actId="21"/>
-          <ac:graphicFrameMkLst>
-            <pc:docMk/>
-            <pc:sldMk cId="1536232479" sldId="259"/>
-            <ac:graphicFrameMk id="10" creationId="{1BD8DBD9-DB3B-38B0-2A8B-FFEEA0F6D773}"/>
-          </ac:graphicFrameMkLst>
-        </pc:graphicFrameChg>
-        <pc:picChg chg="add del">
-          <ac:chgData name="Ahshreyah Ross" userId="853aa158-3928-4290-990f-ace230c19a1e" providerId="ADAL" clId="{6D89C38F-58D6-4F62-B7B3-09BB6481E711}" dt="2025-02-18T03:13:56.247" v="1751" actId="26606"/>
-          <ac:picMkLst>
-            <pc:docMk/>
-            <pc:sldMk cId="1536232479" sldId="259"/>
-            <ac:picMk id="18" creationId="{367E268D-B340-41B0-B037-2F3FC25BC705}"/>
-          </ac:picMkLst>
-        </pc:picChg>
-        <pc:picChg chg="add del">
-          <ac:chgData name="Ahshreyah Ross" userId="853aa158-3928-4290-990f-ace230c19a1e" providerId="ADAL" clId="{6D89C38F-58D6-4F62-B7B3-09BB6481E711}" dt="2025-02-18T03:13:56.247" v="1751" actId="26606"/>
-          <ac:picMkLst>
-            <pc:docMk/>
-            <pc:sldMk cId="1536232479" sldId="259"/>
-            <ac:picMk id="20" creationId="{ABB0BCA0-9493-46B4-B955-8FBF0287306B}"/>
-          </ac:picMkLst>
-        </pc:picChg>
       </pc:sldChg>
       <pc:sldChg chg="new del">
         <pc:chgData name="Ahshreyah Ross" userId="853aa158-3928-4290-990f-ace230c19a1e" providerId="ADAL" clId="{6D89C38F-58D6-4F62-B7B3-09BB6481E711}" dt="2025-02-18T02:30:14.609" v="1481" actId="2696"/>
@@ -952,22 +642,6 @@
           <pc:docMk/>
           <pc:sldMk cId="2504918025" sldId="260"/>
         </pc:sldMkLst>
-        <pc:spChg chg="del">
-          <ac:chgData name="Ahshreyah Ross" userId="853aa158-3928-4290-990f-ace230c19a1e" providerId="ADAL" clId="{6D89C38F-58D6-4F62-B7B3-09BB6481E711}" dt="2025-02-17T00:44:57.309" v="317" actId="1032"/>
-          <ac:spMkLst>
-            <pc:docMk/>
-            <pc:sldMk cId="2504918025" sldId="260"/>
-            <ac:spMk id="3" creationId="{EB8786FB-D9AC-A3DC-DF36-D3F471811197}"/>
-          </ac:spMkLst>
-        </pc:spChg>
-        <pc:graphicFrameChg chg="add mod modGraphic">
-          <ac:chgData name="Ahshreyah Ross" userId="853aa158-3928-4290-990f-ace230c19a1e" providerId="ADAL" clId="{6D89C38F-58D6-4F62-B7B3-09BB6481E711}" dt="2025-02-17T00:45:29.631" v="325" actId="20577"/>
-          <ac:graphicFrameMkLst>
-            <pc:docMk/>
-            <pc:sldMk cId="2504918025" sldId="260"/>
-            <ac:graphicFrameMk id="4" creationId="{3BB05989-7841-FB0B-0F19-8F228DC57205}"/>
-          </ac:graphicFrameMkLst>
-        </pc:graphicFrameChg>
       </pc:sldChg>
       <pc:sldChg chg="addSp delSp modSp new mod">
         <pc:chgData name="Ahshreyah Ross" userId="853aa158-3928-4290-990f-ace230c19a1e" providerId="ADAL" clId="{6D89C38F-58D6-4F62-B7B3-09BB6481E711}" dt="2025-02-18T05:03:21.368" v="2078" actId="1076"/>
@@ -983,22 +657,6 @@
             <ac:spMk id="2" creationId="{21E2B25E-0CF4-9D14-0690-44CFFD964B2E}"/>
           </ac:spMkLst>
         </pc:spChg>
-        <pc:spChg chg="add del mod">
-          <ac:chgData name="Ahshreyah Ross" userId="853aa158-3928-4290-990f-ace230c19a1e" providerId="ADAL" clId="{6D89C38F-58D6-4F62-B7B3-09BB6481E711}" dt="2025-02-17T01:32:59.411" v="482" actId="12084"/>
-          <ac:spMkLst>
-            <pc:docMk/>
-            <pc:sldMk cId="3315779706" sldId="261"/>
-            <ac:spMk id="3" creationId="{ED2B2B06-4A90-7629-35F9-FD2C0AC7834D}"/>
-          </ac:spMkLst>
-        </pc:spChg>
-        <pc:spChg chg="add del mod">
-          <ac:chgData name="Ahshreyah Ross" userId="853aa158-3928-4290-990f-ace230c19a1e" providerId="ADAL" clId="{6D89C38F-58D6-4F62-B7B3-09BB6481E711}" dt="2025-02-17T01:36:42.357" v="561" actId="21"/>
-          <ac:spMkLst>
-            <pc:docMk/>
-            <pc:sldMk cId="3315779706" sldId="261"/>
-            <ac:spMk id="8" creationId="{4AE9B971-58F3-D569-94C5-BE9597D69971}"/>
-          </ac:spMkLst>
-        </pc:spChg>
         <pc:graphicFrameChg chg="add mod">
           <ac:chgData name="Ahshreyah Ross" userId="853aa158-3928-4290-990f-ace230c19a1e" providerId="ADAL" clId="{6D89C38F-58D6-4F62-B7B3-09BB6481E711}" dt="2025-02-18T02:49:28.576" v="1618" actId="1076"/>
           <ac:graphicFrameMkLst>
@@ -1007,14 +665,6 @@
             <ac:graphicFrameMk id="9" creationId="{D90D44AF-6F24-5175-F7C9-24D333536F42}"/>
           </ac:graphicFrameMkLst>
         </pc:graphicFrameChg>
-        <pc:picChg chg="add del mod">
-          <ac:chgData name="Ahshreyah Ross" userId="853aa158-3928-4290-990f-ace230c19a1e" providerId="ADAL" clId="{6D89C38F-58D6-4F62-B7B3-09BB6481E711}" dt="2025-02-17T01:28:59.885" v="475" actId="21"/>
-          <ac:picMkLst>
-            <pc:docMk/>
-            <pc:sldMk cId="3315779706" sldId="261"/>
-            <ac:picMk id="5" creationId="{ECD2C9C3-7BA9-99A2-6B2A-F23221943E94}"/>
-          </ac:picMkLst>
-        </pc:picChg>
         <pc:picChg chg="add mod">
           <ac:chgData name="Ahshreyah Ross" userId="853aa158-3928-4290-990f-ace230c19a1e" providerId="ADAL" clId="{6D89C38F-58D6-4F62-B7B3-09BB6481E711}" dt="2025-02-18T02:50:03.991" v="1628" actId="1076"/>
           <ac:picMkLst>
@@ -1064,27 +714,11 @@
           </ac:picMkLst>
         </pc:picChg>
         <pc:picChg chg="add mod">
-          <ac:chgData name="Ahshreyah Ross" userId="853aa158-3928-4290-990f-ace230c19a1e" providerId="ADAL" clId="{6D89C38F-58D6-4F62-B7B3-09BB6481E711}" dt="2025-02-17T01:48:35.035" v="630" actId="931"/>
-          <ac:picMkLst>
-            <pc:docMk/>
-            <pc:sldMk cId="3315779706" sldId="261"/>
-            <ac:picMk id="21" creationId="{C52E99FC-72AC-76B2-D88C-4B26E2754A38}"/>
-          </ac:picMkLst>
-        </pc:picChg>
-        <pc:picChg chg="add mod">
           <ac:chgData name="Ahshreyah Ross" userId="853aa158-3928-4290-990f-ace230c19a1e" providerId="ADAL" clId="{6D89C38F-58D6-4F62-B7B3-09BB6481E711}" dt="2025-02-18T02:49:56.570" v="1627" actId="1076"/>
           <ac:picMkLst>
             <pc:docMk/>
             <pc:sldMk cId="3315779706" sldId="261"/>
             <ac:picMk id="23" creationId="{79413037-6EAF-05E3-E148-7F5B6A859012}"/>
-          </ac:picMkLst>
-        </pc:picChg>
-        <pc:picChg chg="add mod">
-          <ac:chgData name="Ahshreyah Ross" userId="853aa158-3928-4290-990f-ace230c19a1e" providerId="ADAL" clId="{6D89C38F-58D6-4F62-B7B3-09BB6481E711}" dt="2025-02-17T02:03:27.281" v="665" actId="931"/>
-          <ac:picMkLst>
-            <pc:docMk/>
-            <pc:sldMk cId="3315779706" sldId="261"/>
-            <ac:picMk id="25" creationId="{4C111AFD-BDE9-843D-D601-0576FF16B187}"/>
           </ac:picMkLst>
         </pc:picChg>
         <pc:picChg chg="add mod">
@@ -1110,30 +744,6 @@
           <pc:docMk/>
           <pc:sldMk cId="2115554895" sldId="262"/>
         </pc:sldMkLst>
-        <pc:spChg chg="mod">
-          <ac:chgData name="Ahshreyah Ross" userId="853aa158-3928-4290-990f-ace230c19a1e" providerId="ADAL" clId="{6D89C38F-58D6-4F62-B7B3-09BB6481E711}" dt="2025-02-17T02:22:51.950" v="691" actId="14100"/>
-          <ac:spMkLst>
-            <pc:docMk/>
-            <pc:sldMk cId="2115554895" sldId="262"/>
-            <ac:spMk id="2" creationId="{1F967E4A-EDCC-4CD3-4DCE-14A86D8F42B2}"/>
-          </ac:spMkLst>
-        </pc:spChg>
-        <pc:spChg chg="del">
-          <ac:chgData name="Ahshreyah Ross" userId="853aa158-3928-4290-990f-ace230c19a1e" providerId="ADAL" clId="{6D89C38F-58D6-4F62-B7B3-09BB6481E711}" dt="2025-02-17T02:17:46.064" v="675" actId="1032"/>
-          <ac:spMkLst>
-            <pc:docMk/>
-            <pc:sldMk cId="2115554895" sldId="262"/>
-            <ac:spMk id="3" creationId="{47088292-5540-3032-5468-17795F703310}"/>
-          </ac:spMkLst>
-        </pc:spChg>
-        <pc:graphicFrameChg chg="add mod modGraphic">
-          <ac:chgData name="Ahshreyah Ross" userId="853aa158-3928-4290-990f-ace230c19a1e" providerId="ADAL" clId="{6D89C38F-58D6-4F62-B7B3-09BB6481E711}" dt="2025-02-17T03:49:55.574" v="976" actId="20577"/>
-          <ac:graphicFrameMkLst>
-            <pc:docMk/>
-            <pc:sldMk cId="2115554895" sldId="262"/>
-            <ac:graphicFrameMk id="4" creationId="{AD80BCDF-59C8-7BA9-2EF7-9BA6D1504203}"/>
-          </ac:graphicFrameMkLst>
-        </pc:graphicFrameChg>
       </pc:sldChg>
       <pc:sldChg chg="addSp modSp new mod">
         <pc:chgData name="Ahshreyah Ross" userId="853aa158-3928-4290-990f-ace230c19a1e" providerId="ADAL" clId="{6D89C38F-58D6-4F62-B7B3-09BB6481E711}" dt="2025-02-18T04:00:21.340" v="1816" actId="20577"/>
@@ -1220,30 +830,6 @@
             <ac:spMk id="2" creationId="{45E68899-5FA8-2C0D-7B0A-5AEFAEFEF0A6}"/>
           </ac:spMkLst>
         </pc:spChg>
-        <pc:spChg chg="add del mod">
-          <ac:chgData name="Ahshreyah Ross" userId="853aa158-3928-4290-990f-ace230c19a1e" providerId="ADAL" clId="{6D89C38F-58D6-4F62-B7B3-09BB6481E711}" dt="2025-02-18T00:59:04.732" v="1112" actId="22"/>
-          <ac:spMkLst>
-            <pc:docMk/>
-            <pc:sldMk cId="152764462" sldId="264"/>
-            <ac:spMk id="4" creationId="{D801CDF5-8108-266D-691F-66BA7D754146}"/>
-          </ac:spMkLst>
-        </pc:spChg>
-        <pc:spChg chg="add del">
-          <ac:chgData name="Ahshreyah Ross" userId="853aa158-3928-4290-990f-ace230c19a1e" providerId="ADAL" clId="{6D89C38F-58D6-4F62-B7B3-09BB6481E711}" dt="2025-02-18T00:59:11.874" v="1114" actId="22"/>
-          <ac:spMkLst>
-            <pc:docMk/>
-            <pc:sldMk cId="152764462" sldId="264"/>
-            <ac:spMk id="6" creationId="{C9B09392-686A-FB6C-58B9-96542845D5DF}"/>
-          </ac:spMkLst>
-        </pc:spChg>
-        <pc:spChg chg="add del">
-          <ac:chgData name="Ahshreyah Ross" userId="853aa158-3928-4290-990f-ace230c19a1e" providerId="ADAL" clId="{6D89C38F-58D6-4F62-B7B3-09BB6481E711}" dt="2025-02-18T01:00:01.712" v="1116" actId="22"/>
-          <ac:spMkLst>
-            <pc:docMk/>
-            <pc:sldMk cId="152764462" sldId="264"/>
-            <ac:spMk id="8" creationId="{AA818E4F-69EA-55FE-C03B-FB8199964DAF}"/>
-          </ac:spMkLst>
-        </pc:spChg>
         <pc:spChg chg="add mod">
           <ac:chgData name="Ahshreyah Ross" userId="853aa158-3928-4290-990f-ace230c19a1e" providerId="ADAL" clId="{6D89C38F-58D6-4F62-B7B3-09BB6481E711}" dt="2025-02-18T05:11:59.304" v="2115" actId="255"/>
           <ac:spMkLst>
@@ -1324,22 +910,6 @@
             <ac:spMk id="137" creationId="{D03E3986-7974-EB0A-4010-2D40B731FE56}"/>
           </ac:spMkLst>
         </pc:spChg>
-        <pc:cxnChg chg="add del mod">
-          <ac:chgData name="Ahshreyah Ross" userId="853aa158-3928-4290-990f-ace230c19a1e" providerId="ADAL" clId="{6D89C38F-58D6-4F62-B7B3-09BB6481E711}" dt="2025-02-18T01:10:15.778" v="1185" actId="11529"/>
-          <ac:cxnSpMkLst>
-            <pc:docMk/>
-            <pc:sldMk cId="152764462" sldId="264"/>
-            <ac:cxnSpMk id="18" creationId="{44379188-7C45-07E2-BDC6-28AA17B87355}"/>
-          </ac:cxnSpMkLst>
-        </pc:cxnChg>
-        <pc:cxnChg chg="add del mod">
-          <ac:chgData name="Ahshreyah Ross" userId="853aa158-3928-4290-990f-ace230c19a1e" providerId="ADAL" clId="{6D89C38F-58D6-4F62-B7B3-09BB6481E711}" dt="2025-02-18T01:10:49.210" v="1189" actId="11529"/>
-          <ac:cxnSpMkLst>
-            <pc:docMk/>
-            <pc:sldMk cId="152764462" sldId="264"/>
-            <ac:cxnSpMk id="20" creationId="{DC7DF5C3-D335-0F9F-8770-EEAE1ED52D77}"/>
-          </ac:cxnSpMkLst>
-        </pc:cxnChg>
         <pc:cxnChg chg="add mod">
           <ac:chgData name="Ahshreyah Ross" userId="853aa158-3928-4290-990f-ace230c19a1e" providerId="ADAL" clId="{6D89C38F-58D6-4F62-B7B3-09BB6481E711}" dt="2025-02-18T05:06:22.381" v="2092" actId="1076"/>
           <ac:cxnSpMkLst>
@@ -1356,44 +926,12 @@
             <ac:cxnSpMk id="26" creationId="{66B458F3-71FC-572B-21AC-82542B4D229B}"/>
           </ac:cxnSpMkLst>
         </pc:cxnChg>
-        <pc:cxnChg chg="add del mod">
-          <ac:chgData name="Ahshreyah Ross" userId="853aa158-3928-4290-990f-ace230c19a1e" providerId="ADAL" clId="{6D89C38F-58D6-4F62-B7B3-09BB6481E711}" dt="2025-02-18T01:11:37.732" v="1197" actId="11529"/>
-          <ac:cxnSpMkLst>
-            <pc:docMk/>
-            <pc:sldMk cId="152764462" sldId="264"/>
-            <ac:cxnSpMk id="29" creationId="{DB7004D4-DBA5-DC36-180A-96B4629D3D2F}"/>
-          </ac:cxnSpMkLst>
-        </pc:cxnChg>
-        <pc:cxnChg chg="add del mod">
-          <ac:chgData name="Ahshreyah Ross" userId="853aa158-3928-4290-990f-ace230c19a1e" providerId="ADAL" clId="{6D89C38F-58D6-4F62-B7B3-09BB6481E711}" dt="2025-02-18T01:11:57.660" v="1201" actId="11529"/>
-          <ac:cxnSpMkLst>
-            <pc:docMk/>
-            <pc:sldMk cId="152764462" sldId="264"/>
-            <ac:cxnSpMk id="31" creationId="{684C81DC-805B-E05E-1299-90854EEFAD9E}"/>
-          </ac:cxnSpMkLst>
-        </pc:cxnChg>
         <pc:cxnChg chg="add mod">
           <ac:chgData name="Ahshreyah Ross" userId="853aa158-3928-4290-990f-ace230c19a1e" providerId="ADAL" clId="{6D89C38F-58D6-4F62-B7B3-09BB6481E711}" dt="2025-02-18T01:35:18.694" v="1352" actId="692"/>
           <ac:cxnSpMkLst>
             <pc:docMk/>
             <pc:sldMk cId="152764462" sldId="264"/>
             <ac:cxnSpMk id="34" creationId="{76627808-0CAF-6EA5-045B-6FAE16467126}"/>
-          </ac:cxnSpMkLst>
-        </pc:cxnChg>
-        <pc:cxnChg chg="add del mod">
-          <ac:chgData name="Ahshreyah Ross" userId="853aa158-3928-4290-990f-ace230c19a1e" providerId="ADAL" clId="{6D89C38F-58D6-4F62-B7B3-09BB6481E711}" dt="2025-02-18T01:13:21.471" v="1207" actId="11529"/>
-          <ac:cxnSpMkLst>
-            <pc:docMk/>
-            <pc:sldMk cId="152764462" sldId="264"/>
-            <ac:cxnSpMk id="37" creationId="{D72BA716-1788-DD6F-DC0A-A7DB90A4ED35}"/>
-          </ac:cxnSpMkLst>
-        </pc:cxnChg>
-        <pc:cxnChg chg="add del mod">
-          <ac:chgData name="Ahshreyah Ross" userId="853aa158-3928-4290-990f-ace230c19a1e" providerId="ADAL" clId="{6D89C38F-58D6-4F62-B7B3-09BB6481E711}" dt="2025-02-18T01:13:38.141" v="1212" actId="11529"/>
-          <ac:cxnSpMkLst>
-            <pc:docMk/>
-            <pc:sldMk cId="152764462" sldId="264"/>
-            <ac:cxnSpMk id="42" creationId="{6791D7FB-6A46-2E2B-A559-ABAA53177A1D}"/>
           </ac:cxnSpMkLst>
         </pc:cxnChg>
         <pc:cxnChg chg="add mod">
@@ -1539,22 +1077,6 @@
             <ac:spMk id="88" creationId="{05D7EDD7-7A16-235B-E1EA-7A3A420BCD74}"/>
           </ac:spMkLst>
         </pc:spChg>
-        <pc:spChg chg="del mod">
-          <ac:chgData name="Ahshreyah Ross" userId="853aa158-3928-4290-990f-ace230c19a1e" providerId="ADAL" clId="{6D89C38F-58D6-4F62-B7B3-09BB6481E711}" dt="2025-02-18T02:32:15.701" v="1535" actId="21"/>
-          <ac:spMkLst>
-            <pc:docMk/>
-            <pc:sldMk cId="2418564652" sldId="265"/>
-            <ac:spMk id="133" creationId="{AA77C39D-4A46-5959-5EFB-2D3D96D6FCD3}"/>
-          </ac:spMkLst>
-        </pc:spChg>
-        <pc:spChg chg="del mod">
-          <ac:chgData name="Ahshreyah Ross" userId="853aa158-3928-4290-990f-ace230c19a1e" providerId="ADAL" clId="{6D89C38F-58D6-4F62-B7B3-09BB6481E711}" dt="2025-02-18T02:32:11.322" v="1534" actId="21"/>
-          <ac:spMkLst>
-            <pc:docMk/>
-            <pc:sldMk cId="2418564652" sldId="265"/>
-            <ac:spMk id="137" creationId="{DA0D4BF9-8AA5-28EB-A5BB-E5EFCD7C8A79}"/>
-          </ac:spMkLst>
-        </pc:spChg>
         <pc:cxnChg chg="mod">
           <ac:chgData name="Ahshreyah Ross" userId="853aa158-3928-4290-990f-ace230c19a1e" providerId="ADAL" clId="{6D89C38F-58D6-4F62-B7B3-09BB6481E711}" dt="2025-02-18T02:13:11.882" v="1456" actId="14100"/>
           <ac:cxnSpMkLst>
@@ -1579,28 +1101,12 @@
             <ac:cxnSpMk id="34" creationId="{BF9BF8E9-EC9F-50CB-48FE-608567430AB6}"/>
           </ac:cxnSpMkLst>
         </pc:cxnChg>
-        <pc:cxnChg chg="add del mod">
-          <ac:chgData name="Ahshreyah Ross" userId="853aa158-3928-4290-990f-ace230c19a1e" providerId="ADAL" clId="{6D89C38F-58D6-4F62-B7B3-09BB6481E711}" dt="2025-02-18T02:37:44.976" v="1546" actId="21"/>
-          <ac:cxnSpMkLst>
-            <pc:docMk/>
-            <pc:sldMk cId="2418564652" sldId="265"/>
-            <ac:cxnSpMk id="41" creationId="{2C69DAD7-00E0-D94F-36CE-DDE399309390}"/>
-          </ac:cxnSpMkLst>
-        </pc:cxnChg>
         <pc:cxnChg chg="mod">
           <ac:chgData name="Ahshreyah Ross" userId="853aa158-3928-4290-990f-ace230c19a1e" providerId="ADAL" clId="{6D89C38F-58D6-4F62-B7B3-09BB6481E711}" dt="2025-02-18T02:44:23.694" v="1582" actId="1076"/>
           <ac:cxnSpMkLst>
             <pc:docMk/>
             <pc:sldMk cId="2418564652" sldId="265"/>
             <ac:cxnSpMk id="44" creationId="{888E07C0-CF8A-90CD-1AD7-D97DFBC7B54F}"/>
-          </ac:cxnSpMkLst>
-        </pc:cxnChg>
-        <pc:cxnChg chg="del mod">
-          <ac:chgData name="Ahshreyah Ross" userId="853aa158-3928-4290-990f-ace230c19a1e" providerId="ADAL" clId="{6D89C38F-58D6-4F62-B7B3-09BB6481E711}" dt="2025-02-18T02:36:48.031" v="1542" actId="21"/>
-          <ac:cxnSpMkLst>
-            <pc:docMk/>
-            <pc:sldMk cId="2418564652" sldId="265"/>
-            <ac:cxnSpMk id="47" creationId="{D31B2AE9-00F9-C56B-B253-05E612CDE37C}"/>
           </ac:cxnSpMkLst>
         </pc:cxnChg>
         <pc:cxnChg chg="add mod">
@@ -1619,14 +1125,6 @@
             <ac:cxnSpMk id="51" creationId="{DF17A648-1B7F-398F-7A9B-15E2B27D0C1B}"/>
           </ac:cxnSpMkLst>
         </pc:cxnChg>
-        <pc:cxnChg chg="del mod">
-          <ac:chgData name="Ahshreyah Ross" userId="853aa158-3928-4290-990f-ace230c19a1e" providerId="ADAL" clId="{6D89C38F-58D6-4F62-B7B3-09BB6481E711}" dt="2025-02-18T02:38:20.765" v="1549" actId="21"/>
-          <ac:cxnSpMkLst>
-            <pc:docMk/>
-            <pc:sldMk cId="2418564652" sldId="265"/>
-            <ac:cxnSpMk id="61" creationId="{3BFA7CE4-DD4B-2908-237E-893FF6B3AC2D}"/>
-          </ac:cxnSpMkLst>
-        </pc:cxnChg>
         <pc:cxnChg chg="mod">
           <ac:chgData name="Ahshreyah Ross" userId="853aa158-3928-4290-990f-ace230c19a1e" providerId="ADAL" clId="{6D89C38F-58D6-4F62-B7B3-09BB6481E711}" dt="2025-02-18T02:44:20.490" v="1581" actId="1076"/>
           <ac:cxnSpMkLst>
@@ -1641,14 +1139,6 @@
             <pc:docMk/>
             <pc:sldMk cId="2418564652" sldId="265"/>
             <ac:cxnSpMk id="67" creationId="{A2443E39-49BF-CFCA-DD38-9753ECEB93F1}"/>
-          </ac:cxnSpMkLst>
-        </pc:cxnChg>
-        <pc:cxnChg chg="add del mod">
-          <ac:chgData name="Ahshreyah Ross" userId="853aa158-3928-4290-990f-ace230c19a1e" providerId="ADAL" clId="{6D89C38F-58D6-4F62-B7B3-09BB6481E711}" dt="2025-02-18T02:41:06.150" v="1568" actId="11529"/>
-          <ac:cxnSpMkLst>
-            <pc:docMk/>
-            <pc:sldMk cId="2418564652" sldId="265"/>
-            <ac:cxnSpMk id="70" creationId="{A6EEBEEA-88B1-040B-3639-867C437F825E}"/>
           </ac:cxnSpMkLst>
         </pc:cxnChg>
         <pc:cxnChg chg="add mod">
@@ -1698,212 +1188,12 @@
             <ac:spMk id="8" creationId="{D4789EB8-C7B9-41CD-9B95-DCCECF1EB3B0}"/>
           </ac:spMkLst>
         </pc:spChg>
-        <pc:spChg chg="add del">
-          <ac:chgData name="Ahshreyah Ross" userId="853aa158-3928-4290-990f-ace230c19a1e" providerId="ADAL" clId="{6D89C38F-58D6-4F62-B7B3-09BB6481E711}" dt="2025-02-18T04:58:32.976" v="2058" actId="26606"/>
-          <ac:spMkLst>
-            <pc:docMk/>
-            <pc:sldMk cId="227700468" sldId="266"/>
-            <ac:spMk id="9" creationId="{D4789EB8-C7B9-41CD-9B95-DCCECF1EB3B0}"/>
-          </ac:spMkLst>
-        </pc:spChg>
-        <pc:spChg chg="add del">
-          <ac:chgData name="Ahshreyah Ross" userId="853aa158-3928-4290-990f-ace230c19a1e" providerId="ADAL" clId="{6D89C38F-58D6-4F62-B7B3-09BB6481E711}" dt="2025-02-18T04:56:56.554" v="2044" actId="26606"/>
-          <ac:spMkLst>
-            <pc:docMk/>
-            <pc:sldMk cId="227700468" sldId="266"/>
-            <ac:spMk id="10" creationId="{08D06AB2-D33D-4AC8-B96C-AB6FDD0AC25F}"/>
-          </ac:spMkLst>
-        </pc:spChg>
-        <pc:spChg chg="add del">
-          <ac:chgData name="Ahshreyah Ross" userId="853aa158-3928-4290-990f-ace230c19a1e" providerId="ADAL" clId="{6D89C38F-58D6-4F62-B7B3-09BB6481E711}" dt="2025-02-18T04:58:32.953" v="2057" actId="26606"/>
-          <ac:spMkLst>
-            <pc:docMk/>
-            <pc:sldMk cId="227700468" sldId="266"/>
-            <ac:spMk id="17" creationId="{564276B8-1A41-49DE-90A7-F070B4B6A4EC}"/>
-          </ac:spMkLst>
-        </pc:spChg>
-        <pc:spChg chg="add del">
-          <ac:chgData name="Ahshreyah Ross" userId="853aa158-3928-4290-990f-ace230c19a1e" providerId="ADAL" clId="{6D89C38F-58D6-4F62-B7B3-09BB6481E711}" dt="2025-02-18T04:58:03.966" v="2049" actId="26606"/>
-          <ac:spMkLst>
-            <pc:docMk/>
-            <pc:sldMk cId="227700468" sldId="266"/>
-            <ac:spMk id="20" creationId="{564276B8-1A41-49DE-90A7-F070B4B6A4EC}"/>
-          </ac:spMkLst>
-        </pc:spChg>
-        <pc:spChg chg="add del">
-          <ac:chgData name="Ahshreyah Ross" userId="853aa158-3928-4290-990f-ace230c19a1e" providerId="ADAL" clId="{6D89C38F-58D6-4F62-B7B3-09BB6481E711}" dt="2025-02-18T04:59:13.522" v="2067" actId="26606"/>
-          <ac:spMkLst>
-            <pc:docMk/>
-            <pc:sldMk cId="227700468" sldId="266"/>
-            <ac:spMk id="21" creationId="{D4789EB8-C7B9-41CD-9B95-DCCECF1EB3B0}"/>
-          </ac:spMkLst>
-        </pc:spChg>
-        <pc:spChg chg="add del">
-          <ac:chgData name="Ahshreyah Ross" userId="853aa158-3928-4290-990f-ace230c19a1e" providerId="ADAL" clId="{6D89C38F-58D6-4F62-B7B3-09BB6481E711}" dt="2025-02-18T04:58:05.971" v="2051" actId="26606"/>
-          <ac:spMkLst>
-            <pc:docMk/>
-            <pc:sldMk cId="227700468" sldId="266"/>
-            <ac:spMk id="26" creationId="{08D06AB2-D33D-4AC8-B96C-AB6FDD0AC25F}"/>
-          </ac:spMkLst>
-        </pc:spChg>
-        <pc:spChg chg="add del">
-          <ac:chgData name="Ahshreyah Ross" userId="853aa158-3928-4290-990f-ace230c19a1e" providerId="ADAL" clId="{6D89C38F-58D6-4F62-B7B3-09BB6481E711}" dt="2025-02-18T04:58:22.044" v="2053" actId="26606"/>
-          <ac:spMkLst>
-            <pc:docMk/>
-            <pc:sldMk cId="227700468" sldId="266"/>
-            <ac:spMk id="30" creationId="{564276B8-1A41-49DE-90A7-F070B4B6A4EC}"/>
-          </ac:spMkLst>
-        </pc:spChg>
-        <pc:spChg chg="add del">
-          <ac:chgData name="Ahshreyah Ross" userId="853aa158-3928-4290-990f-ace230c19a1e" providerId="ADAL" clId="{6D89C38F-58D6-4F62-B7B3-09BB6481E711}" dt="2025-02-18T04:58:56.917" v="2062" actId="26606"/>
-          <ac:spMkLst>
-            <pc:docMk/>
-            <pc:sldMk cId="227700468" sldId="266"/>
-            <ac:spMk id="34" creationId="{4290E407-46D5-417C-950B-FFCE020FBACE}"/>
-          </ac:spMkLst>
-        </pc:spChg>
-        <pc:spChg chg="add del">
-          <ac:chgData name="Ahshreyah Ross" userId="853aa158-3928-4290-990f-ace230c19a1e" providerId="ADAL" clId="{6D89C38F-58D6-4F62-B7B3-09BB6481E711}" dt="2025-02-18T04:59:10.835" v="2064" actId="26606"/>
-          <ac:spMkLst>
-            <pc:docMk/>
-            <pc:sldMk cId="227700468" sldId="266"/>
-            <ac:spMk id="42" creationId="{94CC7B66-E53B-4E40-BC17-0053F86562C9}"/>
-          </ac:spMkLst>
-        </pc:spChg>
-        <pc:spChg chg="add del">
-          <ac:chgData name="Ahshreyah Ross" userId="853aa158-3928-4290-990f-ace230c19a1e" providerId="ADAL" clId="{6D89C38F-58D6-4F62-B7B3-09BB6481E711}" dt="2025-02-18T04:59:13.521" v="2066" actId="26606"/>
-          <ac:spMkLst>
-            <pc:docMk/>
-            <pc:sldMk cId="227700468" sldId="266"/>
-            <ac:spMk id="47" creationId="{4701477D-DD7F-4787-9E83-2D39928A9CB0}"/>
-          </ac:spMkLst>
-        </pc:spChg>
         <pc:picChg chg="add mod ord">
           <ac:chgData name="Ahshreyah Ross" userId="853aa158-3928-4290-990f-ace230c19a1e" providerId="ADAL" clId="{6D89C38F-58D6-4F62-B7B3-09BB6481E711}" dt="2025-02-18T04:59:38.575" v="2070" actId="26606"/>
           <ac:picMkLst>
             <pc:docMk/>
             <pc:sldMk cId="227700468" sldId="266"/>
             <ac:picMk id="5" creationId="{5ED00F46-9A40-4B4D-E093-0ED5237E122D}"/>
-          </ac:picMkLst>
-        </pc:picChg>
-        <pc:picChg chg="add del">
-          <ac:chgData name="Ahshreyah Ross" userId="853aa158-3928-4290-990f-ace230c19a1e" providerId="ADAL" clId="{6D89C38F-58D6-4F62-B7B3-09BB6481E711}" dt="2025-02-18T04:56:56.554" v="2044" actId="26606"/>
-          <ac:picMkLst>
-            <pc:docMk/>
-            <pc:sldMk cId="227700468" sldId="266"/>
-            <ac:picMk id="7" creationId="{D71EC0A8-4E97-EDFC-E4BD-F86634D6C8AF}"/>
-          </ac:picMkLst>
-        </pc:picChg>
-        <pc:picChg chg="add del">
-          <ac:chgData name="Ahshreyah Ross" userId="853aa158-3928-4290-990f-ace230c19a1e" providerId="ADAL" clId="{6D89C38F-58D6-4F62-B7B3-09BB6481E711}" dt="2025-02-18T04:58:32.976" v="2058" actId="26606"/>
-          <ac:picMkLst>
-            <pc:docMk/>
-            <pc:sldMk cId="227700468" sldId="266"/>
-            <ac:picMk id="11" creationId="{09523DF8-9928-4EF3-8A60-071169D974CE}"/>
-          </ac:picMkLst>
-        </pc:picChg>
-        <pc:picChg chg="add del">
-          <ac:chgData name="Ahshreyah Ross" userId="853aa158-3928-4290-990f-ace230c19a1e" providerId="ADAL" clId="{6D89C38F-58D6-4F62-B7B3-09BB6481E711}" dt="2025-02-18T04:56:56.554" v="2044" actId="26606"/>
-          <ac:picMkLst>
-            <pc:docMk/>
-            <pc:sldMk cId="227700468" sldId="266"/>
-            <ac:picMk id="12" creationId="{10BCC819-9CA3-4721-9DE0-4AAAA7FB4D47}"/>
-          </ac:picMkLst>
-        </pc:picChg>
-        <pc:picChg chg="add del">
-          <ac:chgData name="Ahshreyah Ross" userId="853aa158-3928-4290-990f-ace230c19a1e" providerId="ADAL" clId="{6D89C38F-58D6-4F62-B7B3-09BB6481E711}" dt="2025-02-18T04:58:32.976" v="2058" actId="26606"/>
-          <ac:picMkLst>
-            <pc:docMk/>
-            <pc:sldMk cId="227700468" sldId="266"/>
-            <ac:picMk id="13" creationId="{0DBE017B-E5E7-4BF1-81B6-346D7281AB42}"/>
-          </ac:picMkLst>
-        </pc:picChg>
-        <pc:picChg chg="add del">
-          <ac:chgData name="Ahshreyah Ross" userId="853aa158-3928-4290-990f-ace230c19a1e" providerId="ADAL" clId="{6D89C38F-58D6-4F62-B7B3-09BB6481E711}" dt="2025-02-18T04:56:56.554" v="2044" actId="26606"/>
-          <ac:picMkLst>
-            <pc:docMk/>
-            <pc:sldMk cId="227700468" sldId="266"/>
-            <ac:picMk id="14" creationId="{0F546C42-F2B3-412F-89B1-709F9D7370A9}"/>
-          </ac:picMkLst>
-        </pc:picChg>
-        <pc:picChg chg="add del">
-          <ac:chgData name="Ahshreyah Ross" userId="853aa158-3928-4290-990f-ace230c19a1e" providerId="ADAL" clId="{6D89C38F-58D6-4F62-B7B3-09BB6481E711}" dt="2025-02-18T04:58:32.953" v="2057" actId="26606"/>
-          <ac:picMkLst>
-            <pc:docMk/>
-            <pc:sldMk cId="227700468" sldId="266"/>
-            <ac:picMk id="18" creationId="{5F7C92F8-CFE7-4D8A-AB04-2C4288002E04}"/>
-          </ac:picMkLst>
-        </pc:picChg>
-        <pc:picChg chg="add del">
-          <ac:chgData name="Ahshreyah Ross" userId="853aa158-3928-4290-990f-ace230c19a1e" providerId="ADAL" clId="{6D89C38F-58D6-4F62-B7B3-09BB6481E711}" dt="2025-02-18T04:58:32.953" v="2057" actId="26606"/>
-          <ac:picMkLst>
-            <pc:docMk/>
-            <pc:sldMk cId="227700468" sldId="266"/>
-            <ac:picMk id="19" creationId="{957CD5CB-E727-4276-ADCF-AF9E5E638D74}"/>
-          </ac:picMkLst>
-        </pc:picChg>
-        <pc:picChg chg="add del">
-          <ac:chgData name="Ahshreyah Ross" userId="853aa158-3928-4290-990f-ace230c19a1e" providerId="ADAL" clId="{6D89C38F-58D6-4F62-B7B3-09BB6481E711}" dt="2025-02-18T04:58:03.966" v="2049" actId="26606"/>
-          <ac:picMkLst>
-            <pc:docMk/>
-            <pc:sldMk cId="227700468" sldId="266"/>
-            <ac:picMk id="22" creationId="{5F7C92F8-CFE7-4D8A-AB04-2C4288002E04}"/>
-          </ac:picMkLst>
-        </pc:picChg>
-        <pc:picChg chg="add del">
-          <ac:chgData name="Ahshreyah Ross" userId="853aa158-3928-4290-990f-ace230c19a1e" providerId="ADAL" clId="{6D89C38F-58D6-4F62-B7B3-09BB6481E711}" dt="2025-02-18T04:59:13.522" v="2067" actId="26606"/>
-          <ac:picMkLst>
-            <pc:docMk/>
-            <pc:sldMk cId="227700468" sldId="266"/>
-            <ac:picMk id="23" creationId="{09523DF8-9928-4EF3-8A60-071169D974CE}"/>
-          </ac:picMkLst>
-        </pc:picChg>
-        <pc:picChg chg="add del">
-          <ac:chgData name="Ahshreyah Ross" userId="853aa158-3928-4290-990f-ace230c19a1e" providerId="ADAL" clId="{6D89C38F-58D6-4F62-B7B3-09BB6481E711}" dt="2025-02-18T04:58:03.966" v="2049" actId="26606"/>
-          <ac:picMkLst>
-            <pc:docMk/>
-            <pc:sldMk cId="227700468" sldId="266"/>
-            <ac:picMk id="24" creationId="{957CD5CB-E727-4276-ADCF-AF9E5E638D74}"/>
-          </ac:picMkLst>
-        </pc:picChg>
-        <pc:picChg chg="add del">
-          <ac:chgData name="Ahshreyah Ross" userId="853aa158-3928-4290-990f-ace230c19a1e" providerId="ADAL" clId="{6D89C38F-58D6-4F62-B7B3-09BB6481E711}" dt="2025-02-18T04:59:13.522" v="2067" actId="26606"/>
-          <ac:picMkLst>
-            <pc:docMk/>
-            <pc:sldMk cId="227700468" sldId="266"/>
-            <ac:picMk id="25" creationId="{0DBE017B-E5E7-4BF1-81B6-346D7281AB42}"/>
-          </ac:picMkLst>
-        </pc:picChg>
-        <pc:picChg chg="add del">
-          <ac:chgData name="Ahshreyah Ross" userId="853aa158-3928-4290-990f-ace230c19a1e" providerId="ADAL" clId="{6D89C38F-58D6-4F62-B7B3-09BB6481E711}" dt="2025-02-18T04:58:05.971" v="2051" actId="26606"/>
-          <ac:picMkLst>
-            <pc:docMk/>
-            <pc:sldMk cId="227700468" sldId="266"/>
-            <ac:picMk id="27" creationId="{10BCC819-9CA3-4721-9DE0-4AAAA7FB4D47}"/>
-          </ac:picMkLst>
-        </pc:picChg>
-        <pc:picChg chg="add del">
-          <ac:chgData name="Ahshreyah Ross" userId="853aa158-3928-4290-990f-ace230c19a1e" providerId="ADAL" clId="{6D89C38F-58D6-4F62-B7B3-09BB6481E711}" dt="2025-02-18T04:58:05.971" v="2051" actId="26606"/>
-          <ac:picMkLst>
-            <pc:docMk/>
-            <pc:sldMk cId="227700468" sldId="266"/>
-            <ac:picMk id="28" creationId="{0F546C42-F2B3-412F-89B1-709F9D7370A9}"/>
-          </ac:picMkLst>
-        </pc:picChg>
-        <pc:picChg chg="add del">
-          <ac:chgData name="Ahshreyah Ross" userId="853aa158-3928-4290-990f-ace230c19a1e" providerId="ADAL" clId="{6D89C38F-58D6-4F62-B7B3-09BB6481E711}" dt="2025-02-18T04:58:22.044" v="2053" actId="26606"/>
-          <ac:picMkLst>
-            <pc:docMk/>
-            <pc:sldMk cId="227700468" sldId="266"/>
-            <ac:picMk id="31" creationId="{5F7C92F8-CFE7-4D8A-AB04-2C4288002E04}"/>
-          </ac:picMkLst>
-        </pc:picChg>
-        <pc:picChg chg="add del">
-          <ac:chgData name="Ahshreyah Ross" userId="853aa158-3928-4290-990f-ace230c19a1e" providerId="ADAL" clId="{6D89C38F-58D6-4F62-B7B3-09BB6481E711}" dt="2025-02-18T04:58:22.044" v="2053" actId="26606"/>
-          <ac:picMkLst>
-            <pc:docMk/>
-            <pc:sldMk cId="227700468" sldId="266"/>
-            <ac:picMk id="32" creationId="{957CD5CB-E727-4276-ADCF-AF9E5E638D74}"/>
           </ac:picMkLst>
         </pc:picChg>
         <pc:picChg chg="add">
@@ -1922,68 +1212,12 @@
             <ac:picMk id="35" creationId="{0DBE017B-E5E7-4BF1-81B6-346D7281AB42}"/>
           </ac:picMkLst>
         </pc:picChg>
-        <pc:picChg chg="add del">
-          <ac:chgData name="Ahshreyah Ross" userId="853aa158-3928-4290-990f-ace230c19a1e" providerId="ADAL" clId="{6D89C38F-58D6-4F62-B7B3-09BB6481E711}" dt="2025-02-18T04:58:56.917" v="2062" actId="26606"/>
-          <ac:picMkLst>
-            <pc:docMk/>
-            <pc:sldMk cId="227700468" sldId="266"/>
-            <ac:picMk id="36" creationId="{59757E87-8140-4CB5-A5D5-45526A79879F}"/>
-          </ac:picMkLst>
-        </pc:picChg>
-        <pc:picChg chg="add del">
-          <ac:chgData name="Ahshreyah Ross" userId="853aa158-3928-4290-990f-ace230c19a1e" providerId="ADAL" clId="{6D89C38F-58D6-4F62-B7B3-09BB6481E711}" dt="2025-02-18T04:58:56.917" v="2062" actId="26606"/>
-          <ac:picMkLst>
-            <pc:docMk/>
-            <pc:sldMk cId="227700468" sldId="266"/>
-            <ac:picMk id="38" creationId="{B07B28F1-DF3A-40EC-B797-F8D0E88FC96F}"/>
-          </ac:picMkLst>
-        </pc:picChg>
-        <pc:picChg chg="add del">
-          <ac:chgData name="Ahshreyah Ross" userId="853aa158-3928-4290-990f-ace230c19a1e" providerId="ADAL" clId="{6D89C38F-58D6-4F62-B7B3-09BB6481E711}" dt="2025-02-18T04:59:10.835" v="2064" actId="26606"/>
-          <ac:picMkLst>
-            <pc:docMk/>
-            <pc:sldMk cId="227700468" sldId="266"/>
-            <ac:picMk id="43" creationId="{C4CDAE11-D651-4706-9D61-DDD72A8D5892}"/>
-          </ac:picMkLst>
-        </pc:picChg>
-        <pc:picChg chg="add del">
-          <ac:chgData name="Ahshreyah Ross" userId="853aa158-3928-4290-990f-ace230c19a1e" providerId="ADAL" clId="{6D89C38F-58D6-4F62-B7B3-09BB6481E711}" dt="2025-02-18T04:59:10.835" v="2064" actId="26606"/>
-          <ac:picMkLst>
-            <pc:docMk/>
-            <pc:sldMk cId="227700468" sldId="266"/>
-            <ac:picMk id="44" creationId="{6C6CBE8A-EE59-4D48-9407-8968DE82E982}"/>
-          </ac:picMkLst>
-        </pc:picChg>
-        <pc:picChg chg="add del">
-          <ac:chgData name="Ahshreyah Ross" userId="853aa158-3928-4290-990f-ace230c19a1e" providerId="ADAL" clId="{6D89C38F-58D6-4F62-B7B3-09BB6481E711}" dt="2025-02-18T04:59:13.521" v="2066" actId="26606"/>
-          <ac:picMkLst>
-            <pc:docMk/>
-            <pc:sldMk cId="227700468" sldId="266"/>
-            <ac:picMk id="46" creationId="{263C7D85-904F-423D-BCE2-0FB3DA6DBF0A}"/>
-          </ac:picMkLst>
-        </pc:picChg>
-        <pc:cxnChg chg="add del">
-          <ac:chgData name="Ahshreyah Ross" userId="853aa158-3928-4290-990f-ace230c19a1e" providerId="ADAL" clId="{6D89C38F-58D6-4F62-B7B3-09BB6481E711}" dt="2025-02-18T04:58:32.976" v="2058" actId="26606"/>
-          <ac:cxnSpMkLst>
-            <pc:docMk/>
-            <pc:sldMk cId="227700468" sldId="266"/>
-            <ac:cxnSpMk id="15" creationId="{C1A230AA-FCCE-4008-A77C-D74AB0F513F3}"/>
-          </ac:cxnSpMkLst>
-        </pc:cxnChg>
         <pc:cxnChg chg="add">
           <ac:chgData name="Ahshreyah Ross" userId="853aa158-3928-4290-990f-ace230c19a1e" providerId="ADAL" clId="{6D89C38F-58D6-4F62-B7B3-09BB6481E711}" dt="2025-02-18T04:59:38.575" v="2070" actId="26606"/>
           <ac:cxnSpMkLst>
             <pc:docMk/>
             <pc:sldMk cId="227700468" sldId="266"/>
             <ac:cxnSpMk id="16" creationId="{C1A230AA-FCCE-4008-A77C-D74AB0F513F3}"/>
-          </ac:cxnSpMkLst>
-        </pc:cxnChg>
-        <pc:cxnChg chg="add del">
-          <ac:chgData name="Ahshreyah Ross" userId="853aa158-3928-4290-990f-ace230c19a1e" providerId="ADAL" clId="{6D89C38F-58D6-4F62-B7B3-09BB6481E711}" dt="2025-02-18T04:59:13.522" v="2067" actId="26606"/>
-          <ac:cxnSpMkLst>
-            <pc:docMk/>
-            <pc:sldMk cId="227700468" sldId="266"/>
-            <ac:cxnSpMk id="29" creationId="{C1A230AA-FCCE-4008-A77C-D74AB0F513F3}"/>
           </ac:cxnSpMkLst>
         </pc:cxnChg>
       </pc:sldChg>
@@ -6193,7 +5427,7 @@
           <a:p>
             <a:fld id="{CE864E83-6FC7-4E97-A3F9-B85CDBDFF766}" type="datetimeFigureOut">
               <a:rPr lang="en-US" smtClean="0"/>
-              <a:t>2/16/2025</a:t>
+              <a:t>2/23/2025</a:t>
             </a:fld>
             <a:endParaRPr lang="en-US"/>
           </a:p>
@@ -6715,7 +5949,7 @@
           <a:p>
             <a:fld id="{835AD30F-DF81-4E09-A61A-1569B15C2A90}" type="datetimeFigureOut">
               <a:rPr lang="en-US" smtClean="0"/>
-              <a:t>2/15/2025</a:t>
+              <a:t>2/23/2025</a:t>
             </a:fld>
             <a:endParaRPr lang="en-US"/>
           </a:p>
@@ -7030,7 +6264,7 @@
           <a:p>
             <a:fld id="{835AD30F-DF81-4E09-A61A-1569B15C2A90}" type="datetimeFigureOut">
               <a:rPr lang="en-US" smtClean="0"/>
-              <a:t>2/15/2025</a:t>
+              <a:t>2/23/2025</a:t>
             </a:fld>
             <a:endParaRPr lang="en-US"/>
           </a:p>
@@ -7252,7 +6486,7 @@
           <a:p>
             <a:fld id="{835AD30F-DF81-4E09-A61A-1569B15C2A90}" type="datetimeFigureOut">
               <a:rPr lang="en-US" smtClean="0"/>
-              <a:t>2/15/2025</a:t>
+              <a:t>2/23/2025</a:t>
             </a:fld>
             <a:endParaRPr lang="en-US"/>
           </a:p>
@@ -7543,7 +6777,7 @@
           <a:p>
             <a:fld id="{835AD30F-DF81-4E09-A61A-1569B15C2A90}" type="datetimeFigureOut">
               <a:rPr lang="en-US" smtClean="0"/>
-              <a:t>2/15/2025</a:t>
+              <a:t>2/23/2025</a:t>
             </a:fld>
             <a:endParaRPr lang="en-US"/>
           </a:p>
@@ -7997,7 +7231,7 @@
           <a:p>
             <a:fld id="{835AD30F-DF81-4E09-A61A-1569B15C2A90}" type="datetimeFigureOut">
               <a:rPr lang="en-US" smtClean="0"/>
-              <a:t>2/15/2025</a:t>
+              <a:t>2/23/2025</a:t>
             </a:fld>
             <a:endParaRPr lang="en-US"/>
           </a:p>
@@ -8573,7 +7807,7 @@
           <a:p>
             <a:fld id="{835AD30F-DF81-4E09-A61A-1569B15C2A90}" type="datetimeFigureOut">
               <a:rPr lang="en-US" smtClean="0"/>
-              <a:t>2/15/2025</a:t>
+              <a:t>2/23/2025</a:t>
             </a:fld>
             <a:endParaRPr lang="en-US"/>
           </a:p>
@@ -9434,7 +8668,7 @@
           <a:p>
             <a:fld id="{835AD30F-DF81-4E09-A61A-1569B15C2A90}" type="datetimeFigureOut">
               <a:rPr lang="en-US" smtClean="0"/>
-              <a:t>2/15/2025</a:t>
+              <a:t>2/23/2025</a:t>
             </a:fld>
             <a:endParaRPr lang="en-US"/>
           </a:p>
@@ -9639,7 +8873,7 @@
           <a:p>
             <a:fld id="{835AD30F-DF81-4E09-A61A-1569B15C2A90}" type="datetimeFigureOut">
               <a:rPr lang="en-US" smtClean="0"/>
-              <a:t>2/15/2025</a:t>
+              <a:t>2/23/2025</a:t>
             </a:fld>
             <a:endParaRPr lang="en-US"/>
           </a:p>
@@ -9853,7 +9087,7 @@
           <a:p>
             <a:fld id="{835AD30F-DF81-4E09-A61A-1569B15C2A90}" type="datetimeFigureOut">
               <a:rPr lang="en-US" smtClean="0"/>
-              <a:t>2/15/2025</a:t>
+              <a:t>2/23/2025</a:t>
             </a:fld>
             <a:endParaRPr lang="en-US"/>
           </a:p>
@@ -10039,7 +9273,7 @@
           <a:p>
             <a:fld id="{835AD30F-DF81-4E09-A61A-1569B15C2A90}" type="datetimeFigureOut">
               <a:rPr lang="en-US" smtClean="0"/>
-              <a:t>2/15/2025</a:t>
+              <a:t>2/23/2025</a:t>
             </a:fld>
             <a:endParaRPr lang="en-US"/>
           </a:p>
@@ -10256,7 +9490,7 @@
           <a:p>
             <a:fld id="{835AD30F-DF81-4E09-A61A-1569B15C2A90}" type="datetimeFigureOut">
               <a:rPr lang="en-US" smtClean="0"/>
-              <a:t>2/15/2025</a:t>
+              <a:t>2/23/2025</a:t>
             </a:fld>
             <a:endParaRPr lang="en-US"/>
           </a:p>
@@ -10536,7 +9770,7 @@
           <a:p>
             <a:fld id="{835AD30F-DF81-4E09-A61A-1569B15C2A90}" type="datetimeFigureOut">
               <a:rPr lang="en-US" smtClean="0"/>
-              <a:t>2/15/2025</a:t>
+              <a:t>2/23/2025</a:t>
             </a:fld>
             <a:endParaRPr lang="en-US"/>
           </a:p>
@@ -10803,7 +10037,7 @@
           <a:p>
             <a:fld id="{835AD30F-DF81-4E09-A61A-1569B15C2A90}" type="datetimeFigureOut">
               <a:rPr lang="en-US" smtClean="0"/>
-              <a:t>2/15/2025</a:t>
+              <a:t>2/23/2025</a:t>
             </a:fld>
             <a:endParaRPr lang="en-US"/>
           </a:p>
@@ -11218,7 +10452,7 @@
           <a:p>
             <a:fld id="{835AD30F-DF81-4E09-A61A-1569B15C2A90}" type="datetimeFigureOut">
               <a:rPr lang="en-US" smtClean="0"/>
-              <a:t>2/15/2025</a:t>
+              <a:t>2/23/2025</a:t>
             </a:fld>
             <a:endParaRPr lang="en-US"/>
           </a:p>
@@ -11366,7 +10600,7 @@
           <a:p>
             <a:fld id="{835AD30F-DF81-4E09-A61A-1569B15C2A90}" type="datetimeFigureOut">
               <a:rPr lang="en-US" smtClean="0"/>
-              <a:t>2/15/2025</a:t>
+              <a:t>2/23/2025</a:t>
             </a:fld>
             <a:endParaRPr lang="en-US"/>
           </a:p>
@@ -11491,7 +10725,7 @@
           <a:p>
             <a:fld id="{835AD30F-DF81-4E09-A61A-1569B15C2A90}" type="datetimeFigureOut">
               <a:rPr lang="en-US" smtClean="0"/>
-              <a:t>2/15/2025</a:t>
+              <a:t>2/23/2025</a:t>
             </a:fld>
             <a:endParaRPr lang="en-US"/>
           </a:p>
@@ -11770,7 +11004,7 @@
           <a:p>
             <a:fld id="{835AD30F-DF81-4E09-A61A-1569B15C2A90}" type="datetimeFigureOut">
               <a:rPr lang="en-US" smtClean="0"/>
-              <a:t>2/15/2025</a:t>
+              <a:t>2/23/2025</a:t>
             </a:fld>
             <a:endParaRPr lang="en-US"/>
           </a:p>
@@ -12085,7 +11319,7 @@
           <a:p>
             <a:fld id="{835AD30F-DF81-4E09-A61A-1569B15C2A90}" type="datetimeFigureOut">
               <a:rPr lang="en-US" smtClean="0"/>
-              <a:t>2/15/2025</a:t>
+              <a:t>2/23/2025</a:t>
             </a:fld>
             <a:endParaRPr lang="en-US"/>
           </a:p>
@@ -12338,7 +11572,7 @@
           <a:p>
             <a:fld id="{835AD30F-DF81-4E09-A61A-1569B15C2A90}" type="datetimeFigureOut">
               <a:rPr lang="en-US" smtClean="0"/>
-              <a:t>2/15/2025</a:t>
+              <a:t>2/23/2025</a:t>
             </a:fld>
             <a:endParaRPr lang="en-US"/>
           </a:p>
@@ -13275,6 +12509,299 @@
 </p:sld>
 </file>
 
+<file path=ppt/slides/slide10.xml><?xml version="1.0" encoding="utf-8"?>
+<p:sld xmlns:a="http://schemas.openxmlformats.org/drawingml/2006/main" xmlns:r="http://schemas.openxmlformats.org/officeDocument/2006/relationships" xmlns:p="http://schemas.openxmlformats.org/presentationml/2006/main">
+  <p:cSld>
+    <p:spTree>
+      <p:nvGrpSpPr>
+        <p:cNvPr id="1" name=""/>
+        <p:cNvGrpSpPr/>
+        <p:nvPr/>
+      </p:nvGrpSpPr>
+      <p:grpSpPr>
+        <a:xfrm>
+          <a:off x="0" y="0"/>
+          <a:ext cx="0" cy="0"/>
+          <a:chOff x="0" y="0"/>
+          <a:chExt cx="0" cy="0"/>
+        </a:xfrm>
+      </p:grpSpPr>
+      <p:sp>
+        <p:nvSpPr>
+          <p:cNvPr id="2" name="Title 1">
+            <a:extLst>
+              <a:ext uri="{FF2B5EF4-FFF2-40B4-BE49-F238E27FC236}">
+                <a16:creationId xmlns:a16="http://schemas.microsoft.com/office/drawing/2014/main" id="{E16C441C-5395-A97F-5720-F03C227C2566}"/>
+              </a:ext>
+            </a:extLst>
+          </p:cNvPr>
+          <p:cNvSpPr>
+            <a:spLocks noGrp="1"/>
+          </p:cNvSpPr>
+          <p:nvPr>
+            <p:ph type="title"/>
+          </p:nvPr>
+        </p:nvSpPr>
+        <p:spPr>
+          <a:xfrm>
+            <a:off x="879727" y="389918"/>
+            <a:ext cx="10364451" cy="676883"/>
+          </a:xfrm>
+        </p:spPr>
+        <p:txBody>
+          <a:bodyPr/>
+          <a:lstStyle/>
+          <a:p>
+            <a:r>
+              <a:rPr lang="en-US" dirty="0" err="1"/>
+              <a:t>Github</a:t>
+            </a:r>
+            <a:r>
+              <a:rPr lang="en-US" dirty="0"/>
+              <a:t> Repository</a:t>
+            </a:r>
+          </a:p>
+        </p:txBody>
+      </p:sp>
+      <p:sp>
+        <p:nvSpPr>
+          <p:cNvPr id="3" name="Content Placeholder 2">
+            <a:extLst>
+              <a:ext uri="{FF2B5EF4-FFF2-40B4-BE49-F238E27FC236}">
+                <a16:creationId xmlns:a16="http://schemas.microsoft.com/office/drawing/2014/main" id="{34BE4DC7-8A9C-1D11-473D-24B1BD45F887}"/>
+              </a:ext>
+            </a:extLst>
+          </p:cNvPr>
+          <p:cNvSpPr>
+            <a:spLocks noGrp="1"/>
+          </p:cNvSpPr>
+          <p:nvPr>
+            <p:ph sz="quarter" idx="13"/>
+          </p:nvPr>
+        </p:nvSpPr>
+        <p:spPr>
+          <a:xfrm>
+            <a:off x="934289" y="1295400"/>
+            <a:ext cx="6248400" cy="492854"/>
+          </a:xfrm>
+        </p:spPr>
+        <p:txBody>
+          <a:bodyPr/>
+          <a:lstStyle/>
+          <a:p>
+            <a:pPr marL="0" indent="0">
+              <a:buNone/>
+            </a:pPr>
+            <a:r>
+              <a:rPr lang="en-US" sz="1800" dirty="0">
+                <a:hlinkClick r:id="rId2"/>
+              </a:rPr>
+              <a:t>https://github.com/ashreyah/Coned-Internship</a:t>
+            </a:r>
+            <a:endParaRPr lang="en-US" sz="1800" dirty="0"/>
+          </a:p>
+          <a:p>
+            <a:pPr marL="0" indent="0">
+              <a:buNone/>
+            </a:pPr>
+            <a:endParaRPr lang="en-US" dirty="0"/>
+          </a:p>
+        </p:txBody>
+      </p:sp>
+      <p:pic>
+        <p:nvPicPr>
+          <p:cNvPr id="5" name="Picture 4" descr="A screenshot of a computer&#10;&#10;AI-generated content may be incorrect.">
+            <a:extLst>
+              <a:ext uri="{FF2B5EF4-FFF2-40B4-BE49-F238E27FC236}">
+                <a16:creationId xmlns:a16="http://schemas.microsoft.com/office/drawing/2014/main" id="{20045406-3127-3EF2-362F-162C37016E4F}"/>
+              </a:ext>
+            </a:extLst>
+          </p:cNvPr>
+          <p:cNvPicPr>
+            <a:picLocks noChangeAspect="1"/>
+          </p:cNvPicPr>
+          <p:nvPr/>
+        </p:nvPicPr>
+        <p:blipFill>
+          <a:blip r:embed="rId3">
+            <a:extLst>
+              <a:ext uri="{28A0092B-C50C-407E-A947-70E740481C1C}">
+                <a14:useLocalDpi xmlns:a14="http://schemas.microsoft.com/office/drawing/2010/main" val="0"/>
+              </a:ext>
+            </a:extLst>
+          </a:blip>
+          <a:stretch>
+            <a:fillRect/>
+          </a:stretch>
+        </p:blipFill>
+        <p:spPr>
+          <a:xfrm>
+            <a:off x="934289" y="1713486"/>
+            <a:ext cx="10323421" cy="4813206"/>
+          </a:xfrm>
+          <a:prstGeom prst="rect">
+            <a:avLst/>
+          </a:prstGeom>
+        </p:spPr>
+      </p:pic>
+    </p:spTree>
+    <p:extLst>
+      <p:ext uri="{BB962C8B-B14F-4D97-AF65-F5344CB8AC3E}">
+        <p14:creationId xmlns:p14="http://schemas.microsoft.com/office/powerpoint/2010/main" val="113141021"/>
+      </p:ext>
+    </p:extLst>
+  </p:cSld>
+  <p:clrMapOvr>
+    <a:masterClrMapping/>
+  </p:clrMapOvr>
+</p:sld>
+</file>
+
+<file path=ppt/slides/slide11.xml><?xml version="1.0" encoding="utf-8"?>
+<p:sld xmlns:a="http://schemas.openxmlformats.org/drawingml/2006/main" xmlns:r="http://schemas.openxmlformats.org/officeDocument/2006/relationships" xmlns:p="http://schemas.openxmlformats.org/presentationml/2006/main">
+  <p:cSld>
+    <p:spTree>
+      <p:nvGrpSpPr>
+        <p:cNvPr id="1" name=""/>
+        <p:cNvGrpSpPr/>
+        <p:nvPr/>
+      </p:nvGrpSpPr>
+      <p:grpSpPr>
+        <a:xfrm>
+          <a:off x="0" y="0"/>
+          <a:ext cx="0" cy="0"/>
+          <a:chOff x="0" y="0"/>
+          <a:chExt cx="0" cy="0"/>
+        </a:xfrm>
+      </p:grpSpPr>
+      <p:sp>
+        <p:nvSpPr>
+          <p:cNvPr id="2" name="Title 1">
+            <a:extLst>
+              <a:ext uri="{FF2B5EF4-FFF2-40B4-BE49-F238E27FC236}">
+                <a16:creationId xmlns:a16="http://schemas.microsoft.com/office/drawing/2014/main" id="{9D39832C-2F26-ABD4-3EEF-4621C7F50D84}"/>
+              </a:ext>
+            </a:extLst>
+          </p:cNvPr>
+          <p:cNvSpPr>
+            <a:spLocks noGrp="1"/>
+          </p:cNvSpPr>
+          <p:nvPr>
+            <p:ph type="title"/>
+          </p:nvPr>
+        </p:nvSpPr>
+        <p:spPr>
+          <a:xfrm>
+            <a:off x="913774" y="515568"/>
+            <a:ext cx="10364451" cy="627432"/>
+          </a:xfrm>
+        </p:spPr>
+        <p:txBody>
+          <a:bodyPr>
+            <a:normAutofit/>
+          </a:bodyPr>
+          <a:lstStyle/>
+          <a:p>
+            <a:r>
+              <a:rPr lang="en-US" dirty="0"/>
+              <a:t>Project Management</a:t>
+            </a:r>
+          </a:p>
+        </p:txBody>
+      </p:sp>
+      <p:sp>
+        <p:nvSpPr>
+          <p:cNvPr id="3" name="Content Placeholder 2">
+            <a:extLst>
+              <a:ext uri="{FF2B5EF4-FFF2-40B4-BE49-F238E27FC236}">
+                <a16:creationId xmlns:a16="http://schemas.microsoft.com/office/drawing/2014/main" id="{0DC5D0A5-CD1C-B039-3746-B2D04A176B0D}"/>
+              </a:ext>
+            </a:extLst>
+          </p:cNvPr>
+          <p:cNvSpPr>
+            <a:spLocks noGrp="1"/>
+          </p:cNvSpPr>
+          <p:nvPr>
+            <p:ph sz="quarter" idx="13"/>
+          </p:nvPr>
+        </p:nvSpPr>
+        <p:spPr>
+          <a:xfrm>
+            <a:off x="1066812" y="1426695"/>
+            <a:ext cx="6554451" cy="528508"/>
+          </a:xfrm>
+        </p:spPr>
+        <p:txBody>
+          <a:bodyPr>
+            <a:normAutofit/>
+          </a:bodyPr>
+          <a:lstStyle/>
+          <a:p>
+            <a:pPr marL="0" indent="0">
+              <a:buNone/>
+            </a:pPr>
+            <a:r>
+              <a:rPr lang="en-US" sz="1800" dirty="0">
+                <a:hlinkClick r:id="rId2"/>
+              </a:rPr>
+              <a:t>https://github.com/users/ashreyah/projects/1</a:t>
+            </a:r>
+            <a:r>
+              <a:rPr lang="en-US" sz="1800" dirty="0"/>
+              <a:t> </a:t>
+            </a:r>
+          </a:p>
+        </p:txBody>
+      </p:sp>
+      <p:pic>
+        <p:nvPicPr>
+          <p:cNvPr id="5" name="Picture 4" descr="A screenshot of a computer&#10;&#10;AI-generated content may be incorrect.">
+            <a:extLst>
+              <a:ext uri="{FF2B5EF4-FFF2-40B4-BE49-F238E27FC236}">
+                <a16:creationId xmlns:a16="http://schemas.microsoft.com/office/drawing/2014/main" id="{D1BAFBDD-306A-597B-8113-F1838BE077E8}"/>
+              </a:ext>
+            </a:extLst>
+          </p:cNvPr>
+          <p:cNvPicPr>
+            <a:picLocks noChangeAspect="1"/>
+          </p:cNvPicPr>
+          <p:nvPr/>
+        </p:nvPicPr>
+        <p:blipFill>
+          <a:blip r:embed="rId3">
+            <a:extLst>
+              <a:ext uri="{28A0092B-C50C-407E-A947-70E740481C1C}">
+                <a14:useLocalDpi xmlns:a14="http://schemas.microsoft.com/office/drawing/2010/main" val="0"/>
+              </a:ext>
+            </a:extLst>
+          </a:blip>
+          <a:stretch>
+            <a:fillRect/>
+          </a:stretch>
+        </p:blipFill>
+        <p:spPr>
+          <a:xfrm>
+            <a:off x="1066813" y="1828800"/>
+            <a:ext cx="10058375" cy="4630212"/>
+          </a:xfrm>
+          <a:prstGeom prst="rect">
+            <a:avLst/>
+          </a:prstGeom>
+        </p:spPr>
+      </p:pic>
+    </p:spTree>
+    <p:extLst>
+      <p:ext uri="{BB962C8B-B14F-4D97-AF65-F5344CB8AC3E}">
+        <p14:creationId xmlns:p14="http://schemas.microsoft.com/office/powerpoint/2010/main" val="2702601018"/>
+      </p:ext>
+    </p:extLst>
+  </p:cSld>
+  <p:clrMapOvr>
+    <a:masterClrMapping/>
+  </p:clrMapOvr>
+</p:sld>
+</file>
+
 <file path=ppt/slides/slide2.xml><?xml version="1.0" encoding="utf-8"?>
 <p:sld xmlns:a="http://schemas.openxmlformats.org/drawingml/2006/main" xmlns:r="http://schemas.openxmlformats.org/officeDocument/2006/relationships" xmlns:p="http://schemas.openxmlformats.org/presentationml/2006/main">
   <p:cSld>
@@ -17524,6 +17051,42 @@
           <a:xfrm>
             <a:off x="9946660" y="3612171"/>
             <a:ext cx="1145381" cy="387854"/>
+          </a:xfrm>
+          <a:prstGeom prst="rect">
+            <a:avLst/>
+          </a:prstGeom>
+        </p:spPr>
+      </p:pic>
+      <p:pic>
+        <p:nvPicPr>
+          <p:cNvPr id="4" name="Picture 3" descr="A blue and black logo&#10;&#10;AI-generated content may be incorrect.">
+            <a:extLst>
+              <a:ext uri="{FF2B5EF4-FFF2-40B4-BE49-F238E27FC236}">
+                <a16:creationId xmlns:a16="http://schemas.microsoft.com/office/drawing/2014/main" id="{155E1A81-6F68-13DA-8373-74CA8807DEBD}"/>
+              </a:ext>
+            </a:extLst>
+          </p:cNvPr>
+          <p:cNvPicPr>
+            <a:picLocks noChangeAspect="1"/>
+          </p:cNvPicPr>
+          <p:nvPr/>
+        </p:nvPicPr>
+        <p:blipFill>
+          <a:blip r:embed="rId16">
+            <a:extLst>
+              <a:ext uri="{28A0092B-C50C-407E-A947-70E740481C1C}">
+                <a14:useLocalDpi xmlns:a14="http://schemas.microsoft.com/office/drawing/2010/main" val="0"/>
+              </a:ext>
+            </a:extLst>
+          </a:blip>
+          <a:stretch>
+            <a:fillRect/>
+          </a:stretch>
+        </p:blipFill>
+        <p:spPr>
+          <a:xfrm>
+            <a:off x="6623096" y="2461012"/>
+            <a:ext cx="1853434" cy="1043218"/>
           </a:xfrm>
           <a:prstGeom prst="rect">
             <a:avLst/>
@@ -20477,6 +20040,15 @@
 </file>
 
 <file path=customXml/item1.xml><?xml version="1.0" encoding="utf-8"?>
+<?mso-contentType ?>
+<FormTemplates xmlns="http://schemas.microsoft.com/sharepoint/v3/contenttype/forms">
+  <Display>DocumentLibraryForm</Display>
+  <Edit>DocumentLibraryForm</Edit>
+  <New>DocumentLibraryForm</New>
+</FormTemplates>
+</file>
+
+<file path=customXml/item2.xml><?xml version="1.0" encoding="utf-8"?>
 <ct:contentTypeSchema xmlns:ct="http://schemas.microsoft.com/office/2006/metadata/contentType" xmlns:ma="http://schemas.microsoft.com/office/2006/metadata/properties/metaAttributes" ct:_="" ma:_="" ma:contentTypeName="Document" ma:contentTypeID="0x010100066FE1ABB717E84D99E6A5F409ED4262" ma:contentTypeVersion="10" ma:contentTypeDescription="Create a new document." ma:contentTypeScope="" ma:versionID="d6c096f50ba43dd2b09ee3f70850cb25">
   <xsd:schema xmlns:xsd="http://www.w3.org/2001/XMLSchema" xmlns:xs="http://www.w3.org/2001/XMLSchema" xmlns:p="http://schemas.microsoft.com/office/2006/metadata/properties" xmlns:ns3="01c88f6b-6741-47d6-b712-4bbfcf5fc114" targetNamespace="http://schemas.microsoft.com/office/2006/metadata/properties" ma:root="true" ma:fieldsID="7b14cb02e9f118fe349f1f3de9123b07" ns3:_="">
     <xsd:import namespace="01c88f6b-6741-47d6-b712-4bbfcf5fc114"/>
@@ -20656,15 +20228,6 @@
 </ct:contentTypeSchema>
 </file>
 
-<file path=customXml/item2.xml><?xml version="1.0" encoding="utf-8"?>
-<?mso-contentType ?>
-<FormTemplates xmlns="http://schemas.microsoft.com/sharepoint/v3/contenttype/forms">
-  <Display>DocumentLibraryForm</Display>
-  <Edit>DocumentLibraryForm</Edit>
-  <New>DocumentLibraryForm</New>
-</FormTemplates>
-</file>
-
 <file path=customXml/item3.xml><?xml version="1.0" encoding="utf-8"?>
 <p:properties xmlns:p="http://schemas.microsoft.com/office/2006/metadata/properties" xmlns:xsi="http://www.w3.org/2001/XMLSchema-instance" xmlns:pc="http://schemas.microsoft.com/office/infopath/2007/PartnerControls">
   <documentManagement>
@@ -20674,6 +20237,14 @@
 </file>
 
 <file path=customXml/itemProps1.xml><?xml version="1.0" encoding="utf-8"?>
+<ds:datastoreItem xmlns:ds="http://schemas.openxmlformats.org/officeDocument/2006/customXml" ds:itemID="{1B7C44E5-9B15-4900-98EA-439F0CB21C16}">
+  <ds:schemaRefs>
+    <ds:schemaRef ds:uri="http://schemas.microsoft.com/sharepoint/v3/contenttype/forms"/>
+  </ds:schemaRefs>
+</ds:datastoreItem>
+</file>
+
+<file path=customXml/itemProps2.xml><?xml version="1.0" encoding="utf-8"?>
 <ds:datastoreItem xmlns:ds="http://schemas.openxmlformats.org/officeDocument/2006/customXml" ds:itemID="{3E3162CD-4A35-4847-BFBD-8124FC7B3B26}">
   <ds:schemaRefs>
     <ds:schemaRef ds:uri="http://schemas.microsoft.com/office/2006/metadata/contentType"/>
@@ -20687,14 +20258,6 @@
     <ds:schemaRef ds:uri="http://purl.org/dc/elements/1.1/"/>
     <ds:schemaRef ds:uri="http://purl.org/dc/terms/"/>
     <ds:schemaRef ds:uri="http://schemas.microsoft.com/internal/obd"/>
-  </ds:schemaRefs>
-</ds:datastoreItem>
-</file>
-
-<file path=customXml/itemProps2.xml><?xml version="1.0" encoding="utf-8"?>
-<ds:datastoreItem xmlns:ds="http://schemas.openxmlformats.org/officeDocument/2006/customXml" ds:itemID="{1B7C44E5-9B15-4900-98EA-439F0CB21C16}">
-  <ds:schemaRefs>
-    <ds:schemaRef ds:uri="http://schemas.microsoft.com/sharepoint/v3/contenttype/forms"/>
   </ds:schemaRefs>
 </ds:datastoreItem>
 </file>

--- a/Deliverables/Diagrams_ConEd_Internship.pptx
+++ b/Deliverables/Diagrams_ConEd_Internship.pptx
@@ -139,7 +139,7 @@
 <file path=ppt/revisionInfo.xml><?xml version="1.0" encoding="utf-8"?>
 <p1510:revInfo xmlns:a="http://schemas.openxmlformats.org/drawingml/2006/main" xmlns:r="http://schemas.openxmlformats.org/officeDocument/2006/relationships" xmlns:p1510="http://schemas.microsoft.com/office/powerpoint/2015/10/main">
   <p1510:revLst>
-    <p1510:client id="{5E9144F9-825E-47D6-B3D4-43E82CEAED6D}" v="6" dt="2025-02-24T04:54:56.447"/>
+    <p1510:client id="{5E9144F9-825E-47D6-B3D4-43E82CEAED6D}" v="8" dt="2025-03-03T02:59:01.601"/>
   </p1510:revLst>
 </p1510:revInfo>
 </file>
@@ -5427,7 +5427,7 @@
           <a:p>
             <a:fld id="{CE864E83-6FC7-4E97-A3F9-B85CDBDFF766}" type="datetimeFigureOut">
               <a:rPr lang="en-US" smtClean="0"/>
-              <a:t>2/23/2025</a:t>
+              <a:t>3/2/2025</a:t>
             </a:fld>
             <a:endParaRPr lang="en-US"/>
           </a:p>
@@ -5949,7 +5949,7 @@
           <a:p>
             <a:fld id="{835AD30F-DF81-4E09-A61A-1569B15C2A90}" type="datetimeFigureOut">
               <a:rPr lang="en-US" smtClean="0"/>
-              <a:t>2/23/2025</a:t>
+              <a:t>3/2/2025</a:t>
             </a:fld>
             <a:endParaRPr lang="en-US"/>
           </a:p>
@@ -6264,7 +6264,7 @@
           <a:p>
             <a:fld id="{835AD30F-DF81-4E09-A61A-1569B15C2A90}" type="datetimeFigureOut">
               <a:rPr lang="en-US" smtClean="0"/>
-              <a:t>2/23/2025</a:t>
+              <a:t>3/2/2025</a:t>
             </a:fld>
             <a:endParaRPr lang="en-US"/>
           </a:p>
@@ -6486,7 +6486,7 @@
           <a:p>
             <a:fld id="{835AD30F-DF81-4E09-A61A-1569B15C2A90}" type="datetimeFigureOut">
               <a:rPr lang="en-US" smtClean="0"/>
-              <a:t>2/23/2025</a:t>
+              <a:t>3/2/2025</a:t>
             </a:fld>
             <a:endParaRPr lang="en-US"/>
           </a:p>
@@ -6777,7 +6777,7 @@
           <a:p>
             <a:fld id="{835AD30F-DF81-4E09-A61A-1569B15C2A90}" type="datetimeFigureOut">
               <a:rPr lang="en-US" smtClean="0"/>
-              <a:t>2/23/2025</a:t>
+              <a:t>3/2/2025</a:t>
             </a:fld>
             <a:endParaRPr lang="en-US"/>
           </a:p>
@@ -7231,7 +7231,7 @@
           <a:p>
             <a:fld id="{835AD30F-DF81-4E09-A61A-1569B15C2A90}" type="datetimeFigureOut">
               <a:rPr lang="en-US" smtClean="0"/>
-              <a:t>2/23/2025</a:t>
+              <a:t>3/2/2025</a:t>
             </a:fld>
             <a:endParaRPr lang="en-US"/>
           </a:p>
@@ -7807,7 +7807,7 @@
           <a:p>
             <a:fld id="{835AD30F-DF81-4E09-A61A-1569B15C2A90}" type="datetimeFigureOut">
               <a:rPr lang="en-US" smtClean="0"/>
-              <a:t>2/23/2025</a:t>
+              <a:t>3/2/2025</a:t>
             </a:fld>
             <a:endParaRPr lang="en-US"/>
           </a:p>
@@ -8668,7 +8668,7 @@
           <a:p>
             <a:fld id="{835AD30F-DF81-4E09-A61A-1569B15C2A90}" type="datetimeFigureOut">
               <a:rPr lang="en-US" smtClean="0"/>
-              <a:t>2/23/2025</a:t>
+              <a:t>3/2/2025</a:t>
             </a:fld>
             <a:endParaRPr lang="en-US"/>
           </a:p>
@@ -8873,7 +8873,7 @@
           <a:p>
             <a:fld id="{835AD30F-DF81-4E09-A61A-1569B15C2A90}" type="datetimeFigureOut">
               <a:rPr lang="en-US" smtClean="0"/>
-              <a:t>2/23/2025</a:t>
+              <a:t>3/2/2025</a:t>
             </a:fld>
             <a:endParaRPr lang="en-US"/>
           </a:p>
@@ -9087,7 +9087,7 @@
           <a:p>
             <a:fld id="{835AD30F-DF81-4E09-A61A-1569B15C2A90}" type="datetimeFigureOut">
               <a:rPr lang="en-US" smtClean="0"/>
-              <a:t>2/23/2025</a:t>
+              <a:t>3/2/2025</a:t>
             </a:fld>
             <a:endParaRPr lang="en-US"/>
           </a:p>
@@ -9273,7 +9273,7 @@
           <a:p>
             <a:fld id="{835AD30F-DF81-4E09-A61A-1569B15C2A90}" type="datetimeFigureOut">
               <a:rPr lang="en-US" smtClean="0"/>
-              <a:t>2/23/2025</a:t>
+              <a:t>3/2/2025</a:t>
             </a:fld>
             <a:endParaRPr lang="en-US"/>
           </a:p>
@@ -9490,7 +9490,7 @@
           <a:p>
             <a:fld id="{835AD30F-DF81-4E09-A61A-1569B15C2A90}" type="datetimeFigureOut">
               <a:rPr lang="en-US" smtClean="0"/>
-              <a:t>2/23/2025</a:t>
+              <a:t>3/2/2025</a:t>
             </a:fld>
             <a:endParaRPr lang="en-US"/>
           </a:p>
@@ -9770,7 +9770,7 @@
           <a:p>
             <a:fld id="{835AD30F-DF81-4E09-A61A-1569B15C2A90}" type="datetimeFigureOut">
               <a:rPr lang="en-US" smtClean="0"/>
-              <a:t>2/23/2025</a:t>
+              <a:t>3/2/2025</a:t>
             </a:fld>
             <a:endParaRPr lang="en-US"/>
           </a:p>
@@ -10037,7 +10037,7 @@
           <a:p>
             <a:fld id="{835AD30F-DF81-4E09-A61A-1569B15C2A90}" type="datetimeFigureOut">
               <a:rPr lang="en-US" smtClean="0"/>
-              <a:t>2/23/2025</a:t>
+              <a:t>3/2/2025</a:t>
             </a:fld>
             <a:endParaRPr lang="en-US"/>
           </a:p>
@@ -10452,7 +10452,7 @@
           <a:p>
             <a:fld id="{835AD30F-DF81-4E09-A61A-1569B15C2A90}" type="datetimeFigureOut">
               <a:rPr lang="en-US" smtClean="0"/>
-              <a:t>2/23/2025</a:t>
+              <a:t>3/2/2025</a:t>
             </a:fld>
             <a:endParaRPr lang="en-US"/>
           </a:p>
@@ -10600,7 +10600,7 @@
           <a:p>
             <a:fld id="{835AD30F-DF81-4E09-A61A-1569B15C2A90}" type="datetimeFigureOut">
               <a:rPr lang="en-US" smtClean="0"/>
-              <a:t>2/23/2025</a:t>
+              <a:t>3/2/2025</a:t>
             </a:fld>
             <a:endParaRPr lang="en-US"/>
           </a:p>
@@ -10725,7 +10725,7 @@
           <a:p>
             <a:fld id="{835AD30F-DF81-4E09-A61A-1569B15C2A90}" type="datetimeFigureOut">
               <a:rPr lang="en-US" smtClean="0"/>
-              <a:t>2/23/2025</a:t>
+              <a:t>3/2/2025</a:t>
             </a:fld>
             <a:endParaRPr lang="en-US"/>
           </a:p>
@@ -11004,7 +11004,7 @@
           <a:p>
             <a:fld id="{835AD30F-DF81-4E09-A61A-1569B15C2A90}" type="datetimeFigureOut">
               <a:rPr lang="en-US" smtClean="0"/>
-              <a:t>2/23/2025</a:t>
+              <a:t>3/2/2025</a:t>
             </a:fld>
             <a:endParaRPr lang="en-US"/>
           </a:p>
@@ -11319,7 +11319,7 @@
           <a:p>
             <a:fld id="{835AD30F-DF81-4E09-A61A-1569B15C2A90}" type="datetimeFigureOut">
               <a:rPr lang="en-US" smtClean="0"/>
-              <a:t>2/23/2025</a:t>
+              <a:t>3/2/2025</a:t>
             </a:fld>
             <a:endParaRPr lang="en-US"/>
           </a:p>
@@ -11572,7 +11572,7 @@
           <a:p>
             <a:fld id="{835AD30F-DF81-4E09-A61A-1569B15C2A90}" type="datetimeFigureOut">
               <a:rPr lang="en-US" smtClean="0"/>
-              <a:t>2/23/2025</a:t>
+              <a:t>3/2/2025</a:t>
             </a:fld>
             <a:endParaRPr lang="en-US"/>
           </a:p>
@@ -16987,10 +16987,10 @@
       </p:pic>
       <p:pic>
         <p:nvPicPr>
-          <p:cNvPr id="27" name="Picture 26" descr="A close-up of a logo&#10;&#10;AI-generated content may be incorrect.">
+          <p:cNvPr id="29" name="Picture 28">
             <a:extLst>
               <a:ext uri="{FF2B5EF4-FFF2-40B4-BE49-F238E27FC236}">
-                <a16:creationId xmlns:a16="http://schemas.microsoft.com/office/drawing/2014/main" id="{EAEE5C0A-0DA2-F957-9CA0-22ED9DB7B00A}"/>
+                <a16:creationId xmlns:a16="http://schemas.microsoft.com/office/drawing/2014/main" id="{EF9BF4EA-3E9F-0775-C6CD-1E9D04E6FEE6}"/>
               </a:ext>
             </a:extLst>
           </p:cNvPr>
@@ -17013,8 +17013,8 @@
         </p:blipFill>
         <p:spPr>
           <a:xfrm>
-            <a:off x="3885611" y="3435900"/>
-            <a:ext cx="1896496" cy="472287"/>
+            <a:off x="9946660" y="3612171"/>
+            <a:ext cx="1145381" cy="387854"/>
           </a:xfrm>
           <a:prstGeom prst="rect">
             <a:avLst/>
@@ -17023,10 +17023,10 @@
       </p:pic>
       <p:pic>
         <p:nvPicPr>
-          <p:cNvPr id="29" name="Picture 28">
+          <p:cNvPr id="4" name="Picture 3" descr="A blue and black logo&#10;&#10;AI-generated content may be incorrect.">
             <a:extLst>
               <a:ext uri="{FF2B5EF4-FFF2-40B4-BE49-F238E27FC236}">
-                <a16:creationId xmlns:a16="http://schemas.microsoft.com/office/drawing/2014/main" id="{EF9BF4EA-3E9F-0775-C6CD-1E9D04E6FEE6}"/>
+                <a16:creationId xmlns:a16="http://schemas.microsoft.com/office/drawing/2014/main" id="{155E1A81-6F68-13DA-8373-74CA8807DEBD}"/>
               </a:ext>
             </a:extLst>
           </p:cNvPr>
@@ -17049,8 +17049,8 @@
         </p:blipFill>
         <p:spPr>
           <a:xfrm>
-            <a:off x="9946660" y="3612171"/>
-            <a:ext cx="1145381" cy="387854"/>
+            <a:off x="6623096" y="2461012"/>
+            <a:ext cx="1853434" cy="1043218"/>
           </a:xfrm>
           <a:prstGeom prst="rect">
             <a:avLst/>
@@ -17059,10 +17059,10 @@
       </p:pic>
       <p:pic>
         <p:nvPicPr>
-          <p:cNvPr id="4" name="Picture 3" descr="A blue and black logo&#10;&#10;AI-generated content may be incorrect.">
+          <p:cNvPr id="8" name="Graphic 7">
             <a:extLst>
               <a:ext uri="{FF2B5EF4-FFF2-40B4-BE49-F238E27FC236}">
-                <a16:creationId xmlns:a16="http://schemas.microsoft.com/office/drawing/2014/main" id="{155E1A81-6F68-13DA-8373-74CA8807DEBD}"/>
+                <a16:creationId xmlns:a16="http://schemas.microsoft.com/office/drawing/2014/main" id="{8C33F8DC-70CA-CA63-8301-98B9A8073CCF}"/>
               </a:ext>
             </a:extLst>
           </p:cNvPr>
@@ -17074,8 +17074,8 @@
         <p:blipFill>
           <a:blip r:embed="rId16">
             <a:extLst>
-              <a:ext uri="{28A0092B-C50C-407E-A947-70E740481C1C}">
-                <a14:useLocalDpi xmlns:a14="http://schemas.microsoft.com/office/drawing/2010/main" val="0"/>
+              <a:ext uri="{96DAC541-7B7A-43D3-8B79-37D633B846F1}">
+                <asvg:svgBlip xmlns:asvg="http://schemas.microsoft.com/office/drawing/2016/SVG/main" r:embed="rId17"/>
               </a:ext>
             </a:extLst>
           </a:blip>
@@ -17085,8 +17085,8 @@
         </p:blipFill>
         <p:spPr>
           <a:xfrm>
-            <a:off x="6623096" y="2461012"/>
-            <a:ext cx="1853434" cy="1043218"/>
+            <a:off x="3571389" y="2949812"/>
+            <a:ext cx="2210717" cy="1473811"/>
           </a:xfrm>
           <a:prstGeom prst="rect">
             <a:avLst/>
@@ -20040,12 +20040,11 @@
 </file>
 
 <file path=customXml/item1.xml><?xml version="1.0" encoding="utf-8"?>
-<?mso-contentType ?>
-<FormTemplates xmlns="http://schemas.microsoft.com/sharepoint/v3/contenttype/forms">
-  <Display>DocumentLibraryForm</Display>
-  <Edit>DocumentLibraryForm</Edit>
-  <New>DocumentLibraryForm</New>
-</FormTemplates>
+<p:properties xmlns:p="http://schemas.microsoft.com/office/2006/metadata/properties" xmlns:xsi="http://www.w3.org/2001/XMLSchema-instance" xmlns:pc="http://schemas.microsoft.com/office/infopath/2007/PartnerControls">
+  <documentManagement>
+    <_activity xmlns="01c88f6b-6741-47d6-b712-4bbfcf5fc114" xsi:nil="true"/>
+  </documentManagement>
+</p:properties>
 </file>
 
 <file path=customXml/item2.xml><?xml version="1.0" encoding="utf-8"?>
@@ -20229,17 +20228,26 @@
 </file>
 
 <file path=customXml/item3.xml><?xml version="1.0" encoding="utf-8"?>
-<p:properties xmlns:p="http://schemas.microsoft.com/office/2006/metadata/properties" xmlns:xsi="http://www.w3.org/2001/XMLSchema-instance" xmlns:pc="http://schemas.microsoft.com/office/infopath/2007/PartnerControls">
-  <documentManagement>
-    <_activity xmlns="01c88f6b-6741-47d6-b712-4bbfcf5fc114" xsi:nil="true"/>
-  </documentManagement>
-</p:properties>
+<?mso-contentType ?>
+<FormTemplates xmlns="http://schemas.microsoft.com/sharepoint/v3/contenttype/forms">
+  <Display>DocumentLibraryForm</Display>
+  <Edit>DocumentLibraryForm</Edit>
+  <New>DocumentLibraryForm</New>
+</FormTemplates>
 </file>
 
 <file path=customXml/itemProps1.xml><?xml version="1.0" encoding="utf-8"?>
-<ds:datastoreItem xmlns:ds="http://schemas.openxmlformats.org/officeDocument/2006/customXml" ds:itemID="{1B7C44E5-9B15-4900-98EA-439F0CB21C16}">
+<ds:datastoreItem xmlns:ds="http://schemas.openxmlformats.org/officeDocument/2006/customXml" ds:itemID="{21FE0BF8-DE1E-4E1B-B989-1B1D817E2FFE}">
   <ds:schemaRefs>
-    <ds:schemaRef ds:uri="http://schemas.microsoft.com/sharepoint/v3/contenttype/forms"/>
+    <ds:schemaRef ds:uri="http://www.w3.org/XML/1998/namespace"/>
+    <ds:schemaRef ds:uri="http://schemas.microsoft.com/office/2006/metadata/properties"/>
+    <ds:schemaRef ds:uri="http://schemas.openxmlformats.org/package/2006/metadata/core-properties"/>
+    <ds:schemaRef ds:uri="http://schemas.microsoft.com/office/2006/documentManagement/types"/>
+    <ds:schemaRef ds:uri="01c88f6b-6741-47d6-b712-4bbfcf5fc114"/>
+    <ds:schemaRef ds:uri="http://schemas.microsoft.com/office/infopath/2007/PartnerControls"/>
+    <ds:schemaRef ds:uri="http://purl.org/dc/dcmitype/"/>
+    <ds:schemaRef ds:uri="http://purl.org/dc/terms/"/>
+    <ds:schemaRef ds:uri="http://purl.org/dc/elements/1.1/"/>
   </ds:schemaRefs>
 </ds:datastoreItem>
 </file>
@@ -20263,17 +20271,9 @@
 </file>
 
 <file path=customXml/itemProps3.xml><?xml version="1.0" encoding="utf-8"?>
-<ds:datastoreItem xmlns:ds="http://schemas.openxmlformats.org/officeDocument/2006/customXml" ds:itemID="{21FE0BF8-DE1E-4E1B-B989-1B1D817E2FFE}">
+<ds:datastoreItem xmlns:ds="http://schemas.openxmlformats.org/officeDocument/2006/customXml" ds:itemID="{1B7C44E5-9B15-4900-98EA-439F0CB21C16}">
   <ds:schemaRefs>
-    <ds:schemaRef ds:uri="http://www.w3.org/XML/1998/namespace"/>
-    <ds:schemaRef ds:uri="http://schemas.microsoft.com/office/2006/metadata/properties"/>
-    <ds:schemaRef ds:uri="http://schemas.openxmlformats.org/package/2006/metadata/core-properties"/>
-    <ds:schemaRef ds:uri="http://schemas.microsoft.com/office/2006/documentManagement/types"/>
-    <ds:schemaRef ds:uri="01c88f6b-6741-47d6-b712-4bbfcf5fc114"/>
-    <ds:schemaRef ds:uri="http://schemas.microsoft.com/office/infopath/2007/PartnerControls"/>
-    <ds:schemaRef ds:uri="http://purl.org/dc/dcmitype/"/>
-    <ds:schemaRef ds:uri="http://purl.org/dc/terms/"/>
-    <ds:schemaRef ds:uri="http://purl.org/dc/elements/1.1/"/>
+    <ds:schemaRef ds:uri="http://schemas.microsoft.com/sharepoint/v3/contenttype/forms"/>
   </ds:schemaRefs>
 </ds:datastoreItem>
 </file>
--- a/Deliverables/Diagrams_ConEd_Internship.pptx
+++ b/Deliverables/Diagrams_ConEd_Internship.pptx
@@ -5,7 +5,7 @@
     <p:sldMasterId id="2147483717" r:id="rId4"/>
   </p:sldMasterIdLst>
   <p:notesMasterIdLst>
-    <p:notesMasterId r:id="rId16"/>
+    <p:notesMasterId r:id="rId17"/>
   </p:notesMasterIdLst>
   <p:sldIdLst>
     <p:sldId id="256" r:id="rId5"/>
@@ -13,12 +13,13 @@
     <p:sldId id="257" r:id="rId7"/>
     <p:sldId id="258" r:id="rId8"/>
     <p:sldId id="263" r:id="rId9"/>
-    <p:sldId id="261" r:id="rId10"/>
-    <p:sldId id="259" r:id="rId11"/>
-    <p:sldId id="264" r:id="rId12"/>
-    <p:sldId id="265" r:id="rId13"/>
-    <p:sldId id="267" r:id="rId14"/>
-    <p:sldId id="268" r:id="rId15"/>
+    <p:sldId id="269" r:id="rId10"/>
+    <p:sldId id="261" r:id="rId11"/>
+    <p:sldId id="259" r:id="rId12"/>
+    <p:sldId id="264" r:id="rId13"/>
+    <p:sldId id="265" r:id="rId14"/>
+    <p:sldId id="267" r:id="rId15"/>
+    <p:sldId id="268" r:id="rId16"/>
   </p:sldIdLst>
   <p:sldSz cx="12192000" cy="6858000"/>
   <p:notesSz cx="6858000" cy="9144000"/>
@@ -139,7 +140,7 @@
 <file path=ppt/revisionInfo.xml><?xml version="1.0" encoding="utf-8"?>
 <p1510:revInfo xmlns:a="http://schemas.openxmlformats.org/drawingml/2006/main" xmlns:r="http://schemas.openxmlformats.org/officeDocument/2006/relationships" xmlns:p1510="http://schemas.microsoft.com/office/powerpoint/2015/10/main">
   <p1510:revLst>
-    <p1510:client id="{5E9144F9-825E-47D6-B3D4-43E82CEAED6D}" v="8" dt="2025-03-03T02:59:01.601"/>
+    <p1510:client id="{5E9144F9-825E-47D6-B3D4-43E82CEAED6D}" v="22" dt="2025-03-03T03:59:32.943"/>
   </p1510:revLst>
 </p1510:revInfo>
 </file>
@@ -722,14 +723,6 @@
           </ac:picMkLst>
         </pc:picChg>
         <pc:picChg chg="add mod">
-          <ac:chgData name="Ahshreyah Ross" userId="853aa158-3928-4290-990f-ace230c19a1e" providerId="ADAL" clId="{6D89C38F-58D6-4F62-B7B3-09BB6481E711}" dt="2025-02-18T04:20:05.848" v="1851" actId="1076"/>
-          <ac:picMkLst>
-            <pc:docMk/>
-            <pc:sldMk cId="3315779706" sldId="261"/>
-            <ac:picMk id="27" creationId="{EAEE5C0A-0DA2-F957-9CA0-22ED9DB7B00A}"/>
-          </ac:picMkLst>
-        </pc:picChg>
-        <pc:picChg chg="add mod">
           <ac:chgData name="Ahshreyah Ross" userId="853aa158-3928-4290-990f-ace230c19a1e" providerId="ADAL" clId="{6D89C38F-58D6-4F62-B7B3-09BB6481E711}" dt="2025-02-18T05:03:21.368" v="2078" actId="1076"/>
           <ac:picMkLst>
             <pc:docMk/>
@@ -1241,6 +1234,489 @@
   </mc:AlternateContent>
   <c:chart>
     <c:title>
+      <c:tx>
+        <c:rich>
+          <a:bodyPr rot="0" spcFirstLastPara="1" vertOverflow="ellipsis" vert="horz" wrap="square" anchor="ctr" anchorCtr="1"/>
+          <a:lstStyle/>
+          <a:p>
+            <a:pPr>
+              <a:defRPr sz="2128" b="1" i="0" u="none" strike="noStrike" kern="1200" cap="all" baseline="0">
+                <a:solidFill>
+                  <a:schemeClr val="tx1">
+                    <a:lumMod val="65000"/>
+                    <a:lumOff val="35000"/>
+                  </a:schemeClr>
+                </a:solidFill>
+                <a:latin typeface="+mn-lt"/>
+                <a:ea typeface="+mn-ea"/>
+                <a:cs typeface="+mn-cs"/>
+              </a:defRPr>
+            </a:pPr>
+            <a:r>
+              <a:rPr lang="en-US" dirty="0"/>
+              <a:t>AMI Breakdown</a:t>
+            </a:r>
+          </a:p>
+        </c:rich>
+      </c:tx>
+      <c:overlay val="0"/>
+      <c:spPr>
+        <a:noFill/>
+        <a:ln>
+          <a:noFill/>
+        </a:ln>
+        <a:effectLst/>
+      </c:spPr>
+      <c:txPr>
+        <a:bodyPr rot="0" spcFirstLastPara="1" vertOverflow="ellipsis" vert="horz" wrap="square" anchor="ctr" anchorCtr="1"/>
+        <a:lstStyle/>
+        <a:p>
+          <a:pPr>
+            <a:defRPr sz="2128" b="1" i="0" u="none" strike="noStrike" kern="1200" cap="all" baseline="0">
+              <a:solidFill>
+                <a:schemeClr val="tx1">
+                  <a:lumMod val="65000"/>
+                  <a:lumOff val="35000"/>
+                </a:schemeClr>
+              </a:solidFill>
+              <a:latin typeface="+mn-lt"/>
+              <a:ea typeface="+mn-ea"/>
+              <a:cs typeface="+mn-cs"/>
+            </a:defRPr>
+          </a:pPr>
+          <a:endParaRPr lang="en-US"/>
+        </a:p>
+      </c:txPr>
+    </c:title>
+    <c:autoTitleDeleted val="0"/>
+    <c:plotArea>
+      <c:layout/>
+      <c:pieChart>
+        <c:varyColors val="1"/>
+        <c:ser>
+          <c:idx val="0"/>
+          <c:order val="0"/>
+          <c:tx>
+            <c:strRef>
+              <c:f>Sheet1!$B$1</c:f>
+              <c:strCache>
+                <c:ptCount val="1"/>
+                <c:pt idx="0">
+                  <c:v>AMI</c:v>
+                </c:pt>
+              </c:strCache>
+            </c:strRef>
+          </c:tx>
+          <c:dPt>
+            <c:idx val="0"/>
+            <c:bubble3D val="0"/>
+            <c:spPr>
+              <a:solidFill>
+                <a:schemeClr val="accent1"/>
+              </a:solidFill>
+              <a:ln>
+                <a:noFill/>
+              </a:ln>
+              <a:effectLst>
+                <a:outerShdw blurRad="63500" sx="102000" sy="102000" algn="ctr" rotWithShape="0">
+                  <a:prstClr val="black">
+                    <a:alpha val="20000"/>
+                  </a:prstClr>
+                </a:outerShdw>
+              </a:effectLst>
+            </c:spPr>
+            <c:extLst>
+              <c:ext xmlns:c16="http://schemas.microsoft.com/office/drawing/2014/chart" uri="{C3380CC4-5D6E-409C-BE32-E72D297353CC}">
+                <c16:uniqueId val="{00000000-4C2C-4404-80E8-DA46C3D943DF}"/>
+              </c:ext>
+            </c:extLst>
+          </c:dPt>
+          <c:dPt>
+            <c:idx val="1"/>
+            <c:bubble3D val="0"/>
+            <c:spPr>
+              <a:solidFill>
+                <a:schemeClr val="accent2"/>
+              </a:solidFill>
+              <a:ln>
+                <a:noFill/>
+              </a:ln>
+              <a:effectLst>
+                <a:outerShdw blurRad="63500" sx="102000" sy="102000" algn="ctr" rotWithShape="0">
+                  <a:prstClr val="black">
+                    <a:alpha val="20000"/>
+                  </a:prstClr>
+                </a:outerShdw>
+              </a:effectLst>
+            </c:spPr>
+            <c:extLst>
+              <c:ext xmlns:c16="http://schemas.microsoft.com/office/drawing/2014/chart" uri="{C3380CC4-5D6E-409C-BE32-E72D297353CC}">
+                <c16:uniqueId val="{00000001-4C2C-4404-80E8-DA46C3D943DF}"/>
+              </c:ext>
+            </c:extLst>
+          </c:dPt>
+          <c:dPt>
+            <c:idx val="2"/>
+            <c:bubble3D val="0"/>
+            <c:spPr>
+              <a:solidFill>
+                <a:schemeClr val="accent3"/>
+              </a:solidFill>
+              <a:ln>
+                <a:noFill/>
+              </a:ln>
+              <a:effectLst>
+                <a:outerShdw blurRad="63500" sx="102000" sy="102000" algn="ctr" rotWithShape="0">
+                  <a:prstClr val="black">
+                    <a:alpha val="20000"/>
+                  </a:prstClr>
+                </a:outerShdw>
+              </a:effectLst>
+            </c:spPr>
+            <c:extLst>
+              <c:ext xmlns:c16="http://schemas.microsoft.com/office/drawing/2014/chart" uri="{C3380CC4-5D6E-409C-BE32-E72D297353CC}">
+                <c16:uniqueId val="{00000002-4C2C-4404-80E8-DA46C3D943DF}"/>
+              </c:ext>
+            </c:extLst>
+          </c:dPt>
+          <c:dPt>
+            <c:idx val="3"/>
+            <c:bubble3D val="0"/>
+            <c:spPr>
+              <a:solidFill>
+                <a:schemeClr val="accent4"/>
+              </a:solidFill>
+              <a:ln>
+                <a:noFill/>
+              </a:ln>
+              <a:effectLst>
+                <a:outerShdw blurRad="63500" sx="102000" sy="102000" algn="ctr" rotWithShape="0">
+                  <a:prstClr val="black">
+                    <a:alpha val="20000"/>
+                  </a:prstClr>
+                </a:outerShdw>
+              </a:effectLst>
+            </c:spPr>
+            <c:extLst>
+              <c:ext xmlns:c16="http://schemas.microsoft.com/office/drawing/2014/chart" uri="{C3380CC4-5D6E-409C-BE32-E72D297353CC}">
+                <c16:uniqueId val="{00000003-4C2C-4404-80E8-DA46C3D943DF}"/>
+              </c:ext>
+            </c:extLst>
+          </c:dPt>
+          <c:dLbls>
+            <c:dLbl>
+              <c:idx val="0"/>
+              <c:spPr>
+                <a:noFill/>
+                <a:ln>
+                  <a:noFill/>
+                </a:ln>
+                <a:effectLst/>
+              </c:spPr>
+              <c:txPr>
+                <a:bodyPr rot="0" spcFirstLastPara="1" vertOverflow="ellipsis" vert="horz" wrap="square" lIns="38100" tIns="19050" rIns="38100" bIns="19050" anchor="ctr" anchorCtr="1">
+                  <a:spAutoFit/>
+                </a:bodyPr>
+                <a:lstStyle/>
+                <a:p>
+                  <a:pPr>
+                    <a:defRPr sz="1330" b="1" i="0" u="none" strike="noStrike" kern="1200" spc="0" baseline="0">
+                      <a:solidFill>
+                        <a:schemeClr val="accent1"/>
+                      </a:solidFill>
+                      <a:latin typeface="+mn-lt"/>
+                      <a:ea typeface="+mn-ea"/>
+                      <a:cs typeface="+mn-cs"/>
+                    </a:defRPr>
+                  </a:pPr>
+                  <a:endParaRPr lang="en-US"/>
+                </a:p>
+              </c:txPr>
+              <c:dLblPos val="outEnd"/>
+              <c:showLegendKey val="0"/>
+              <c:showVal val="0"/>
+              <c:showCatName val="1"/>
+              <c:showSerName val="0"/>
+              <c:showPercent val="0"/>
+              <c:showBubbleSize val="0"/>
+              <c:extLst>
+                <c:ext xmlns:c16="http://schemas.microsoft.com/office/drawing/2014/chart" uri="{C3380CC4-5D6E-409C-BE32-E72D297353CC}">
+                  <c16:uniqueId val="{00000000-4C2C-4404-80E8-DA46C3D943DF}"/>
+                </c:ext>
+              </c:extLst>
+            </c:dLbl>
+            <c:dLbl>
+              <c:idx val="1"/>
+              <c:spPr>
+                <a:noFill/>
+                <a:ln>
+                  <a:noFill/>
+                </a:ln>
+                <a:effectLst/>
+              </c:spPr>
+              <c:txPr>
+                <a:bodyPr rot="0" spcFirstLastPara="1" vertOverflow="ellipsis" vert="horz" wrap="square" lIns="38100" tIns="19050" rIns="38100" bIns="19050" anchor="ctr" anchorCtr="1">
+                  <a:spAutoFit/>
+                </a:bodyPr>
+                <a:lstStyle/>
+                <a:p>
+                  <a:pPr>
+                    <a:defRPr sz="1330" b="1" i="0" u="none" strike="noStrike" kern="1200" spc="0" baseline="0">
+                      <a:solidFill>
+                        <a:schemeClr val="accent2"/>
+                      </a:solidFill>
+                      <a:latin typeface="+mn-lt"/>
+                      <a:ea typeface="+mn-ea"/>
+                      <a:cs typeface="+mn-cs"/>
+                    </a:defRPr>
+                  </a:pPr>
+                  <a:endParaRPr lang="en-US"/>
+                </a:p>
+              </c:txPr>
+              <c:dLblPos val="outEnd"/>
+              <c:showLegendKey val="0"/>
+              <c:showVal val="0"/>
+              <c:showCatName val="1"/>
+              <c:showSerName val="0"/>
+              <c:showPercent val="0"/>
+              <c:showBubbleSize val="0"/>
+              <c:extLst>
+                <c:ext xmlns:c16="http://schemas.microsoft.com/office/drawing/2014/chart" uri="{C3380CC4-5D6E-409C-BE32-E72D297353CC}">
+                  <c16:uniqueId val="{00000001-4C2C-4404-80E8-DA46C3D943DF}"/>
+                </c:ext>
+              </c:extLst>
+            </c:dLbl>
+            <c:dLbl>
+              <c:idx val="2"/>
+              <c:spPr>
+                <a:noFill/>
+                <a:ln>
+                  <a:noFill/>
+                </a:ln>
+                <a:effectLst/>
+              </c:spPr>
+              <c:txPr>
+                <a:bodyPr rot="0" spcFirstLastPara="1" vertOverflow="ellipsis" vert="horz" wrap="square" lIns="38100" tIns="19050" rIns="38100" bIns="19050" anchor="ctr" anchorCtr="1">
+                  <a:spAutoFit/>
+                </a:bodyPr>
+                <a:lstStyle/>
+                <a:p>
+                  <a:pPr>
+                    <a:defRPr sz="1330" b="1" i="0" u="none" strike="noStrike" kern="1200" spc="0" baseline="0">
+                      <a:solidFill>
+                        <a:schemeClr val="accent3"/>
+                      </a:solidFill>
+                      <a:latin typeface="+mn-lt"/>
+                      <a:ea typeface="+mn-ea"/>
+                      <a:cs typeface="+mn-cs"/>
+                    </a:defRPr>
+                  </a:pPr>
+                  <a:endParaRPr lang="en-US"/>
+                </a:p>
+              </c:txPr>
+              <c:dLblPos val="outEnd"/>
+              <c:showLegendKey val="0"/>
+              <c:showVal val="0"/>
+              <c:showCatName val="1"/>
+              <c:showSerName val="0"/>
+              <c:showPercent val="0"/>
+              <c:showBubbleSize val="0"/>
+              <c:extLst>
+                <c:ext xmlns:c16="http://schemas.microsoft.com/office/drawing/2014/chart" uri="{C3380CC4-5D6E-409C-BE32-E72D297353CC}">
+                  <c16:uniqueId val="{00000002-4C2C-4404-80E8-DA46C3D943DF}"/>
+                </c:ext>
+              </c:extLst>
+            </c:dLbl>
+            <c:dLbl>
+              <c:idx val="3"/>
+              <c:spPr>
+                <a:noFill/>
+                <a:ln>
+                  <a:noFill/>
+                </a:ln>
+                <a:effectLst/>
+              </c:spPr>
+              <c:txPr>
+                <a:bodyPr rot="0" spcFirstLastPara="1" vertOverflow="ellipsis" vert="horz" wrap="square" lIns="38100" tIns="19050" rIns="38100" bIns="19050" anchor="ctr" anchorCtr="1">
+                  <a:spAutoFit/>
+                </a:bodyPr>
+                <a:lstStyle/>
+                <a:p>
+                  <a:pPr>
+                    <a:defRPr sz="1330" b="1" i="0" u="none" strike="noStrike" kern="1200" spc="0" baseline="0">
+                      <a:solidFill>
+                        <a:schemeClr val="accent4"/>
+                      </a:solidFill>
+                      <a:latin typeface="+mn-lt"/>
+                      <a:ea typeface="+mn-ea"/>
+                      <a:cs typeface="+mn-cs"/>
+                    </a:defRPr>
+                  </a:pPr>
+                  <a:endParaRPr lang="en-US"/>
+                </a:p>
+              </c:txPr>
+              <c:dLblPos val="outEnd"/>
+              <c:showLegendKey val="0"/>
+              <c:showVal val="0"/>
+              <c:showCatName val="1"/>
+              <c:showSerName val="0"/>
+              <c:showPercent val="0"/>
+              <c:showBubbleSize val="0"/>
+              <c:extLst>
+                <c:ext xmlns:c16="http://schemas.microsoft.com/office/drawing/2014/chart" uri="{C3380CC4-5D6E-409C-BE32-E72D297353CC}">
+                  <c16:uniqueId val="{00000003-4C2C-4404-80E8-DA46C3D943DF}"/>
+                </c:ext>
+              </c:extLst>
+            </c:dLbl>
+            <c:spPr>
+              <a:noFill/>
+              <a:ln>
+                <a:noFill/>
+              </a:ln>
+              <a:effectLst/>
+            </c:spPr>
+            <c:dLblPos val="outEnd"/>
+            <c:showLegendKey val="0"/>
+            <c:showVal val="0"/>
+            <c:showCatName val="1"/>
+            <c:showSerName val="0"/>
+            <c:showPercent val="0"/>
+            <c:showBubbleSize val="0"/>
+            <c:showLeaderLines val="1"/>
+            <c:leaderLines>
+              <c:spPr>
+                <a:ln w="9525" cap="flat" cmpd="sng" algn="ctr">
+                  <a:solidFill>
+                    <a:schemeClr val="tx1">
+                      <a:lumMod val="35000"/>
+                      <a:lumOff val="65000"/>
+                    </a:schemeClr>
+                  </a:solidFill>
+                  <a:round/>
+                </a:ln>
+                <a:effectLst/>
+              </c:spPr>
+            </c:leaderLines>
+            <c:extLst>
+              <c:ext xmlns:c15="http://schemas.microsoft.com/office/drawing/2012/chart" uri="{CE6537A1-D6FC-4f65-9D91-7224C49458BB}"/>
+            </c:extLst>
+          </c:dLbls>
+          <c:cat>
+            <c:strRef>
+              <c:f>Sheet1!$A$2:$A$5</c:f>
+              <c:strCache>
+                <c:ptCount val="4"/>
+                <c:pt idx="0">
+                  <c:v>Head  End System (HES)</c:v>
+                </c:pt>
+                <c:pt idx="1">
+                  <c:v>Meter Data Management System (MDMS)</c:v>
+                </c:pt>
+                <c:pt idx="2">
+                  <c:v>Meter Assest Management System (MAMS)</c:v>
+                </c:pt>
+                <c:pt idx="3">
+                  <c:v>ProField Meter</c:v>
+                </c:pt>
+              </c:strCache>
+            </c:strRef>
+          </c:cat>
+          <c:val>
+            <c:numRef>
+              <c:f>Sheet1!$B$2:$B$5</c:f>
+              <c:numCache>
+                <c:formatCode>General</c:formatCode>
+                <c:ptCount val="4"/>
+                <c:pt idx="0">
+                  <c:v>25</c:v>
+                </c:pt>
+                <c:pt idx="1">
+                  <c:v>25</c:v>
+                </c:pt>
+                <c:pt idx="2">
+                  <c:v>25</c:v>
+                </c:pt>
+                <c:pt idx="3">
+                  <c:v>25</c:v>
+                </c:pt>
+              </c:numCache>
+            </c:numRef>
+          </c:val>
+          <c:extLst>
+            <c:ext xmlns:c16="http://schemas.microsoft.com/office/drawing/2014/chart" uri="{C3380CC4-5D6E-409C-BE32-E72D297353CC}">
+              <c16:uniqueId val="{00000000-60CA-4112-981E-EBE5C7E56753}"/>
+            </c:ext>
+          </c:extLst>
+        </c:ser>
+        <c:dLbls>
+          <c:dLblPos val="outEnd"/>
+          <c:showLegendKey val="0"/>
+          <c:showVal val="0"/>
+          <c:showCatName val="1"/>
+          <c:showSerName val="0"/>
+          <c:showPercent val="0"/>
+          <c:showBubbleSize val="0"/>
+          <c:showLeaderLines val="1"/>
+        </c:dLbls>
+        <c:firstSliceAng val="0"/>
+      </c:pieChart>
+      <c:spPr>
+        <a:noFill/>
+        <a:ln>
+          <a:noFill/>
+        </a:ln>
+        <a:effectLst/>
+      </c:spPr>
+    </c:plotArea>
+    <c:plotVisOnly val="1"/>
+    <c:dispBlanksAs val="gap"/>
+    <c:extLst>
+      <c:ext xmlns:c16r3="http://schemas.microsoft.com/office/drawing/2017/03/chart" uri="{56B9EC1D-385E-4148-901F-78D8002777C0}">
+        <c16r3:dataDisplayOptions16>
+          <c16r3:dispNaAsBlank val="1"/>
+        </c16r3:dataDisplayOptions16>
+      </c:ext>
+    </c:extLst>
+    <c:showDLblsOverMax val="0"/>
+  </c:chart>
+  <c:spPr>
+    <a:noFill/>
+    <a:ln>
+      <a:noFill/>
+    </a:ln>
+    <a:effectLst/>
+  </c:spPr>
+  <c:txPr>
+    <a:bodyPr/>
+    <a:lstStyle/>
+    <a:p>
+      <a:pPr>
+        <a:defRPr/>
+      </a:pPr>
+      <a:endParaRPr lang="en-US"/>
+    </a:p>
+  </c:txPr>
+  <c:externalData r:id="rId3">
+    <c:autoUpdate val="0"/>
+  </c:externalData>
+</c:chartSpace>
+</file>
+
+<file path=ppt/charts/chart2.xml><?xml version="1.0" encoding="utf-8"?>
+<c:chartSpace xmlns:c="http://schemas.openxmlformats.org/drawingml/2006/chart" xmlns:a="http://schemas.openxmlformats.org/drawingml/2006/main" xmlns:r="http://schemas.openxmlformats.org/officeDocument/2006/relationships" xmlns:c16r2="http://schemas.microsoft.com/office/drawing/2015/06/chart">
+  <c:date1904 val="0"/>
+  <c:lang val="en-US"/>
+  <c:roundedCorners val="0"/>
+  <mc:AlternateContent xmlns:mc="http://schemas.openxmlformats.org/markup-compatibility/2006">
+    <mc:Choice xmlns:c14="http://schemas.microsoft.com/office/drawing/2007/8/2/chart" Requires="c14">
+      <c14:style val="102"/>
+    </mc:Choice>
+    <mc:Fallback>
+      <c:style val="2"/>
+    </mc:Fallback>
+  </mc:AlternateContent>
+  <c:chart>
+    <c:title>
       <c:overlay val="0"/>
       <c:spPr>
         <a:noFill/>
@@ -1660,7 +2136,567 @@
 </cs:colorStyle>
 </file>
 
+<file path=ppt/charts/colors2.xml><?xml version="1.0" encoding="utf-8"?>
+<cs:colorStyle xmlns:cs="http://schemas.microsoft.com/office/drawing/2012/chartStyle" xmlns:a="http://schemas.openxmlformats.org/drawingml/2006/main" meth="cycle" id="10">
+  <a:schemeClr val="accent1"/>
+  <a:schemeClr val="accent2"/>
+  <a:schemeClr val="accent3"/>
+  <a:schemeClr val="accent4"/>
+  <a:schemeClr val="accent5"/>
+  <a:schemeClr val="accent6"/>
+  <cs:variation/>
+  <cs:variation>
+    <a:lumMod val="60000"/>
+  </cs:variation>
+  <cs:variation>
+    <a:lumMod val="80000"/>
+    <a:lumOff val="20000"/>
+  </cs:variation>
+  <cs:variation>
+    <a:lumMod val="80000"/>
+  </cs:variation>
+  <cs:variation>
+    <a:lumMod val="60000"/>
+    <a:lumOff val="40000"/>
+  </cs:variation>
+  <cs:variation>
+    <a:lumMod val="50000"/>
+  </cs:variation>
+  <cs:variation>
+    <a:lumMod val="70000"/>
+    <a:lumOff val="30000"/>
+  </cs:variation>
+  <cs:variation>
+    <a:lumMod val="70000"/>
+  </cs:variation>
+  <cs:variation>
+    <a:lumMod val="50000"/>
+    <a:lumOff val="50000"/>
+  </cs:variation>
+</cs:colorStyle>
+</file>
+
 <file path=ppt/charts/style1.xml><?xml version="1.0" encoding="utf-8"?>
+<cs:chartStyle xmlns:cs="http://schemas.microsoft.com/office/drawing/2012/chartStyle" xmlns:a="http://schemas.openxmlformats.org/drawingml/2006/main" id="259">
+  <cs:axisTitle>
+    <cs:lnRef idx="0"/>
+    <cs:fillRef idx="0"/>
+    <cs:effectRef idx="0"/>
+    <cs:fontRef idx="minor">
+      <a:schemeClr val="tx1">
+        <a:lumMod val="65000"/>
+        <a:lumOff val="35000"/>
+      </a:schemeClr>
+    </cs:fontRef>
+    <cs:defRPr sz="1197" kern="1200" cap="all"/>
+  </cs:axisTitle>
+  <cs:categoryAxis>
+    <cs:lnRef idx="0"/>
+    <cs:fillRef idx="0"/>
+    <cs:effectRef idx="0"/>
+    <cs:fontRef idx="minor">
+      <a:schemeClr val="tx1">
+        <a:lumMod val="65000"/>
+        <a:lumOff val="35000"/>
+      </a:schemeClr>
+    </cs:fontRef>
+    <cs:defRPr sz="1197" kern="1200"/>
+  </cs:categoryAxis>
+  <cs:chartArea mods="allowNoFillOverride allowNoLineOverride">
+    <cs:lnRef idx="0"/>
+    <cs:fillRef idx="0"/>
+    <cs:effectRef idx="0"/>
+    <cs:fontRef idx="minor">
+      <a:schemeClr val="tx1"/>
+    </cs:fontRef>
+    <cs:spPr>
+      <a:solidFill>
+        <a:schemeClr val="bg1"/>
+      </a:solidFill>
+      <a:ln w="9525" cap="flat" cmpd="sng" algn="ctr">
+        <a:solidFill>
+          <a:schemeClr val="tx1">
+            <a:lumMod val="15000"/>
+            <a:lumOff val="85000"/>
+          </a:schemeClr>
+        </a:solidFill>
+        <a:round/>
+      </a:ln>
+    </cs:spPr>
+    <cs:defRPr sz="1330" kern="1200"/>
+  </cs:chartArea>
+  <cs:dataLabel>
+    <cs:lnRef idx="0"/>
+    <cs:fillRef idx="0"/>
+    <cs:effectRef idx="0"/>
+    <cs:fontRef idx="minor">
+      <cs:styleClr val="auto"/>
+    </cs:fontRef>
+    <cs:defRPr sz="1330" b="1" i="0" u="none" strike="noStrike" kern="1200" spc="0" baseline="0"/>
+  </cs:dataLabel>
+  <cs:dataLabelCallout>
+    <cs:lnRef idx="0">
+      <cs:styleClr val="auto"/>
+    </cs:lnRef>
+    <cs:fillRef idx="0"/>
+    <cs:effectRef idx="0"/>
+    <cs:fontRef idx="minor">
+      <cs:styleClr val="auto"/>
+    </cs:fontRef>
+    <cs:spPr>
+      <a:solidFill>
+        <a:schemeClr val="lt1"/>
+      </a:solidFill>
+      <a:ln>
+        <a:solidFill>
+          <a:schemeClr val="phClr"/>
+        </a:solidFill>
+      </a:ln>
+    </cs:spPr>
+    <cs:defRPr sz="1330" b="1" kern="1200"/>
+    <cs:bodyPr rot="0" spcFirstLastPara="1" vertOverflow="clip" horzOverflow="clip" vert="horz" wrap="square" lIns="36576" tIns="18288" rIns="36576" bIns="18288" anchor="ctr" anchorCtr="1">
+      <a:spAutoFit/>
+    </cs:bodyPr>
+  </cs:dataLabelCallout>
+  <cs:dataPoint>
+    <cs:lnRef idx="0"/>
+    <cs:fillRef idx="0">
+      <cs:styleClr val="auto"/>
+    </cs:fillRef>
+    <cs:effectRef idx="0"/>
+    <cs:fontRef idx="minor">
+      <a:schemeClr val="dk1"/>
+    </cs:fontRef>
+    <cs:spPr>
+      <a:solidFill>
+        <a:schemeClr val="phClr"/>
+      </a:solidFill>
+      <a:effectLst>
+        <a:outerShdw blurRad="63500" sx="102000" sy="102000" algn="ctr" rotWithShape="0">
+          <a:prstClr val="black">
+            <a:alpha val="20000"/>
+          </a:prstClr>
+        </a:outerShdw>
+      </a:effectLst>
+    </cs:spPr>
+  </cs:dataPoint>
+  <cs:dataPoint3D>
+    <cs:lnRef idx="0"/>
+    <cs:fillRef idx="0">
+      <cs:styleClr val="auto"/>
+    </cs:fillRef>
+    <cs:effectRef idx="0"/>
+    <cs:fontRef idx="minor">
+      <a:schemeClr val="dk1"/>
+    </cs:fontRef>
+    <cs:spPr>
+      <a:solidFill>
+        <a:schemeClr val="phClr"/>
+      </a:solidFill>
+      <a:effectLst>
+        <a:outerShdw blurRad="88900" sx="102000" sy="102000" algn="ctr" rotWithShape="0">
+          <a:prstClr val="black">
+            <a:alpha val="10000"/>
+          </a:prstClr>
+        </a:outerShdw>
+      </a:effectLst>
+      <a:scene3d>
+        <a:camera prst="orthographicFront"/>
+        <a:lightRig rig="threePt" dir="t"/>
+      </a:scene3d>
+      <a:sp3d>
+        <a:bevelT w="127000" h="127000"/>
+        <a:bevelB w="127000" h="127000"/>
+      </a:sp3d>
+    </cs:spPr>
+  </cs:dataPoint3D>
+  <cs:dataPointLine>
+    <cs:lnRef idx="0">
+      <cs:styleClr val="auto"/>
+    </cs:lnRef>
+    <cs:fillRef idx="0"/>
+    <cs:effectRef idx="0"/>
+    <cs:fontRef idx="minor">
+      <a:schemeClr val="dk1"/>
+    </cs:fontRef>
+    <cs:spPr>
+      <a:ln w="28575" cap="rnd">
+        <a:solidFill>
+          <a:schemeClr val="phClr"/>
+        </a:solidFill>
+        <a:round/>
+      </a:ln>
+    </cs:spPr>
+  </cs:dataPointLine>
+  <cs:dataPointMarker>
+    <cs:lnRef idx="0"/>
+    <cs:fillRef idx="0">
+      <cs:styleClr val="auto"/>
+    </cs:fillRef>
+    <cs:effectRef idx="0"/>
+    <cs:fontRef idx="minor">
+      <a:schemeClr val="dk1"/>
+    </cs:fontRef>
+    <cs:spPr>
+      <a:solidFill>
+        <a:schemeClr val="phClr"/>
+      </a:solidFill>
+      <a:ln w="9525">
+        <a:solidFill>
+          <a:schemeClr val="lt1"/>
+        </a:solidFill>
+      </a:ln>
+    </cs:spPr>
+  </cs:dataPointMarker>
+  <cs:dataPointMarkerLayout symbol="circle" size="6"/>
+  <cs:dataPointWireframe>
+    <cs:lnRef idx="0">
+      <cs:styleClr val="auto"/>
+    </cs:lnRef>
+    <cs:fillRef idx="0"/>
+    <cs:effectRef idx="0"/>
+    <cs:fontRef idx="minor">
+      <a:schemeClr val="dk1"/>
+    </cs:fontRef>
+    <cs:spPr>
+      <a:ln w="9525" cap="rnd">
+        <a:solidFill>
+          <a:schemeClr val="phClr"/>
+        </a:solidFill>
+        <a:round/>
+      </a:ln>
+    </cs:spPr>
+  </cs:dataPointWireframe>
+  <cs:dataTable>
+    <cs:lnRef idx="0"/>
+    <cs:fillRef idx="0"/>
+    <cs:effectRef idx="0"/>
+    <cs:fontRef idx="minor">
+      <a:schemeClr val="tx1">
+        <a:lumMod val="65000"/>
+        <a:lumOff val="35000"/>
+      </a:schemeClr>
+    </cs:fontRef>
+    <cs:spPr>
+      <a:noFill/>
+      <a:ln w="9525" cap="flat" cmpd="sng" algn="ctr">
+        <a:solidFill>
+          <a:schemeClr val="tx1">
+            <a:lumMod val="15000"/>
+            <a:lumOff val="85000"/>
+          </a:schemeClr>
+        </a:solidFill>
+        <a:round/>
+      </a:ln>
+    </cs:spPr>
+    <cs:defRPr sz="1197" kern="1200"/>
+  </cs:dataTable>
+  <cs:downBar>
+    <cs:lnRef idx="0"/>
+    <cs:fillRef idx="0"/>
+    <cs:effectRef idx="0"/>
+    <cs:fontRef idx="minor">
+      <a:schemeClr val="tx1"/>
+    </cs:fontRef>
+    <cs:spPr>
+      <a:solidFill>
+        <a:schemeClr val="dk1">
+          <a:lumMod val="75000"/>
+          <a:lumOff val="25000"/>
+        </a:schemeClr>
+      </a:solidFill>
+      <a:ln w="9525" cap="flat" cmpd="sng" algn="ctr">
+        <a:solidFill>
+          <a:schemeClr val="tx1">
+            <a:lumMod val="65000"/>
+            <a:lumOff val="35000"/>
+          </a:schemeClr>
+        </a:solidFill>
+        <a:round/>
+      </a:ln>
+    </cs:spPr>
+  </cs:downBar>
+  <cs:dropLine>
+    <cs:lnRef idx="0"/>
+    <cs:fillRef idx="0"/>
+    <cs:effectRef idx="0"/>
+    <cs:fontRef idx="minor">
+      <a:schemeClr val="tx1"/>
+    </cs:fontRef>
+    <cs:spPr>
+      <a:ln w="9525" cap="flat" cmpd="sng" algn="ctr">
+        <a:solidFill>
+          <a:schemeClr val="tx1">
+            <a:lumMod val="35000"/>
+            <a:lumOff val="65000"/>
+          </a:schemeClr>
+        </a:solidFill>
+        <a:round/>
+      </a:ln>
+    </cs:spPr>
+  </cs:dropLine>
+  <cs:errorBar>
+    <cs:lnRef idx="0"/>
+    <cs:fillRef idx="0"/>
+    <cs:effectRef idx="0"/>
+    <cs:fontRef idx="minor">
+      <a:schemeClr val="tx1"/>
+    </cs:fontRef>
+    <cs:spPr>
+      <a:ln w="9525" cap="flat" cmpd="sng" algn="ctr">
+        <a:solidFill>
+          <a:schemeClr val="tx1">
+            <a:lumMod val="65000"/>
+            <a:lumOff val="35000"/>
+          </a:schemeClr>
+        </a:solidFill>
+        <a:round/>
+      </a:ln>
+    </cs:spPr>
+  </cs:errorBar>
+  <cs:floor>
+    <cs:lnRef idx="0"/>
+    <cs:fillRef idx="0"/>
+    <cs:effectRef idx="0"/>
+    <cs:fontRef idx="minor">
+      <a:schemeClr val="tx1"/>
+    </cs:fontRef>
+    <cs:spPr>
+      <a:noFill/>
+      <a:ln>
+        <a:noFill/>
+      </a:ln>
+    </cs:spPr>
+  </cs:floor>
+  <cs:gridlineMajor>
+    <cs:lnRef idx="0"/>
+    <cs:fillRef idx="0"/>
+    <cs:effectRef idx="0"/>
+    <cs:fontRef idx="minor">
+      <a:schemeClr val="tx1"/>
+    </cs:fontRef>
+    <cs:spPr>
+      <a:ln w="9525" cap="flat" cmpd="sng" algn="ctr">
+        <a:solidFill>
+          <a:schemeClr val="tx1">
+            <a:lumMod val="15000"/>
+            <a:lumOff val="85000"/>
+          </a:schemeClr>
+        </a:solidFill>
+        <a:round/>
+      </a:ln>
+    </cs:spPr>
+  </cs:gridlineMajor>
+  <cs:gridlineMinor>
+    <cs:lnRef idx="0"/>
+    <cs:fillRef idx="0"/>
+    <cs:effectRef idx="0"/>
+    <cs:fontRef idx="minor">
+      <a:schemeClr val="tx1"/>
+    </cs:fontRef>
+    <cs:spPr>
+      <a:ln w="9525" cap="flat" cmpd="sng" algn="ctr">
+        <a:solidFill>
+          <a:schemeClr val="tx1">
+            <a:lumMod val="5000"/>
+            <a:lumOff val="95000"/>
+          </a:schemeClr>
+        </a:solidFill>
+        <a:round/>
+      </a:ln>
+    </cs:spPr>
+  </cs:gridlineMinor>
+  <cs:hiLoLine>
+    <cs:lnRef idx="0"/>
+    <cs:fillRef idx="0"/>
+    <cs:effectRef idx="0"/>
+    <cs:fontRef idx="minor">
+      <a:schemeClr val="tx1"/>
+    </cs:fontRef>
+    <cs:spPr>
+      <a:ln w="9525" cap="flat" cmpd="sng" algn="ctr">
+        <a:solidFill>
+          <a:schemeClr val="tx1">
+            <a:lumMod val="50000"/>
+            <a:lumOff val="50000"/>
+          </a:schemeClr>
+        </a:solidFill>
+        <a:round/>
+      </a:ln>
+    </cs:spPr>
+  </cs:hiLoLine>
+  <cs:leaderLine>
+    <cs:lnRef idx="0"/>
+    <cs:fillRef idx="0"/>
+    <cs:effectRef idx="0"/>
+    <cs:fontRef idx="minor">
+      <a:schemeClr val="tx1"/>
+    </cs:fontRef>
+    <cs:spPr>
+      <a:ln w="9525" cap="flat" cmpd="sng" algn="ctr">
+        <a:solidFill>
+          <a:schemeClr val="tx1">
+            <a:lumMod val="35000"/>
+            <a:lumOff val="65000"/>
+          </a:schemeClr>
+        </a:solidFill>
+        <a:round/>
+      </a:ln>
+    </cs:spPr>
+  </cs:leaderLine>
+  <cs:legend>
+    <cs:lnRef idx="0"/>
+    <cs:fillRef idx="0"/>
+    <cs:effectRef idx="0"/>
+    <cs:fontRef idx="minor">
+      <a:schemeClr val="tx1">
+        <a:lumMod val="65000"/>
+        <a:lumOff val="35000"/>
+      </a:schemeClr>
+    </cs:fontRef>
+    <cs:defRPr sz="1197" kern="1200"/>
+  </cs:legend>
+  <cs:plotArea mods="allowNoFillOverride allowNoLineOverride">
+    <cs:lnRef idx="0"/>
+    <cs:fillRef idx="0"/>
+    <cs:effectRef idx="0"/>
+    <cs:fontRef idx="minor">
+      <a:schemeClr val="dk1"/>
+    </cs:fontRef>
+  </cs:plotArea>
+  <cs:plotArea3D mods="allowNoFillOverride allowNoLineOverride">
+    <cs:lnRef idx="0"/>
+    <cs:fillRef idx="0"/>
+    <cs:effectRef idx="0"/>
+    <cs:fontRef idx="minor">
+      <a:schemeClr val="dk1"/>
+    </cs:fontRef>
+  </cs:plotArea3D>
+  <cs:seriesAxis>
+    <cs:lnRef idx="0"/>
+    <cs:fillRef idx="0"/>
+    <cs:effectRef idx="0"/>
+    <cs:fontRef idx="minor">
+      <a:schemeClr val="tx1">
+        <a:lumMod val="65000"/>
+        <a:lumOff val="35000"/>
+      </a:schemeClr>
+    </cs:fontRef>
+    <cs:defRPr sz="1197" kern="1200"/>
+  </cs:seriesAxis>
+  <cs:seriesLine>
+    <cs:lnRef idx="0"/>
+    <cs:fillRef idx="0"/>
+    <cs:effectRef idx="0"/>
+    <cs:fontRef idx="minor">
+      <a:schemeClr val="tx1"/>
+    </cs:fontRef>
+    <cs:spPr>
+      <a:ln w="9525" cap="flat" cmpd="sng" algn="ctr">
+        <a:solidFill>
+          <a:schemeClr val="tx1">
+            <a:lumMod val="35000"/>
+            <a:lumOff val="65000"/>
+          </a:schemeClr>
+        </a:solidFill>
+        <a:round/>
+      </a:ln>
+    </cs:spPr>
+  </cs:seriesLine>
+  <cs:title>
+    <cs:lnRef idx="0"/>
+    <cs:fillRef idx="0"/>
+    <cs:effectRef idx="0"/>
+    <cs:fontRef idx="minor">
+      <a:schemeClr val="tx1">
+        <a:lumMod val="65000"/>
+        <a:lumOff val="35000"/>
+      </a:schemeClr>
+    </cs:fontRef>
+    <cs:defRPr sz="2128" b="1" kern="1200" cap="all" baseline="0"/>
+  </cs:title>
+  <cs:trendline>
+    <cs:lnRef idx="0">
+      <cs:styleClr val="auto"/>
+    </cs:lnRef>
+    <cs:fillRef idx="0"/>
+    <cs:effectRef idx="0"/>
+    <cs:fontRef idx="minor">
+      <a:schemeClr val="tx1"/>
+    </cs:fontRef>
+    <cs:spPr>
+      <a:ln w="19050" cap="rnd">
+        <a:solidFill>
+          <a:schemeClr val="phClr"/>
+        </a:solidFill>
+        <a:prstDash val="sysDash"/>
+      </a:ln>
+    </cs:spPr>
+  </cs:trendline>
+  <cs:trendlineLabel>
+    <cs:lnRef idx="0"/>
+    <cs:fillRef idx="0"/>
+    <cs:effectRef idx="0"/>
+    <cs:fontRef idx="minor">
+      <a:schemeClr val="tx1">
+        <a:lumMod val="65000"/>
+        <a:lumOff val="35000"/>
+      </a:schemeClr>
+    </cs:fontRef>
+    <cs:defRPr sz="1197" kern="1200"/>
+  </cs:trendlineLabel>
+  <cs:upBar>
+    <cs:lnRef idx="0"/>
+    <cs:fillRef idx="0"/>
+    <cs:effectRef idx="0"/>
+    <cs:fontRef idx="minor">
+      <a:schemeClr val="tx1"/>
+    </cs:fontRef>
+    <cs:spPr>
+      <a:solidFill>
+        <a:schemeClr val="lt1"/>
+      </a:solidFill>
+      <a:ln w="9525" cap="flat" cmpd="sng" algn="ctr">
+        <a:solidFill>
+          <a:schemeClr val="tx1">
+            <a:lumMod val="65000"/>
+            <a:lumOff val="35000"/>
+          </a:schemeClr>
+        </a:solidFill>
+        <a:round/>
+      </a:ln>
+    </cs:spPr>
+  </cs:upBar>
+  <cs:valueAxis>
+    <cs:lnRef idx="0"/>
+    <cs:fillRef idx="0"/>
+    <cs:effectRef idx="0"/>
+    <cs:fontRef idx="minor">
+      <a:schemeClr val="tx1">
+        <a:lumMod val="65000"/>
+        <a:lumOff val="35000"/>
+      </a:schemeClr>
+    </cs:fontRef>
+    <cs:defRPr sz="1197" kern="1200"/>
+  </cs:valueAxis>
+  <cs:wall>
+    <cs:lnRef idx="0"/>
+    <cs:fillRef idx="0"/>
+    <cs:effectRef idx="0"/>
+    <cs:fontRef idx="minor">
+      <a:schemeClr val="tx1"/>
+    </cs:fontRef>
+    <cs:spPr>
+      <a:noFill/>
+      <a:ln>
+        <a:noFill/>
+      </a:ln>
+    </cs:spPr>
+  </cs:wall>
+</cs:chartStyle>
+</file>
+
+<file path=ppt/charts/style2.xml><?xml version="1.0" encoding="utf-8"?>
 <cs:chartStyle xmlns:cs="http://schemas.microsoft.com/office/drawing/2012/chartStyle" xmlns:a="http://schemas.openxmlformats.org/drawingml/2006/main" id="258">
   <cs:axisTitle>
     <cs:lnRef idx="0"/>
@@ -5759,7 +6795,7 @@
           <a:p>
             <a:fld id="{F0F17431-487B-4808-A261-5BC611A7B419}" type="slidenum">
               <a:rPr lang="en-US" smtClean="0"/>
-              <a:t>8</a:t>
+              <a:t>9</a:t>
             </a:fld>
             <a:endParaRPr lang="en-US"/>
           </a:p>
@@ -12514,6 +13550,1223 @@
   <p:cSld>
     <p:spTree>
       <p:nvGrpSpPr>
+        <p:cNvPr id="1" name="">
+          <a:extLst>
+            <a:ext uri="{FF2B5EF4-FFF2-40B4-BE49-F238E27FC236}">
+              <a16:creationId xmlns:a16="http://schemas.microsoft.com/office/drawing/2014/main" id="{F74E9D6D-5738-972B-75DB-015AD7A2563E}"/>
+            </a:ext>
+          </a:extLst>
+        </p:cNvPr>
+        <p:cNvGrpSpPr/>
+        <p:nvPr/>
+      </p:nvGrpSpPr>
+      <p:grpSpPr>
+        <a:xfrm>
+          <a:off x="0" y="0"/>
+          <a:ext cx="0" cy="0"/>
+          <a:chOff x="0" y="0"/>
+          <a:chExt cx="0" cy="0"/>
+        </a:xfrm>
+      </p:grpSpPr>
+      <p:sp>
+        <p:nvSpPr>
+          <p:cNvPr id="2" name="Title 1">
+            <a:extLst>
+              <a:ext uri="{FF2B5EF4-FFF2-40B4-BE49-F238E27FC236}">
+                <a16:creationId xmlns:a16="http://schemas.microsoft.com/office/drawing/2014/main" id="{0FE3EA1A-CF6E-7738-5C1F-621974507D34}"/>
+              </a:ext>
+            </a:extLst>
+          </p:cNvPr>
+          <p:cNvSpPr>
+            <a:spLocks noGrp="1"/>
+          </p:cNvSpPr>
+          <p:nvPr>
+            <p:ph type="title"/>
+          </p:nvPr>
+        </p:nvSpPr>
+        <p:spPr>
+          <a:xfrm>
+            <a:off x="854764" y="534924"/>
+            <a:ext cx="10515600" cy="625472"/>
+          </a:xfrm>
+        </p:spPr>
+        <p:txBody>
+          <a:bodyPr>
+            <a:normAutofit fontScale="90000"/>
+          </a:bodyPr>
+          <a:lstStyle/>
+          <a:p>
+            <a:r>
+              <a:rPr lang="en-US" sz="3700" dirty="0"/>
+              <a:t>User Experience on the AMI Wiki Database Website</a:t>
+            </a:r>
+          </a:p>
+        </p:txBody>
+      </p:sp>
+      <p:sp>
+        <p:nvSpPr>
+          <p:cNvPr id="9" name="Flowchart: Alternate Process 8">
+            <a:extLst>
+              <a:ext uri="{FF2B5EF4-FFF2-40B4-BE49-F238E27FC236}">
+                <a16:creationId xmlns:a16="http://schemas.microsoft.com/office/drawing/2014/main" id="{6829A44E-D67F-233F-63DF-CA67176EF9B5}"/>
+              </a:ext>
+            </a:extLst>
+          </p:cNvPr>
+          <p:cNvSpPr/>
+          <p:nvPr/>
+        </p:nvSpPr>
+        <p:spPr>
+          <a:xfrm>
+            <a:off x="546651" y="1676400"/>
+            <a:ext cx="1911626" cy="914400"/>
+          </a:xfrm>
+          <a:prstGeom prst="flowChartAlternateProcess">
+            <a:avLst/>
+          </a:prstGeom>
+          <a:solidFill>
+            <a:schemeClr val="accent6">
+              <a:lumMod val="40000"/>
+              <a:lumOff val="60000"/>
+            </a:schemeClr>
+          </a:solidFill>
+          <a:ln w="22225">
+            <a:noFill/>
+          </a:ln>
+          <a:effectLst>
+            <a:outerShdw blurRad="50800" dist="38100" dir="5400000" algn="t" rotWithShape="0">
+              <a:prstClr val="black">
+                <a:alpha val="40000"/>
+              </a:prstClr>
+            </a:outerShdw>
+          </a:effectLst>
+        </p:spPr>
+        <p:style>
+          <a:lnRef idx="2">
+            <a:schemeClr val="accent1">
+              <a:shade val="15000"/>
+            </a:schemeClr>
+          </a:lnRef>
+          <a:fillRef idx="1">
+            <a:schemeClr val="accent1"/>
+          </a:fillRef>
+          <a:effectRef idx="0">
+            <a:schemeClr val="accent1"/>
+          </a:effectRef>
+          <a:fontRef idx="minor">
+            <a:schemeClr val="lt1"/>
+          </a:fontRef>
+        </p:style>
+        <p:txBody>
+          <a:bodyPr rtlCol="0" anchor="ctr"/>
+          <a:lstStyle/>
+          <a:p>
+            <a:pPr algn="ctr"/>
+            <a:r>
+              <a:rPr lang="en-US" sz="1700" dirty="0">
+                <a:solidFill>
+                  <a:schemeClr val="tx1"/>
+                </a:solidFill>
+              </a:rPr>
+              <a:t>User Opens AMI Wiki Database Website</a:t>
+            </a:r>
+          </a:p>
+        </p:txBody>
+      </p:sp>
+      <p:sp>
+        <p:nvSpPr>
+          <p:cNvPr id="10" name="Flowchart: Process 9">
+            <a:extLst>
+              <a:ext uri="{FF2B5EF4-FFF2-40B4-BE49-F238E27FC236}">
+                <a16:creationId xmlns:a16="http://schemas.microsoft.com/office/drawing/2014/main" id="{FC20BFF6-9E71-A421-6E5B-2E58E7B9DCF5}"/>
+              </a:ext>
+            </a:extLst>
+          </p:cNvPr>
+          <p:cNvSpPr/>
+          <p:nvPr/>
+        </p:nvSpPr>
+        <p:spPr>
+          <a:xfrm>
+            <a:off x="6109251" y="4878449"/>
+            <a:ext cx="1828800" cy="914399"/>
+          </a:xfrm>
+          <a:prstGeom prst="flowChartProcess">
+            <a:avLst/>
+          </a:prstGeom>
+          <a:solidFill>
+            <a:schemeClr val="accent4">
+              <a:lumMod val="40000"/>
+              <a:lumOff val="60000"/>
+            </a:schemeClr>
+          </a:solidFill>
+          <a:ln w="22225">
+            <a:noFill/>
+          </a:ln>
+          <a:effectLst>
+            <a:outerShdw blurRad="50800" dist="38100" dir="13500000" algn="br" rotWithShape="0">
+              <a:prstClr val="black">
+                <a:alpha val="40000"/>
+              </a:prstClr>
+            </a:outerShdw>
+          </a:effectLst>
+        </p:spPr>
+        <p:style>
+          <a:lnRef idx="2">
+            <a:schemeClr val="accent1">
+              <a:shade val="15000"/>
+            </a:schemeClr>
+          </a:lnRef>
+          <a:fillRef idx="1">
+            <a:schemeClr val="accent1"/>
+          </a:fillRef>
+          <a:effectRef idx="0">
+            <a:schemeClr val="accent1"/>
+          </a:effectRef>
+          <a:fontRef idx="minor">
+            <a:schemeClr val="lt1"/>
+          </a:fontRef>
+        </p:style>
+        <p:txBody>
+          <a:bodyPr rtlCol="0" anchor="ctr"/>
+          <a:lstStyle/>
+          <a:p>
+            <a:pPr algn="ctr"/>
+            <a:r>
+              <a:rPr lang="en-US" sz="1700" dirty="0">
+                <a:solidFill>
+                  <a:schemeClr val="tx1"/>
+                </a:solidFill>
+              </a:rPr>
+              <a:t>User Follows File for Updates</a:t>
+            </a:r>
+          </a:p>
+        </p:txBody>
+      </p:sp>
+      <p:sp>
+        <p:nvSpPr>
+          <p:cNvPr id="11" name="Rectangle 10">
+            <a:extLst>
+              <a:ext uri="{FF2B5EF4-FFF2-40B4-BE49-F238E27FC236}">
+                <a16:creationId xmlns:a16="http://schemas.microsoft.com/office/drawing/2014/main" id="{2782CDE0-A090-1FD3-634C-25C6C0300632}"/>
+              </a:ext>
+            </a:extLst>
+          </p:cNvPr>
+          <p:cNvSpPr/>
+          <p:nvPr/>
+        </p:nvSpPr>
+        <p:spPr>
+          <a:xfrm>
+            <a:off x="3377646" y="1676400"/>
+            <a:ext cx="1828800" cy="914399"/>
+          </a:xfrm>
+          <a:prstGeom prst="rect">
+            <a:avLst/>
+          </a:prstGeom>
+          <a:solidFill>
+            <a:schemeClr val="accent4">
+              <a:lumMod val="40000"/>
+              <a:lumOff val="60000"/>
+            </a:schemeClr>
+          </a:solidFill>
+          <a:ln w="22225">
+            <a:noFill/>
+          </a:ln>
+          <a:effectLst>
+            <a:outerShdw blurRad="63500" sx="102000" sy="102000" algn="ctr" rotWithShape="0">
+              <a:prstClr val="black">
+                <a:alpha val="40000"/>
+              </a:prstClr>
+            </a:outerShdw>
+          </a:effectLst>
+        </p:spPr>
+        <p:style>
+          <a:lnRef idx="2">
+            <a:schemeClr val="accent1">
+              <a:shade val="15000"/>
+            </a:schemeClr>
+          </a:lnRef>
+          <a:fillRef idx="1">
+            <a:schemeClr val="accent1"/>
+          </a:fillRef>
+          <a:effectRef idx="0">
+            <a:schemeClr val="accent1"/>
+          </a:effectRef>
+          <a:fontRef idx="minor">
+            <a:schemeClr val="lt1"/>
+          </a:fontRef>
+        </p:style>
+        <p:txBody>
+          <a:bodyPr rtlCol="0" anchor="ctr"/>
+          <a:lstStyle/>
+          <a:p>
+            <a:pPr algn="ctr"/>
+            <a:r>
+              <a:rPr lang="fr-FR" sz="1700" dirty="0">
+                <a:solidFill>
+                  <a:schemeClr val="tx1"/>
+                </a:solidFill>
+              </a:rPr>
+              <a:t>User Chooses Mode (Light/Dark)</a:t>
+            </a:r>
+            <a:endParaRPr lang="en-US" sz="1700" dirty="0">
+              <a:solidFill>
+                <a:schemeClr val="tx1"/>
+              </a:solidFill>
+            </a:endParaRPr>
+          </a:p>
+        </p:txBody>
+      </p:sp>
+      <p:sp>
+        <p:nvSpPr>
+          <p:cNvPr id="12" name="Flowchart: Process 11">
+            <a:extLst>
+              <a:ext uri="{FF2B5EF4-FFF2-40B4-BE49-F238E27FC236}">
+                <a16:creationId xmlns:a16="http://schemas.microsoft.com/office/drawing/2014/main" id="{293A68C0-4176-02FD-F78C-DF86067132AD}"/>
+              </a:ext>
+            </a:extLst>
+          </p:cNvPr>
+          <p:cNvSpPr/>
+          <p:nvPr/>
+        </p:nvSpPr>
+        <p:spPr>
+          <a:xfrm>
+            <a:off x="7516467" y="3505200"/>
+            <a:ext cx="2259494" cy="914400"/>
+          </a:xfrm>
+          <a:prstGeom prst="flowChartProcess">
+            <a:avLst/>
+          </a:prstGeom>
+          <a:solidFill>
+            <a:schemeClr val="accent4">
+              <a:lumMod val="40000"/>
+              <a:lumOff val="60000"/>
+            </a:schemeClr>
+          </a:solidFill>
+          <a:ln w="22225">
+            <a:noFill/>
+          </a:ln>
+          <a:effectLst>
+            <a:outerShdw blurRad="50800" dist="38100" dir="18900000" algn="bl" rotWithShape="0">
+              <a:prstClr val="black">
+                <a:alpha val="40000"/>
+              </a:prstClr>
+            </a:outerShdw>
+          </a:effectLst>
+        </p:spPr>
+        <p:style>
+          <a:lnRef idx="2">
+            <a:schemeClr val="accent1">
+              <a:shade val="15000"/>
+            </a:schemeClr>
+          </a:lnRef>
+          <a:fillRef idx="1">
+            <a:schemeClr val="accent1"/>
+          </a:fillRef>
+          <a:effectRef idx="0">
+            <a:schemeClr val="accent1"/>
+          </a:effectRef>
+          <a:fontRef idx="minor">
+            <a:schemeClr val="lt1"/>
+          </a:fontRef>
+        </p:style>
+        <p:txBody>
+          <a:bodyPr rtlCol="0" anchor="ctr"/>
+          <a:lstStyle/>
+          <a:p>
+            <a:pPr algn="ctr"/>
+            <a:r>
+              <a:rPr lang="en-US" sz="1700" dirty="0">
+                <a:solidFill>
+                  <a:schemeClr val="tx1"/>
+                </a:solidFill>
+              </a:rPr>
+              <a:t>User Browses Folders/Subfolders</a:t>
+            </a:r>
+          </a:p>
+        </p:txBody>
+      </p:sp>
+      <p:sp>
+        <p:nvSpPr>
+          <p:cNvPr id="13" name="Flowchart: Decision 12">
+            <a:extLst>
+              <a:ext uri="{FF2B5EF4-FFF2-40B4-BE49-F238E27FC236}">
+                <a16:creationId xmlns:a16="http://schemas.microsoft.com/office/drawing/2014/main" id="{EC428E18-3F08-7EF5-E7A9-451942B67F00}"/>
+              </a:ext>
+            </a:extLst>
+          </p:cNvPr>
+          <p:cNvSpPr/>
+          <p:nvPr/>
+        </p:nvSpPr>
+        <p:spPr>
+          <a:xfrm>
+            <a:off x="6125815" y="1279660"/>
+            <a:ext cx="2269435" cy="1707878"/>
+          </a:xfrm>
+          <a:prstGeom prst="flowChartDecision">
+            <a:avLst/>
+          </a:prstGeom>
+          <a:solidFill>
+            <a:schemeClr val="accent5">
+              <a:lumMod val="40000"/>
+              <a:lumOff val="60000"/>
+            </a:schemeClr>
+          </a:solidFill>
+          <a:ln w="22225">
+            <a:noFill/>
+          </a:ln>
+          <a:effectLst>
+            <a:outerShdw blurRad="50800" dist="38100" algn="l" rotWithShape="0">
+              <a:prstClr val="black">
+                <a:alpha val="40000"/>
+              </a:prstClr>
+            </a:outerShdw>
+          </a:effectLst>
+        </p:spPr>
+        <p:style>
+          <a:lnRef idx="2">
+            <a:schemeClr val="accent1">
+              <a:shade val="15000"/>
+            </a:schemeClr>
+          </a:lnRef>
+          <a:fillRef idx="1">
+            <a:schemeClr val="accent1"/>
+          </a:fillRef>
+          <a:effectRef idx="0">
+            <a:schemeClr val="accent1"/>
+          </a:effectRef>
+          <a:fontRef idx="minor">
+            <a:schemeClr val="lt1"/>
+          </a:fontRef>
+        </p:style>
+        <p:txBody>
+          <a:bodyPr rtlCol="0" anchor="ctr"/>
+          <a:lstStyle/>
+          <a:p>
+            <a:pPr algn="ctr"/>
+            <a:endParaRPr lang="en-US" sz="1600" dirty="0">
+              <a:solidFill>
+                <a:schemeClr val="tx1"/>
+              </a:solidFill>
+            </a:endParaRPr>
+          </a:p>
+          <a:p>
+            <a:pPr algn="ctr"/>
+            <a:r>
+              <a:rPr lang="en-US" sz="1600" dirty="0">
+                <a:solidFill>
+                  <a:schemeClr val="tx1"/>
+                </a:solidFill>
+              </a:rPr>
+              <a:t>Does User Browse Folders or Search for File?</a:t>
+            </a:r>
+            <a:endParaRPr lang="en-US" sz="1500" dirty="0">
+              <a:solidFill>
+                <a:schemeClr val="tx1"/>
+              </a:solidFill>
+            </a:endParaRPr>
+          </a:p>
+        </p:txBody>
+      </p:sp>
+      <p:sp>
+        <p:nvSpPr>
+          <p:cNvPr id="14" name="Flowchart: Process 13">
+            <a:extLst>
+              <a:ext uri="{FF2B5EF4-FFF2-40B4-BE49-F238E27FC236}">
+                <a16:creationId xmlns:a16="http://schemas.microsoft.com/office/drawing/2014/main" id="{6343E8F8-458D-3497-5D97-6F19352A8AB1}"/>
+              </a:ext>
+            </a:extLst>
+          </p:cNvPr>
+          <p:cNvSpPr/>
+          <p:nvPr/>
+        </p:nvSpPr>
+        <p:spPr>
+          <a:xfrm>
+            <a:off x="9354378" y="1676400"/>
+            <a:ext cx="1828800" cy="914400"/>
+          </a:xfrm>
+          <a:prstGeom prst="flowChartProcess">
+            <a:avLst/>
+          </a:prstGeom>
+          <a:solidFill>
+            <a:schemeClr val="accent4">
+              <a:lumMod val="40000"/>
+              <a:lumOff val="60000"/>
+            </a:schemeClr>
+          </a:solidFill>
+          <a:ln w="22225">
+            <a:noFill/>
+          </a:ln>
+          <a:effectLst>
+            <a:outerShdw blurRad="63500" sx="102000" sy="102000" algn="ctr" rotWithShape="0">
+              <a:prstClr val="black">
+                <a:alpha val="40000"/>
+              </a:prstClr>
+            </a:outerShdw>
+          </a:effectLst>
+        </p:spPr>
+        <p:style>
+          <a:lnRef idx="2">
+            <a:schemeClr val="accent1">
+              <a:shade val="15000"/>
+            </a:schemeClr>
+          </a:lnRef>
+          <a:fillRef idx="1">
+            <a:schemeClr val="accent1"/>
+          </a:fillRef>
+          <a:effectRef idx="0">
+            <a:schemeClr val="accent1"/>
+          </a:effectRef>
+          <a:fontRef idx="minor">
+            <a:schemeClr val="lt1"/>
+          </a:fontRef>
+        </p:style>
+        <p:txBody>
+          <a:bodyPr rtlCol="0" anchor="ctr"/>
+          <a:lstStyle/>
+          <a:p>
+            <a:pPr algn="ctr"/>
+            <a:r>
+              <a:rPr lang="en-US" sz="1700" dirty="0">
+                <a:solidFill>
+                  <a:schemeClr val="tx1"/>
+                </a:solidFill>
+              </a:rPr>
+              <a:t>User Searches for File</a:t>
+            </a:r>
+          </a:p>
+        </p:txBody>
+      </p:sp>
+      <p:sp>
+        <p:nvSpPr>
+          <p:cNvPr id="15" name="Flowchart: Process 14">
+            <a:extLst>
+              <a:ext uri="{FF2B5EF4-FFF2-40B4-BE49-F238E27FC236}">
+                <a16:creationId xmlns:a16="http://schemas.microsoft.com/office/drawing/2014/main" id="{CE6E70B2-EDCC-E5DA-529B-71593960C410}"/>
+              </a:ext>
+            </a:extLst>
+          </p:cNvPr>
+          <p:cNvSpPr/>
+          <p:nvPr/>
+        </p:nvSpPr>
+        <p:spPr>
+          <a:xfrm>
+            <a:off x="2917961" y="3493602"/>
+            <a:ext cx="1828800" cy="914400"/>
+          </a:xfrm>
+          <a:prstGeom prst="flowChartProcess">
+            <a:avLst/>
+          </a:prstGeom>
+          <a:solidFill>
+            <a:schemeClr val="accent4">
+              <a:lumMod val="40000"/>
+              <a:lumOff val="60000"/>
+            </a:schemeClr>
+          </a:solidFill>
+          <a:ln w="22225">
+            <a:noFill/>
+          </a:ln>
+          <a:effectLst>
+            <a:outerShdw blurRad="63500" sx="102000" sy="102000" algn="ctr" rotWithShape="0">
+              <a:prstClr val="black">
+                <a:alpha val="40000"/>
+              </a:prstClr>
+            </a:outerShdw>
+          </a:effectLst>
+        </p:spPr>
+        <p:style>
+          <a:lnRef idx="2">
+            <a:schemeClr val="accent1">
+              <a:shade val="15000"/>
+            </a:schemeClr>
+          </a:lnRef>
+          <a:fillRef idx="1">
+            <a:schemeClr val="accent1"/>
+          </a:fillRef>
+          <a:effectRef idx="0">
+            <a:schemeClr val="accent1"/>
+          </a:effectRef>
+          <a:fontRef idx="minor">
+            <a:schemeClr val="lt1"/>
+          </a:fontRef>
+        </p:style>
+        <p:txBody>
+          <a:bodyPr rtlCol="0" anchor="ctr"/>
+          <a:lstStyle/>
+          <a:p>
+            <a:pPr algn="ctr"/>
+            <a:r>
+              <a:rPr lang="en-US" sz="1700" dirty="0">
+                <a:solidFill>
+                  <a:schemeClr val="tx1"/>
+                </a:solidFill>
+              </a:rPr>
+              <a:t>User Reads Document</a:t>
+            </a:r>
+          </a:p>
+        </p:txBody>
+      </p:sp>
+      <p:sp>
+        <p:nvSpPr>
+          <p:cNvPr id="16" name="Flowchart: Alternate Process 15">
+            <a:extLst>
+              <a:ext uri="{FF2B5EF4-FFF2-40B4-BE49-F238E27FC236}">
+                <a16:creationId xmlns:a16="http://schemas.microsoft.com/office/drawing/2014/main" id="{9B5B59CD-8C54-39B4-895F-EFF537A448EF}"/>
+              </a:ext>
+            </a:extLst>
+          </p:cNvPr>
+          <p:cNvSpPr/>
+          <p:nvPr/>
+        </p:nvSpPr>
+        <p:spPr>
+          <a:xfrm>
+            <a:off x="546651" y="5448286"/>
+            <a:ext cx="1828800" cy="914400"/>
+          </a:xfrm>
+          <a:prstGeom prst="flowChartAlternateProcess">
+            <a:avLst/>
+          </a:prstGeom>
+          <a:solidFill>
+            <a:schemeClr val="accent6">
+              <a:lumMod val="40000"/>
+              <a:lumOff val="60000"/>
+            </a:schemeClr>
+          </a:solidFill>
+          <a:ln w="19050">
+            <a:noFill/>
+          </a:ln>
+          <a:effectLst>
+            <a:outerShdw blurRad="50800" dist="38100" dir="8100000" algn="tr" rotWithShape="0">
+              <a:prstClr val="black">
+                <a:alpha val="40000"/>
+              </a:prstClr>
+            </a:outerShdw>
+          </a:effectLst>
+        </p:spPr>
+        <p:style>
+          <a:lnRef idx="2">
+            <a:schemeClr val="accent1">
+              <a:shade val="15000"/>
+            </a:schemeClr>
+          </a:lnRef>
+          <a:fillRef idx="1">
+            <a:schemeClr val="accent1"/>
+          </a:fillRef>
+          <a:effectRef idx="0">
+            <a:schemeClr val="accent1"/>
+          </a:effectRef>
+          <a:fontRef idx="minor">
+            <a:schemeClr val="lt1"/>
+          </a:fontRef>
+        </p:style>
+        <p:txBody>
+          <a:bodyPr rtlCol="0" anchor="ctr"/>
+          <a:lstStyle/>
+          <a:p>
+            <a:pPr algn="ctr"/>
+            <a:r>
+              <a:rPr lang="en-US" sz="1700" dirty="0">
+                <a:solidFill>
+                  <a:schemeClr val="tx1"/>
+                </a:solidFill>
+              </a:rPr>
+              <a:t>End</a:t>
+            </a:r>
+          </a:p>
+        </p:txBody>
+      </p:sp>
+      <p:cxnSp>
+        <p:nvCxnSpPr>
+          <p:cNvPr id="23" name="Straight Arrow Connector 22">
+            <a:extLst>
+              <a:ext uri="{FF2B5EF4-FFF2-40B4-BE49-F238E27FC236}">
+                <a16:creationId xmlns:a16="http://schemas.microsoft.com/office/drawing/2014/main" id="{686E252E-3FC8-181E-67F2-D63DB5B9DDD0}"/>
+              </a:ext>
+            </a:extLst>
+          </p:cNvPr>
+          <p:cNvCxnSpPr>
+            <a:cxnSpLocks/>
+            <a:stCxn id="9" idx="3"/>
+            <a:endCxn id="11" idx="1"/>
+          </p:cNvCxnSpPr>
+          <p:nvPr/>
+        </p:nvCxnSpPr>
+        <p:spPr>
+          <a:xfrm>
+            <a:off x="2458277" y="2133600"/>
+            <a:ext cx="919369" cy="0"/>
+          </a:xfrm>
+          <a:prstGeom prst="straightConnector1">
+            <a:avLst/>
+          </a:prstGeom>
+          <a:ln>
+            <a:tailEnd type="triangle" w="lg" len="lg"/>
+          </a:ln>
+        </p:spPr>
+        <p:style>
+          <a:lnRef idx="2">
+            <a:schemeClr val="accent1"/>
+          </a:lnRef>
+          <a:fillRef idx="0">
+            <a:schemeClr val="accent1"/>
+          </a:fillRef>
+          <a:effectRef idx="1">
+            <a:schemeClr val="accent1"/>
+          </a:effectRef>
+          <a:fontRef idx="minor">
+            <a:schemeClr val="tx1"/>
+          </a:fontRef>
+        </p:style>
+      </p:cxnSp>
+      <p:cxnSp>
+        <p:nvCxnSpPr>
+          <p:cNvPr id="26" name="Connector: Elbow 25">
+            <a:extLst>
+              <a:ext uri="{FF2B5EF4-FFF2-40B4-BE49-F238E27FC236}">
+                <a16:creationId xmlns:a16="http://schemas.microsoft.com/office/drawing/2014/main" id="{50CCCE40-74DC-2DEA-D7CB-1F038FE147F3}"/>
+              </a:ext>
+            </a:extLst>
+          </p:cNvPr>
+          <p:cNvCxnSpPr>
+            <a:cxnSpLocks/>
+            <a:stCxn id="11" idx="3"/>
+            <a:endCxn id="13" idx="1"/>
+          </p:cNvCxnSpPr>
+          <p:nvPr/>
+        </p:nvCxnSpPr>
+        <p:spPr>
+          <a:xfrm flipV="1">
+            <a:off x="5206446" y="2133599"/>
+            <a:ext cx="919369" cy="1"/>
+          </a:xfrm>
+          <a:prstGeom prst="bentConnector3">
+            <a:avLst/>
+          </a:prstGeom>
+          <a:ln>
+            <a:tailEnd type="triangle" w="lg" len="lg"/>
+          </a:ln>
+        </p:spPr>
+        <p:style>
+          <a:lnRef idx="2">
+            <a:schemeClr val="accent1"/>
+          </a:lnRef>
+          <a:fillRef idx="0">
+            <a:schemeClr val="accent1"/>
+          </a:fillRef>
+          <a:effectRef idx="1">
+            <a:schemeClr val="accent1"/>
+          </a:effectRef>
+          <a:fontRef idx="minor">
+            <a:schemeClr val="tx1"/>
+          </a:fontRef>
+        </p:style>
+      </p:cxnSp>
+      <p:cxnSp>
+        <p:nvCxnSpPr>
+          <p:cNvPr id="34" name="Connector: Elbow 33">
+            <a:extLst>
+              <a:ext uri="{FF2B5EF4-FFF2-40B4-BE49-F238E27FC236}">
+                <a16:creationId xmlns:a16="http://schemas.microsoft.com/office/drawing/2014/main" id="{BF9BF8E9-EC9F-50CB-48FE-608567430AB6}"/>
+              </a:ext>
+            </a:extLst>
+          </p:cNvPr>
+          <p:cNvCxnSpPr>
+            <a:cxnSpLocks/>
+            <a:stCxn id="13" idx="3"/>
+            <a:endCxn id="14" idx="1"/>
+          </p:cNvCxnSpPr>
+          <p:nvPr/>
+        </p:nvCxnSpPr>
+        <p:spPr>
+          <a:xfrm>
+            <a:off x="8395250" y="2133599"/>
+            <a:ext cx="959128" cy="1"/>
+          </a:xfrm>
+          <a:prstGeom prst="bentConnector3">
+            <a:avLst/>
+          </a:prstGeom>
+          <a:ln>
+            <a:tailEnd type="triangle" w="lg" len="lg"/>
+          </a:ln>
+        </p:spPr>
+        <p:style>
+          <a:lnRef idx="2">
+            <a:schemeClr val="accent1"/>
+          </a:lnRef>
+          <a:fillRef idx="0">
+            <a:schemeClr val="accent1"/>
+          </a:fillRef>
+          <a:effectRef idx="1">
+            <a:schemeClr val="accent1"/>
+          </a:effectRef>
+          <a:fontRef idx="minor">
+            <a:schemeClr val="tx1"/>
+          </a:fontRef>
+        </p:style>
+      </p:cxnSp>
+      <p:cxnSp>
+        <p:nvCxnSpPr>
+          <p:cNvPr id="44" name="Connector: Elbow 43">
+            <a:extLst>
+              <a:ext uri="{FF2B5EF4-FFF2-40B4-BE49-F238E27FC236}">
+                <a16:creationId xmlns:a16="http://schemas.microsoft.com/office/drawing/2014/main" id="{888E07C0-CF8A-90CD-1AD7-D97DFBC7B54F}"/>
+              </a:ext>
+            </a:extLst>
+          </p:cNvPr>
+          <p:cNvCxnSpPr>
+            <a:cxnSpLocks/>
+            <a:stCxn id="13" idx="2"/>
+            <a:endCxn id="12" idx="0"/>
+          </p:cNvCxnSpPr>
+          <p:nvPr/>
+        </p:nvCxnSpPr>
+        <p:spPr>
+          <a:xfrm rot="16200000" flipH="1">
+            <a:off x="7694542" y="2553528"/>
+            <a:ext cx="517662" cy="1385681"/>
+          </a:xfrm>
+          <a:prstGeom prst="bentConnector3">
+            <a:avLst/>
+          </a:prstGeom>
+          <a:ln>
+            <a:tailEnd type="triangle" w="lg" len="lg"/>
+          </a:ln>
+        </p:spPr>
+        <p:style>
+          <a:lnRef idx="2">
+            <a:schemeClr val="accent1"/>
+          </a:lnRef>
+          <a:fillRef idx="0">
+            <a:schemeClr val="accent1"/>
+          </a:fillRef>
+          <a:effectRef idx="1">
+            <a:schemeClr val="accent1"/>
+          </a:effectRef>
+          <a:fontRef idx="minor">
+            <a:schemeClr val="tx1"/>
+          </a:fontRef>
+        </p:style>
+      </p:cxnSp>
+      <p:cxnSp>
+        <p:nvCxnSpPr>
+          <p:cNvPr id="64" name="Connector: Elbow 63">
+            <a:extLst>
+              <a:ext uri="{FF2B5EF4-FFF2-40B4-BE49-F238E27FC236}">
+                <a16:creationId xmlns:a16="http://schemas.microsoft.com/office/drawing/2014/main" id="{35955D3C-CEFB-026E-2DC1-69F4F94A4677}"/>
+              </a:ext>
+            </a:extLst>
+          </p:cNvPr>
+          <p:cNvCxnSpPr>
+            <a:cxnSpLocks/>
+            <a:stCxn id="10" idx="1"/>
+            <a:endCxn id="15" idx="3"/>
+          </p:cNvCxnSpPr>
+          <p:nvPr/>
+        </p:nvCxnSpPr>
+        <p:spPr>
+          <a:xfrm rot="10800000">
+            <a:off x="4746761" y="3950803"/>
+            <a:ext cx="1362490" cy="1384847"/>
+          </a:xfrm>
+          <a:prstGeom prst="bentConnector3">
+            <a:avLst/>
+          </a:prstGeom>
+          <a:ln>
+            <a:tailEnd type="triangle" w="lg" len="lg"/>
+          </a:ln>
+        </p:spPr>
+        <p:style>
+          <a:lnRef idx="2">
+            <a:schemeClr val="accent1"/>
+          </a:lnRef>
+          <a:fillRef idx="0">
+            <a:schemeClr val="accent1"/>
+          </a:fillRef>
+          <a:effectRef idx="1">
+            <a:schemeClr val="accent1"/>
+          </a:effectRef>
+          <a:fontRef idx="minor">
+            <a:schemeClr val="tx1"/>
+          </a:fontRef>
+        </p:style>
+      </p:cxnSp>
+      <p:cxnSp>
+        <p:nvCxnSpPr>
+          <p:cNvPr id="67" name="Connector: Elbow 66">
+            <a:extLst>
+              <a:ext uri="{FF2B5EF4-FFF2-40B4-BE49-F238E27FC236}">
+                <a16:creationId xmlns:a16="http://schemas.microsoft.com/office/drawing/2014/main" id="{A2443E39-49BF-CFCA-DD38-9753ECEB93F1}"/>
+              </a:ext>
+            </a:extLst>
+          </p:cNvPr>
+          <p:cNvCxnSpPr>
+            <a:cxnSpLocks/>
+            <a:stCxn id="15" idx="1"/>
+            <a:endCxn id="16" idx="0"/>
+          </p:cNvCxnSpPr>
+          <p:nvPr/>
+        </p:nvCxnSpPr>
+        <p:spPr>
+          <a:xfrm rot="10800000" flipV="1">
+            <a:off x="1461051" y="3950802"/>
+            <a:ext cx="1456910" cy="1497484"/>
+          </a:xfrm>
+          <a:prstGeom prst="bentConnector2">
+            <a:avLst/>
+          </a:prstGeom>
+          <a:ln>
+            <a:solidFill>
+              <a:schemeClr val="accent1"/>
+            </a:solidFill>
+            <a:tailEnd type="triangle" w="lg" len="lg"/>
+          </a:ln>
+        </p:spPr>
+        <p:style>
+          <a:lnRef idx="2">
+            <a:schemeClr val="accent1"/>
+          </a:lnRef>
+          <a:fillRef idx="0">
+            <a:schemeClr val="accent1"/>
+          </a:fillRef>
+          <a:effectRef idx="1">
+            <a:schemeClr val="accent1"/>
+          </a:effectRef>
+          <a:fontRef idx="minor">
+            <a:schemeClr val="tx1"/>
+          </a:fontRef>
+        </p:style>
+      </p:cxnSp>
+      <p:sp>
+        <p:nvSpPr>
+          <p:cNvPr id="39" name="Flowchart: Decision 38">
+            <a:extLst>
+              <a:ext uri="{FF2B5EF4-FFF2-40B4-BE49-F238E27FC236}">
+                <a16:creationId xmlns:a16="http://schemas.microsoft.com/office/drawing/2014/main" id="{0BC6AE60-4C0E-B90C-3604-13EDC979723F}"/>
+              </a:ext>
+            </a:extLst>
+          </p:cNvPr>
+          <p:cNvSpPr/>
+          <p:nvPr/>
+        </p:nvSpPr>
+        <p:spPr>
+          <a:xfrm>
+            <a:off x="9134059" y="4484185"/>
+            <a:ext cx="2236305" cy="1707878"/>
+          </a:xfrm>
+          <a:prstGeom prst="flowChartDecision">
+            <a:avLst/>
+          </a:prstGeom>
+          <a:solidFill>
+            <a:schemeClr val="accent5">
+              <a:lumMod val="40000"/>
+              <a:lumOff val="60000"/>
+            </a:schemeClr>
+          </a:solidFill>
+          <a:ln w="22225">
+            <a:noFill/>
+          </a:ln>
+          <a:effectLst>
+            <a:outerShdw blurRad="50800" dist="38100" dir="5400000" algn="t" rotWithShape="0">
+              <a:prstClr val="black">
+                <a:alpha val="40000"/>
+              </a:prstClr>
+            </a:outerShdw>
+          </a:effectLst>
+        </p:spPr>
+        <p:style>
+          <a:lnRef idx="2">
+            <a:schemeClr val="accent1">
+              <a:shade val="15000"/>
+            </a:schemeClr>
+          </a:lnRef>
+          <a:fillRef idx="1">
+            <a:schemeClr val="accent1"/>
+          </a:fillRef>
+          <a:effectRef idx="0">
+            <a:schemeClr val="accent1"/>
+          </a:effectRef>
+          <a:fontRef idx="minor">
+            <a:schemeClr val="lt1"/>
+          </a:fontRef>
+        </p:style>
+        <p:txBody>
+          <a:bodyPr rtlCol="0" anchor="ctr"/>
+          <a:lstStyle/>
+          <a:p>
+            <a:pPr algn="ctr"/>
+            <a:r>
+              <a:rPr lang="en-US" sz="1700" dirty="0">
+                <a:solidFill>
+                  <a:schemeClr val="tx1"/>
+                </a:solidFill>
+              </a:rPr>
+              <a:t>Does User Want to Follow File Page?</a:t>
+            </a:r>
+          </a:p>
+        </p:txBody>
+      </p:sp>
+      <p:cxnSp>
+        <p:nvCxnSpPr>
+          <p:cNvPr id="49" name="Connector: Elbow 48">
+            <a:extLst>
+              <a:ext uri="{FF2B5EF4-FFF2-40B4-BE49-F238E27FC236}">
+                <a16:creationId xmlns:a16="http://schemas.microsoft.com/office/drawing/2014/main" id="{9D834CE5-BD2E-E568-C039-D348949E3F91}"/>
+              </a:ext>
+            </a:extLst>
+          </p:cNvPr>
+          <p:cNvCxnSpPr>
+            <a:cxnSpLocks/>
+            <a:stCxn id="14" idx="3"/>
+            <a:endCxn id="39" idx="3"/>
+          </p:cNvCxnSpPr>
+          <p:nvPr/>
+        </p:nvCxnSpPr>
+        <p:spPr>
+          <a:xfrm>
+            <a:off x="11183178" y="2133600"/>
+            <a:ext cx="187186" cy="3204524"/>
+          </a:xfrm>
+          <a:prstGeom prst="bentConnector3">
+            <a:avLst>
+              <a:gd name="adj1" fmla="val 222125"/>
+            </a:avLst>
+          </a:prstGeom>
+          <a:ln>
+            <a:tailEnd type="triangle" w="lg" len="lg"/>
+          </a:ln>
+        </p:spPr>
+        <p:style>
+          <a:lnRef idx="2">
+            <a:schemeClr val="accent1"/>
+          </a:lnRef>
+          <a:fillRef idx="0">
+            <a:schemeClr val="accent1"/>
+          </a:fillRef>
+          <a:effectRef idx="1">
+            <a:schemeClr val="accent1"/>
+          </a:effectRef>
+          <a:fontRef idx="minor">
+            <a:schemeClr val="tx1"/>
+          </a:fontRef>
+        </p:style>
+      </p:cxnSp>
+      <p:cxnSp>
+        <p:nvCxnSpPr>
+          <p:cNvPr id="51" name="Connector: Elbow 50">
+            <a:extLst>
+              <a:ext uri="{FF2B5EF4-FFF2-40B4-BE49-F238E27FC236}">
+                <a16:creationId xmlns:a16="http://schemas.microsoft.com/office/drawing/2014/main" id="{DF17A648-1B7F-398F-7A9B-15E2B27D0C1B}"/>
+              </a:ext>
+            </a:extLst>
+          </p:cNvPr>
+          <p:cNvCxnSpPr>
+            <a:cxnSpLocks/>
+            <a:stCxn id="12" idx="3"/>
+            <a:endCxn id="39" idx="0"/>
+          </p:cNvCxnSpPr>
+          <p:nvPr/>
+        </p:nvCxnSpPr>
+        <p:spPr>
+          <a:xfrm>
+            <a:off x="9775961" y="3962400"/>
+            <a:ext cx="476251" cy="521785"/>
+          </a:xfrm>
+          <a:prstGeom prst="bentConnector2">
+            <a:avLst/>
+          </a:prstGeom>
+          <a:ln>
+            <a:tailEnd type="triangle" w="lg" len="lg"/>
+          </a:ln>
+        </p:spPr>
+        <p:style>
+          <a:lnRef idx="2">
+            <a:schemeClr val="accent1"/>
+          </a:lnRef>
+          <a:fillRef idx="0">
+            <a:schemeClr val="accent1"/>
+          </a:fillRef>
+          <a:effectRef idx="1">
+            <a:schemeClr val="accent1"/>
+          </a:effectRef>
+          <a:fontRef idx="minor">
+            <a:schemeClr val="tx1"/>
+          </a:fontRef>
+        </p:style>
+      </p:cxnSp>
+      <p:cxnSp>
+        <p:nvCxnSpPr>
+          <p:cNvPr id="73" name="Connector: Elbow 72">
+            <a:extLst>
+              <a:ext uri="{FF2B5EF4-FFF2-40B4-BE49-F238E27FC236}">
+                <a16:creationId xmlns:a16="http://schemas.microsoft.com/office/drawing/2014/main" id="{63718E70-6A4A-9699-D9CD-E638A9037D05}"/>
+              </a:ext>
+            </a:extLst>
+          </p:cNvPr>
+          <p:cNvCxnSpPr>
+            <a:cxnSpLocks/>
+            <a:stCxn id="39" idx="1"/>
+            <a:endCxn id="10" idx="3"/>
+          </p:cNvCxnSpPr>
+          <p:nvPr/>
+        </p:nvCxnSpPr>
+        <p:spPr>
+          <a:xfrm rot="10800000">
+            <a:off x="7938051" y="5335650"/>
+            <a:ext cx="1196008" cy="2475"/>
+          </a:xfrm>
+          <a:prstGeom prst="bentConnector3">
+            <a:avLst/>
+          </a:prstGeom>
+          <a:ln>
+            <a:tailEnd type="triangle" w="lg" len="lg"/>
+          </a:ln>
+        </p:spPr>
+        <p:style>
+          <a:lnRef idx="2">
+            <a:schemeClr val="accent1"/>
+          </a:lnRef>
+          <a:fillRef idx="0">
+            <a:schemeClr val="accent1"/>
+          </a:fillRef>
+          <a:effectRef idx="1">
+            <a:schemeClr val="accent1"/>
+          </a:effectRef>
+          <a:fontRef idx="minor">
+            <a:schemeClr val="tx1"/>
+          </a:fontRef>
+        </p:style>
+      </p:cxnSp>
+      <p:sp>
+        <p:nvSpPr>
+          <p:cNvPr id="84" name="TextBox 83">
+            <a:extLst>
+              <a:ext uri="{FF2B5EF4-FFF2-40B4-BE49-F238E27FC236}">
+                <a16:creationId xmlns:a16="http://schemas.microsoft.com/office/drawing/2014/main" id="{D45DB8B6-23FD-ABC6-EEC0-1E5834166769}"/>
+              </a:ext>
+            </a:extLst>
+          </p:cNvPr>
+          <p:cNvSpPr txBox="1"/>
+          <p:nvPr/>
+        </p:nvSpPr>
+        <p:spPr>
+          <a:xfrm>
+            <a:off x="8300827" y="4966316"/>
+            <a:ext cx="574816" cy="353943"/>
+          </a:xfrm>
+          <a:prstGeom prst="rect">
+            <a:avLst/>
+          </a:prstGeom>
+          <a:noFill/>
+        </p:spPr>
+        <p:txBody>
+          <a:bodyPr wrap="square" rtlCol="0">
+            <a:spAutoFit/>
+          </a:bodyPr>
+          <a:lstStyle/>
+          <a:p>
+            <a:r>
+              <a:rPr lang="en-US" sz="1700" dirty="0"/>
+              <a:t>Yes</a:t>
+            </a:r>
+          </a:p>
+        </p:txBody>
+      </p:sp>
+      <p:cxnSp>
+        <p:nvCxnSpPr>
+          <p:cNvPr id="87" name="Connector: Elbow 86">
+            <a:extLst>
+              <a:ext uri="{FF2B5EF4-FFF2-40B4-BE49-F238E27FC236}">
+                <a16:creationId xmlns:a16="http://schemas.microsoft.com/office/drawing/2014/main" id="{B48A8EE5-F34F-A162-D622-4B0631FDD4A8}"/>
+              </a:ext>
+            </a:extLst>
+          </p:cNvPr>
+          <p:cNvCxnSpPr>
+            <a:cxnSpLocks/>
+            <a:stCxn id="39" idx="2"/>
+            <a:endCxn id="15" idx="2"/>
+          </p:cNvCxnSpPr>
+          <p:nvPr/>
+        </p:nvCxnSpPr>
+        <p:spPr>
+          <a:xfrm rot="5400000" flipH="1">
+            <a:off x="6150256" y="2090108"/>
+            <a:ext cx="1784061" cy="6419851"/>
+          </a:xfrm>
+          <a:prstGeom prst="bentConnector3">
+            <a:avLst>
+              <a:gd name="adj1" fmla="val -12813"/>
+            </a:avLst>
+          </a:prstGeom>
+          <a:ln>
+            <a:tailEnd type="triangle" w="lg" len="lg"/>
+          </a:ln>
+        </p:spPr>
+        <p:style>
+          <a:lnRef idx="2">
+            <a:schemeClr val="accent1"/>
+          </a:lnRef>
+          <a:fillRef idx="0">
+            <a:schemeClr val="accent1"/>
+          </a:fillRef>
+          <a:effectRef idx="1">
+            <a:schemeClr val="accent1"/>
+          </a:effectRef>
+          <a:fontRef idx="minor">
+            <a:schemeClr val="tx1"/>
+          </a:fontRef>
+        </p:style>
+      </p:cxnSp>
+      <p:sp>
+        <p:nvSpPr>
+          <p:cNvPr id="88" name="TextBox 87">
+            <a:extLst>
+              <a:ext uri="{FF2B5EF4-FFF2-40B4-BE49-F238E27FC236}">
+                <a16:creationId xmlns:a16="http://schemas.microsoft.com/office/drawing/2014/main" id="{05D7EDD7-7A16-235B-E1EA-7A3A420BCD74}"/>
+              </a:ext>
+            </a:extLst>
+          </p:cNvPr>
+          <p:cNvSpPr txBox="1"/>
+          <p:nvPr/>
+        </p:nvSpPr>
+        <p:spPr>
+          <a:xfrm>
+            <a:off x="9134059" y="6050092"/>
+            <a:ext cx="512684" cy="353943"/>
+          </a:xfrm>
+          <a:prstGeom prst="rect">
+            <a:avLst/>
+          </a:prstGeom>
+          <a:noFill/>
+        </p:spPr>
+        <p:txBody>
+          <a:bodyPr wrap="square" rtlCol="0">
+            <a:spAutoFit/>
+          </a:bodyPr>
+          <a:lstStyle/>
+          <a:p>
+            <a:r>
+              <a:rPr lang="en-US" sz="1700" dirty="0"/>
+              <a:t>No</a:t>
+            </a:r>
+          </a:p>
+        </p:txBody>
+      </p:sp>
+    </p:spTree>
+    <p:extLst>
+      <p:ext uri="{BB962C8B-B14F-4D97-AF65-F5344CB8AC3E}">
+        <p14:creationId xmlns:p14="http://schemas.microsoft.com/office/powerpoint/2010/main" val="2418564652"/>
+      </p:ext>
+    </p:extLst>
+  </p:cSld>
+  <p:clrMapOvr>
+    <a:masterClrMapping/>
+  </p:clrMapOvr>
+</p:sld>
+</file>
+
+<file path=ppt/slides/slide11.xml><?xml version="1.0" encoding="utf-8"?>
+<p:sld xmlns:a="http://schemas.openxmlformats.org/drawingml/2006/main" xmlns:r="http://schemas.openxmlformats.org/officeDocument/2006/relationships" xmlns:p="http://schemas.openxmlformats.org/presentationml/2006/main">
+  <p:cSld>
+    <p:spTree>
+      <p:nvGrpSpPr>
         <p:cNvPr id="1" name=""/>
         <p:cNvGrpSpPr/>
         <p:nvPr/>
@@ -12657,7 +14910,7 @@
 </p:sld>
 </file>
 
-<file path=ppt/slides/slide11.xml><?xml version="1.0" encoding="utf-8"?>
+<file path=ppt/slides/slide12.xml><?xml version="1.0" encoding="utf-8"?>
 <p:sld xmlns:a="http://schemas.openxmlformats.org/drawingml/2006/main" xmlns:r="http://schemas.openxmlformats.org/officeDocument/2006/relationships" xmlns:p="http://schemas.openxmlformats.org/presentationml/2006/main">
   <p:cSld>
     <p:spTree>
@@ -16656,6 +18909,347 @@
 </file>
 
 <file path=ppt/slides/slide6.xml><?xml version="1.0" encoding="utf-8"?>
+<p:sld xmlns:a="http://schemas.openxmlformats.org/drawingml/2006/main" xmlns:r="http://schemas.openxmlformats.org/officeDocument/2006/relationships" xmlns:p="http://schemas.openxmlformats.org/presentationml/2006/main">
+  <p:cSld>
+    <p:bg>
+      <p:bgPr>
+        <a:gradFill rotWithShape="1">
+          <a:gsLst>
+            <a:gs pos="0">
+              <a:schemeClr val="bg2">
+                <a:tint val="84000"/>
+                <a:shade val="100000"/>
+                <a:hueMod val="92000"/>
+                <a:satMod val="180000"/>
+                <a:lumMod val="114000"/>
+              </a:schemeClr>
+            </a:gs>
+            <a:gs pos="100000">
+              <a:schemeClr val="bg2">
+                <a:shade val="92000"/>
+                <a:satMod val="170000"/>
+                <a:lumMod val="96000"/>
+              </a:schemeClr>
+            </a:gs>
+          </a:gsLst>
+          <a:lin ang="5400000" scaled="0"/>
+        </a:gradFill>
+        <a:effectLst/>
+      </p:bgPr>
+    </p:bg>
+    <p:spTree>
+      <p:nvGrpSpPr>
+        <p:cNvPr id="1" name=""/>
+        <p:cNvGrpSpPr/>
+        <p:nvPr/>
+      </p:nvGrpSpPr>
+      <p:grpSpPr>
+        <a:xfrm>
+          <a:off x="0" y="0"/>
+          <a:ext cx="0" cy="0"/>
+          <a:chOff x="0" y="0"/>
+          <a:chExt cx="0" cy="0"/>
+        </a:xfrm>
+      </p:grpSpPr>
+      <p:sp>
+        <p:nvSpPr>
+          <p:cNvPr id="11" name="Rectangle 10">
+            <a:extLst>
+              <a:ext uri="{FF2B5EF4-FFF2-40B4-BE49-F238E27FC236}">
+                <a16:creationId xmlns:a16="http://schemas.microsoft.com/office/drawing/2014/main" id="{DB6A7BFB-3BBE-4C11-93FC-A6557BD1136C}"/>
+              </a:ext>
+              <a:ext uri="{C183D7F6-B498-43B3-948B-1728B52AA6E4}">
+                <adec:decorative xmlns:adec="http://schemas.microsoft.com/office/drawing/2017/decorative" val="1"/>
+              </a:ext>
+            </a:extLst>
+          </p:cNvPr>
+          <p:cNvSpPr>
+            <a:spLocks noGrp="1" noRot="1" noChangeAspect="1" noMove="1" noResize="1" noEditPoints="1" noAdjustHandles="1" noChangeArrowheads="1" noChangeShapeType="1" noTextEdit="1"/>
+          </p:cNvSpPr>
+          <p:nvPr>
+            <p:extLst>
+              <p:ext uri="{386F3935-93C4-4BCD-93E2-E3B085C9AB24}">
+                <p16:designElem xmlns:p16="http://schemas.microsoft.com/office/powerpoint/2015/main" val="1"/>
+              </p:ext>
+            </p:extLst>
+          </p:nvPr>
+        </p:nvSpPr>
+        <p:spPr>
+          <a:xfrm>
+            <a:off x="4059935" y="0"/>
+            <a:ext cx="8132065" cy="6858000"/>
+          </a:xfrm>
+          <a:prstGeom prst="rect">
+            <a:avLst/>
+          </a:prstGeom>
+          <a:solidFill>
+            <a:schemeClr val="bg1"/>
+          </a:solidFill>
+          <a:ln>
+            <a:noFill/>
+          </a:ln>
+        </p:spPr>
+        <p:style>
+          <a:lnRef idx="2">
+            <a:schemeClr val="accent1">
+              <a:shade val="50000"/>
+            </a:schemeClr>
+          </a:lnRef>
+          <a:fillRef idx="1">
+            <a:schemeClr val="accent1"/>
+          </a:fillRef>
+          <a:effectRef idx="0">
+            <a:schemeClr val="accent1"/>
+          </a:effectRef>
+          <a:fontRef idx="minor">
+            <a:schemeClr val="lt1"/>
+          </a:fontRef>
+        </p:style>
+        <p:txBody>
+          <a:bodyPr rtlCol="0" anchor="ctr"/>
+          <a:lstStyle/>
+          <a:p>
+            <a:pPr algn="ctr"/>
+            <a:endParaRPr lang="en-US"/>
+          </a:p>
+        </p:txBody>
+      </p:sp>
+      <p:sp useBgFill="1">
+        <p:nvSpPr>
+          <p:cNvPr id="13" name="Rectangle 12">
+            <a:extLst>
+              <a:ext uri="{FF2B5EF4-FFF2-40B4-BE49-F238E27FC236}">
+                <a16:creationId xmlns:a16="http://schemas.microsoft.com/office/drawing/2014/main" id="{70CA7A26-553C-443C-9A3D-2A2529D45912}"/>
+              </a:ext>
+              <a:ext uri="{C183D7F6-B498-43B3-948B-1728B52AA6E4}">
+                <adec:decorative xmlns:adec="http://schemas.microsoft.com/office/drawing/2017/decorative" val="1"/>
+              </a:ext>
+            </a:extLst>
+          </p:cNvPr>
+          <p:cNvSpPr>
+            <a:spLocks noGrp="1" noRot="1" noChangeAspect="1" noMove="1" noResize="1" noEditPoints="1" noAdjustHandles="1" noChangeArrowheads="1" noChangeShapeType="1" noTextEdit="1"/>
+          </p:cNvSpPr>
+          <p:nvPr>
+            <p:extLst>
+              <p:ext uri="{386F3935-93C4-4BCD-93E2-E3B085C9AB24}">
+                <p16:designElem xmlns:p16="http://schemas.microsoft.com/office/powerpoint/2015/main" val="1"/>
+              </p:ext>
+            </p:extLst>
+          </p:nvPr>
+        </p:nvSpPr>
+        <p:spPr>
+          <a:xfrm>
+            <a:off x="0" y="0"/>
+            <a:ext cx="4059935" cy="6858000"/>
+          </a:xfrm>
+          <a:prstGeom prst="rect">
+            <a:avLst/>
+          </a:prstGeom>
+          <a:ln>
+            <a:noFill/>
+          </a:ln>
+          <a:effectLst>
+            <a:outerShdw blurRad="50800" dist="12700" algn="l" rotWithShape="0">
+              <a:prstClr val="black">
+                <a:alpha val="30000"/>
+              </a:prstClr>
+            </a:outerShdw>
+          </a:effectLst>
+        </p:spPr>
+        <p:style>
+          <a:lnRef idx="2">
+            <a:schemeClr val="accent1">
+              <a:shade val="50000"/>
+            </a:schemeClr>
+          </a:lnRef>
+          <a:fillRef idx="1">
+            <a:schemeClr val="accent1"/>
+          </a:fillRef>
+          <a:effectRef idx="0">
+            <a:schemeClr val="accent1"/>
+          </a:effectRef>
+          <a:fontRef idx="minor">
+            <a:schemeClr val="lt1"/>
+          </a:fontRef>
+        </p:style>
+        <p:txBody>
+          <a:bodyPr rtlCol="0" anchor="ctr"/>
+          <a:lstStyle/>
+          <a:p>
+            <a:pPr algn="ctr"/>
+            <a:endParaRPr lang="en-US"/>
+          </a:p>
+        </p:txBody>
+      </p:sp>
+      <p:sp>
+        <p:nvSpPr>
+          <p:cNvPr id="2" name="Title 1">
+            <a:extLst>
+              <a:ext uri="{FF2B5EF4-FFF2-40B4-BE49-F238E27FC236}">
+                <a16:creationId xmlns:a16="http://schemas.microsoft.com/office/drawing/2014/main" id="{27DDFDBB-2276-BCDF-B351-68A439EDF54F}"/>
+              </a:ext>
+            </a:extLst>
+          </p:cNvPr>
+          <p:cNvSpPr>
+            <a:spLocks noGrp="1"/>
+          </p:cNvSpPr>
+          <p:nvPr>
+            <p:ph type="title"/>
+          </p:nvPr>
+        </p:nvSpPr>
+        <p:spPr>
+          <a:xfrm>
+            <a:off x="641074" y="1314450"/>
+            <a:ext cx="2844002" cy="3680244"/>
+          </a:xfrm>
+        </p:spPr>
+        <p:txBody>
+          <a:bodyPr>
+            <a:normAutofit/>
+          </a:bodyPr>
+          <a:lstStyle/>
+          <a:p>
+            <a:pPr algn="l"/>
+            <a:r>
+              <a:rPr lang="en-US" sz="3400" dirty="0"/>
+              <a:t>AMI Business Applications</a:t>
+            </a:r>
+          </a:p>
+        </p:txBody>
+      </p:sp>
+      <p:pic>
+        <p:nvPicPr>
+          <p:cNvPr id="15" name="Picture 14">
+            <a:extLst>
+              <a:ext uri="{FF2B5EF4-FFF2-40B4-BE49-F238E27FC236}">
+                <a16:creationId xmlns:a16="http://schemas.microsoft.com/office/drawing/2014/main" id="{367E268D-B340-41B0-B037-2F3FC25BC705}"/>
+              </a:ext>
+              <a:ext uri="{C183D7F6-B498-43B3-948B-1728B52AA6E4}">
+                <adec:decorative xmlns:adec="http://schemas.microsoft.com/office/drawing/2017/decorative" val="1"/>
+              </a:ext>
+            </a:extLst>
+          </p:cNvPr>
+          <p:cNvPicPr>
+            <a:picLocks noGrp="1" noRot="1" noChangeAspect="1" noMove="1" noResize="1" noEditPoints="1" noAdjustHandles="1" noChangeArrowheads="1" noChangeShapeType="1" noCrop="1"/>
+          </p:cNvPicPr>
+          <p:nvPr>
+            <p:extLst>
+              <p:ext uri="{386F3935-93C4-4BCD-93E2-E3B085C9AB24}">
+                <p16:designElem xmlns:p16="http://schemas.microsoft.com/office/powerpoint/2015/main" val="1"/>
+              </p:ext>
+            </p:extLst>
+          </p:nvPr>
+        </p:nvPicPr>
+        <p:blipFill rotWithShape="1">
+          <a:blip r:embed="rId2">
+            <a:extLst>
+              <a:ext uri="{28A0092B-C50C-407E-A947-70E740481C1C}">
+                <a14:useLocalDpi xmlns:a14="http://schemas.microsoft.com/office/drawing/2010/main" val="0"/>
+              </a:ext>
+            </a:extLst>
+          </a:blip>
+          <a:srcRect r="66700" b="77917"/>
+          <a:stretch/>
+        </p:blipFill>
+        <p:spPr>
+          <a:xfrm>
+            <a:off x="0" y="0"/>
+            <a:ext cx="4059935" cy="1514475"/>
+          </a:xfrm>
+          <a:prstGeom prst="rect">
+            <a:avLst/>
+          </a:prstGeom>
+        </p:spPr>
+      </p:pic>
+      <p:pic>
+        <p:nvPicPr>
+          <p:cNvPr id="17" name="Picture 16">
+            <a:extLst>
+              <a:ext uri="{FF2B5EF4-FFF2-40B4-BE49-F238E27FC236}">
+                <a16:creationId xmlns:a16="http://schemas.microsoft.com/office/drawing/2014/main" id="{ABB0BCA0-9493-46B4-B955-8FBF0287306B}"/>
+              </a:ext>
+              <a:ext uri="{C183D7F6-B498-43B3-948B-1728B52AA6E4}">
+                <adec:decorative xmlns:adec="http://schemas.microsoft.com/office/drawing/2017/decorative" val="1"/>
+              </a:ext>
+            </a:extLst>
+          </p:cNvPr>
+          <p:cNvPicPr>
+            <a:picLocks noGrp="1" noRot="1" noChangeAspect="1" noMove="1" noResize="1" noEditPoints="1" noAdjustHandles="1" noChangeArrowheads="1" noChangeShapeType="1" noCrop="1"/>
+          </p:cNvPicPr>
+          <p:nvPr>
+            <p:extLst>
+              <p:ext uri="{386F3935-93C4-4BCD-93E2-E3B085C9AB24}">
+                <p16:designElem xmlns:p16="http://schemas.microsoft.com/office/powerpoint/2015/main" val="1"/>
+              </p:ext>
+            </p:extLst>
+          </p:nvPr>
+        </p:nvPicPr>
+        <p:blipFill rotWithShape="1">
+          <a:blip r:embed="rId3">
+            <a:extLst>
+              <a:ext uri="{28A0092B-C50C-407E-A947-70E740481C1C}">
+                <a14:useLocalDpi xmlns:a14="http://schemas.microsoft.com/office/drawing/2010/main" val="0"/>
+              </a:ext>
+            </a:extLst>
+          </a:blip>
+          <a:srcRect l="78750" t="72830" b="14149"/>
+          <a:stretch/>
+        </p:blipFill>
+        <p:spPr>
+          <a:xfrm>
+            <a:off x="1377059" y="5962903"/>
+            <a:ext cx="2590800" cy="892925"/>
+          </a:xfrm>
+          <a:prstGeom prst="rect">
+            <a:avLst/>
+          </a:prstGeom>
+        </p:spPr>
+      </p:pic>
+      <p:graphicFrame>
+        <p:nvGraphicFramePr>
+          <p:cNvPr id="6" name="Content Placeholder 5">
+            <a:extLst>
+              <a:ext uri="{FF2B5EF4-FFF2-40B4-BE49-F238E27FC236}">
+                <a16:creationId xmlns:a16="http://schemas.microsoft.com/office/drawing/2014/main" id="{F27FB890-5A31-7050-D06D-CE52365BDCE5}"/>
+              </a:ext>
+            </a:extLst>
+          </p:cNvPr>
+          <p:cNvGraphicFramePr>
+            <a:graphicFrameLocks noGrp="1"/>
+          </p:cNvGraphicFramePr>
+          <p:nvPr>
+            <p:ph sz="quarter" idx="13"/>
+            <p:extLst>
+              <p:ext uri="{D42A27DB-BD31-4B8C-83A1-F6EECF244321}">
+                <p14:modId xmlns:p14="http://schemas.microsoft.com/office/powerpoint/2010/main" val="869721975"/>
+              </p:ext>
+            </p:extLst>
+          </p:nvPr>
+        </p:nvGraphicFramePr>
+        <p:xfrm>
+          <a:off x="4392168" y="832103"/>
+          <a:ext cx="7467599" cy="5130800"/>
+        </p:xfrm>
+        <a:graphic>
+          <a:graphicData uri="http://schemas.openxmlformats.org/drawingml/2006/chart">
+            <c:chart xmlns:c="http://schemas.openxmlformats.org/drawingml/2006/chart" xmlns:r="http://schemas.openxmlformats.org/officeDocument/2006/relationships" r:id="rId4"/>
+          </a:graphicData>
+        </a:graphic>
+      </p:graphicFrame>
+    </p:spTree>
+    <p:extLst>
+      <p:ext uri="{BB962C8B-B14F-4D97-AF65-F5344CB8AC3E}">
+        <p14:creationId xmlns:p14="http://schemas.microsoft.com/office/powerpoint/2010/main" val="2961010195"/>
+      </p:ext>
+    </p:extLst>
+  </p:cSld>
+  <p:clrMapOvr>
+    <a:masterClrMapping/>
+  </p:clrMapOvr>
+</p:sld>
+</file>
+
+<file path=ppt/slides/slide7.xml><?xml version="1.0" encoding="utf-8"?>
 <p:sld xmlns:a="http://schemas.openxmlformats.org/drawingml/2006/main" xmlns:r="http://schemas.openxmlformats.org/officeDocument/2006/relationships" xmlns:p="http://schemas.openxmlformats.org/presentationml/2006/main">
   <p:cSld>
     <p:spTree>
@@ -17106,7 +19700,7 @@
 </p:sld>
 </file>
 
-<file path=ppt/slides/slide7.xml><?xml version="1.0" encoding="utf-8"?>
+<file path=ppt/slides/slide8.xml><?xml version="1.0" encoding="utf-8"?>
 <p:sld xmlns:a="http://schemas.openxmlformats.org/drawingml/2006/main" xmlns:r="http://schemas.openxmlformats.org/officeDocument/2006/relationships" xmlns:p="http://schemas.openxmlformats.org/presentationml/2006/main">
   <p:cSld>
     <p:spTree>
@@ -17201,7 +19795,7 @@
 </p:sld>
 </file>
 
-<file path=ppt/slides/slide8.xml><?xml version="1.0" encoding="utf-8"?>
+<file path=ppt/slides/slide9.xml><?xml version="1.0" encoding="utf-8"?>
 <p:sld xmlns:a="http://schemas.openxmlformats.org/drawingml/2006/main" xmlns:r="http://schemas.openxmlformats.org/officeDocument/2006/relationships" xmlns:p="http://schemas.openxmlformats.org/presentationml/2006/main">
   <p:cSld>
     <p:spTree>
@@ -18234,1223 +20828,6 @@
     <p:extLst>
       <p:ext uri="{BB962C8B-B14F-4D97-AF65-F5344CB8AC3E}">
         <p14:creationId xmlns:p14="http://schemas.microsoft.com/office/powerpoint/2010/main" val="152764462"/>
-      </p:ext>
-    </p:extLst>
-  </p:cSld>
-  <p:clrMapOvr>
-    <a:masterClrMapping/>
-  </p:clrMapOvr>
-</p:sld>
-</file>
-
-<file path=ppt/slides/slide9.xml><?xml version="1.0" encoding="utf-8"?>
-<p:sld xmlns:a="http://schemas.openxmlformats.org/drawingml/2006/main" xmlns:r="http://schemas.openxmlformats.org/officeDocument/2006/relationships" xmlns:p="http://schemas.openxmlformats.org/presentationml/2006/main">
-  <p:cSld>
-    <p:spTree>
-      <p:nvGrpSpPr>
-        <p:cNvPr id="1" name="">
-          <a:extLst>
-            <a:ext uri="{FF2B5EF4-FFF2-40B4-BE49-F238E27FC236}">
-              <a16:creationId xmlns:a16="http://schemas.microsoft.com/office/drawing/2014/main" id="{F74E9D6D-5738-972B-75DB-015AD7A2563E}"/>
-            </a:ext>
-          </a:extLst>
-        </p:cNvPr>
-        <p:cNvGrpSpPr/>
-        <p:nvPr/>
-      </p:nvGrpSpPr>
-      <p:grpSpPr>
-        <a:xfrm>
-          <a:off x="0" y="0"/>
-          <a:ext cx="0" cy="0"/>
-          <a:chOff x="0" y="0"/>
-          <a:chExt cx="0" cy="0"/>
-        </a:xfrm>
-      </p:grpSpPr>
-      <p:sp>
-        <p:nvSpPr>
-          <p:cNvPr id="2" name="Title 1">
-            <a:extLst>
-              <a:ext uri="{FF2B5EF4-FFF2-40B4-BE49-F238E27FC236}">
-                <a16:creationId xmlns:a16="http://schemas.microsoft.com/office/drawing/2014/main" id="{0FE3EA1A-CF6E-7738-5C1F-621974507D34}"/>
-              </a:ext>
-            </a:extLst>
-          </p:cNvPr>
-          <p:cNvSpPr>
-            <a:spLocks noGrp="1"/>
-          </p:cNvSpPr>
-          <p:nvPr>
-            <p:ph type="title"/>
-          </p:nvPr>
-        </p:nvSpPr>
-        <p:spPr>
-          <a:xfrm>
-            <a:off x="854764" y="534924"/>
-            <a:ext cx="10515600" cy="625472"/>
-          </a:xfrm>
-        </p:spPr>
-        <p:txBody>
-          <a:bodyPr>
-            <a:normAutofit fontScale="90000"/>
-          </a:bodyPr>
-          <a:lstStyle/>
-          <a:p>
-            <a:r>
-              <a:rPr lang="en-US" sz="3700" dirty="0"/>
-              <a:t>User Experience on the AMI Wiki Database Website</a:t>
-            </a:r>
-          </a:p>
-        </p:txBody>
-      </p:sp>
-      <p:sp>
-        <p:nvSpPr>
-          <p:cNvPr id="9" name="Flowchart: Alternate Process 8">
-            <a:extLst>
-              <a:ext uri="{FF2B5EF4-FFF2-40B4-BE49-F238E27FC236}">
-                <a16:creationId xmlns:a16="http://schemas.microsoft.com/office/drawing/2014/main" id="{6829A44E-D67F-233F-63DF-CA67176EF9B5}"/>
-              </a:ext>
-            </a:extLst>
-          </p:cNvPr>
-          <p:cNvSpPr/>
-          <p:nvPr/>
-        </p:nvSpPr>
-        <p:spPr>
-          <a:xfrm>
-            <a:off x="546651" y="1676400"/>
-            <a:ext cx="1911626" cy="914400"/>
-          </a:xfrm>
-          <a:prstGeom prst="flowChartAlternateProcess">
-            <a:avLst/>
-          </a:prstGeom>
-          <a:solidFill>
-            <a:schemeClr val="accent6">
-              <a:lumMod val="40000"/>
-              <a:lumOff val="60000"/>
-            </a:schemeClr>
-          </a:solidFill>
-          <a:ln w="22225">
-            <a:noFill/>
-          </a:ln>
-          <a:effectLst>
-            <a:outerShdw blurRad="50800" dist="38100" dir="5400000" algn="t" rotWithShape="0">
-              <a:prstClr val="black">
-                <a:alpha val="40000"/>
-              </a:prstClr>
-            </a:outerShdw>
-          </a:effectLst>
-        </p:spPr>
-        <p:style>
-          <a:lnRef idx="2">
-            <a:schemeClr val="accent1">
-              <a:shade val="15000"/>
-            </a:schemeClr>
-          </a:lnRef>
-          <a:fillRef idx="1">
-            <a:schemeClr val="accent1"/>
-          </a:fillRef>
-          <a:effectRef idx="0">
-            <a:schemeClr val="accent1"/>
-          </a:effectRef>
-          <a:fontRef idx="minor">
-            <a:schemeClr val="lt1"/>
-          </a:fontRef>
-        </p:style>
-        <p:txBody>
-          <a:bodyPr rtlCol="0" anchor="ctr"/>
-          <a:lstStyle/>
-          <a:p>
-            <a:pPr algn="ctr"/>
-            <a:r>
-              <a:rPr lang="en-US" sz="1700" dirty="0">
-                <a:solidFill>
-                  <a:schemeClr val="tx1"/>
-                </a:solidFill>
-              </a:rPr>
-              <a:t>User Opens AMI Wiki Database Website</a:t>
-            </a:r>
-          </a:p>
-        </p:txBody>
-      </p:sp>
-      <p:sp>
-        <p:nvSpPr>
-          <p:cNvPr id="10" name="Flowchart: Process 9">
-            <a:extLst>
-              <a:ext uri="{FF2B5EF4-FFF2-40B4-BE49-F238E27FC236}">
-                <a16:creationId xmlns:a16="http://schemas.microsoft.com/office/drawing/2014/main" id="{FC20BFF6-9E71-A421-6E5B-2E58E7B9DCF5}"/>
-              </a:ext>
-            </a:extLst>
-          </p:cNvPr>
-          <p:cNvSpPr/>
-          <p:nvPr/>
-        </p:nvSpPr>
-        <p:spPr>
-          <a:xfrm>
-            <a:off x="6109251" y="4878449"/>
-            <a:ext cx="1828800" cy="914399"/>
-          </a:xfrm>
-          <a:prstGeom prst="flowChartProcess">
-            <a:avLst/>
-          </a:prstGeom>
-          <a:solidFill>
-            <a:schemeClr val="accent4">
-              <a:lumMod val="40000"/>
-              <a:lumOff val="60000"/>
-            </a:schemeClr>
-          </a:solidFill>
-          <a:ln w="22225">
-            <a:noFill/>
-          </a:ln>
-          <a:effectLst>
-            <a:outerShdw blurRad="50800" dist="38100" dir="13500000" algn="br" rotWithShape="0">
-              <a:prstClr val="black">
-                <a:alpha val="40000"/>
-              </a:prstClr>
-            </a:outerShdw>
-          </a:effectLst>
-        </p:spPr>
-        <p:style>
-          <a:lnRef idx="2">
-            <a:schemeClr val="accent1">
-              <a:shade val="15000"/>
-            </a:schemeClr>
-          </a:lnRef>
-          <a:fillRef idx="1">
-            <a:schemeClr val="accent1"/>
-          </a:fillRef>
-          <a:effectRef idx="0">
-            <a:schemeClr val="accent1"/>
-          </a:effectRef>
-          <a:fontRef idx="minor">
-            <a:schemeClr val="lt1"/>
-          </a:fontRef>
-        </p:style>
-        <p:txBody>
-          <a:bodyPr rtlCol="0" anchor="ctr"/>
-          <a:lstStyle/>
-          <a:p>
-            <a:pPr algn="ctr"/>
-            <a:r>
-              <a:rPr lang="en-US" sz="1700" dirty="0">
-                <a:solidFill>
-                  <a:schemeClr val="tx1"/>
-                </a:solidFill>
-              </a:rPr>
-              <a:t>User Follows File for Updates</a:t>
-            </a:r>
-          </a:p>
-        </p:txBody>
-      </p:sp>
-      <p:sp>
-        <p:nvSpPr>
-          <p:cNvPr id="11" name="Rectangle 10">
-            <a:extLst>
-              <a:ext uri="{FF2B5EF4-FFF2-40B4-BE49-F238E27FC236}">
-                <a16:creationId xmlns:a16="http://schemas.microsoft.com/office/drawing/2014/main" id="{2782CDE0-A090-1FD3-634C-25C6C0300632}"/>
-              </a:ext>
-            </a:extLst>
-          </p:cNvPr>
-          <p:cNvSpPr/>
-          <p:nvPr/>
-        </p:nvSpPr>
-        <p:spPr>
-          <a:xfrm>
-            <a:off x="3377646" y="1676400"/>
-            <a:ext cx="1828800" cy="914399"/>
-          </a:xfrm>
-          <a:prstGeom prst="rect">
-            <a:avLst/>
-          </a:prstGeom>
-          <a:solidFill>
-            <a:schemeClr val="accent4">
-              <a:lumMod val="40000"/>
-              <a:lumOff val="60000"/>
-            </a:schemeClr>
-          </a:solidFill>
-          <a:ln w="22225">
-            <a:noFill/>
-          </a:ln>
-          <a:effectLst>
-            <a:outerShdw blurRad="63500" sx="102000" sy="102000" algn="ctr" rotWithShape="0">
-              <a:prstClr val="black">
-                <a:alpha val="40000"/>
-              </a:prstClr>
-            </a:outerShdw>
-          </a:effectLst>
-        </p:spPr>
-        <p:style>
-          <a:lnRef idx="2">
-            <a:schemeClr val="accent1">
-              <a:shade val="15000"/>
-            </a:schemeClr>
-          </a:lnRef>
-          <a:fillRef idx="1">
-            <a:schemeClr val="accent1"/>
-          </a:fillRef>
-          <a:effectRef idx="0">
-            <a:schemeClr val="accent1"/>
-          </a:effectRef>
-          <a:fontRef idx="minor">
-            <a:schemeClr val="lt1"/>
-          </a:fontRef>
-        </p:style>
-        <p:txBody>
-          <a:bodyPr rtlCol="0" anchor="ctr"/>
-          <a:lstStyle/>
-          <a:p>
-            <a:pPr algn="ctr"/>
-            <a:r>
-              <a:rPr lang="fr-FR" sz="1700" dirty="0">
-                <a:solidFill>
-                  <a:schemeClr val="tx1"/>
-                </a:solidFill>
-              </a:rPr>
-              <a:t>User Chooses Mode (Light/Dark)</a:t>
-            </a:r>
-            <a:endParaRPr lang="en-US" sz="1700" dirty="0">
-              <a:solidFill>
-                <a:schemeClr val="tx1"/>
-              </a:solidFill>
-            </a:endParaRPr>
-          </a:p>
-        </p:txBody>
-      </p:sp>
-      <p:sp>
-        <p:nvSpPr>
-          <p:cNvPr id="12" name="Flowchart: Process 11">
-            <a:extLst>
-              <a:ext uri="{FF2B5EF4-FFF2-40B4-BE49-F238E27FC236}">
-                <a16:creationId xmlns:a16="http://schemas.microsoft.com/office/drawing/2014/main" id="{293A68C0-4176-02FD-F78C-DF86067132AD}"/>
-              </a:ext>
-            </a:extLst>
-          </p:cNvPr>
-          <p:cNvSpPr/>
-          <p:nvPr/>
-        </p:nvSpPr>
-        <p:spPr>
-          <a:xfrm>
-            <a:off x="7516467" y="3505200"/>
-            <a:ext cx="2259494" cy="914400"/>
-          </a:xfrm>
-          <a:prstGeom prst="flowChartProcess">
-            <a:avLst/>
-          </a:prstGeom>
-          <a:solidFill>
-            <a:schemeClr val="accent4">
-              <a:lumMod val="40000"/>
-              <a:lumOff val="60000"/>
-            </a:schemeClr>
-          </a:solidFill>
-          <a:ln w="22225">
-            <a:noFill/>
-          </a:ln>
-          <a:effectLst>
-            <a:outerShdw blurRad="50800" dist="38100" dir="18900000" algn="bl" rotWithShape="0">
-              <a:prstClr val="black">
-                <a:alpha val="40000"/>
-              </a:prstClr>
-            </a:outerShdw>
-          </a:effectLst>
-        </p:spPr>
-        <p:style>
-          <a:lnRef idx="2">
-            <a:schemeClr val="accent1">
-              <a:shade val="15000"/>
-            </a:schemeClr>
-          </a:lnRef>
-          <a:fillRef idx="1">
-            <a:schemeClr val="accent1"/>
-          </a:fillRef>
-          <a:effectRef idx="0">
-            <a:schemeClr val="accent1"/>
-          </a:effectRef>
-          <a:fontRef idx="minor">
-            <a:schemeClr val="lt1"/>
-          </a:fontRef>
-        </p:style>
-        <p:txBody>
-          <a:bodyPr rtlCol="0" anchor="ctr"/>
-          <a:lstStyle/>
-          <a:p>
-            <a:pPr algn="ctr"/>
-            <a:r>
-              <a:rPr lang="en-US" sz="1700" dirty="0">
-                <a:solidFill>
-                  <a:schemeClr val="tx1"/>
-                </a:solidFill>
-              </a:rPr>
-              <a:t>User Browses Folders/Subfolders</a:t>
-            </a:r>
-          </a:p>
-        </p:txBody>
-      </p:sp>
-      <p:sp>
-        <p:nvSpPr>
-          <p:cNvPr id="13" name="Flowchart: Decision 12">
-            <a:extLst>
-              <a:ext uri="{FF2B5EF4-FFF2-40B4-BE49-F238E27FC236}">
-                <a16:creationId xmlns:a16="http://schemas.microsoft.com/office/drawing/2014/main" id="{EC428E18-3F08-7EF5-E7A9-451942B67F00}"/>
-              </a:ext>
-            </a:extLst>
-          </p:cNvPr>
-          <p:cNvSpPr/>
-          <p:nvPr/>
-        </p:nvSpPr>
-        <p:spPr>
-          <a:xfrm>
-            <a:off x="6125815" y="1279660"/>
-            <a:ext cx="2269435" cy="1707878"/>
-          </a:xfrm>
-          <a:prstGeom prst="flowChartDecision">
-            <a:avLst/>
-          </a:prstGeom>
-          <a:solidFill>
-            <a:schemeClr val="accent5">
-              <a:lumMod val="40000"/>
-              <a:lumOff val="60000"/>
-            </a:schemeClr>
-          </a:solidFill>
-          <a:ln w="22225">
-            <a:noFill/>
-          </a:ln>
-          <a:effectLst>
-            <a:outerShdw blurRad="50800" dist="38100" algn="l" rotWithShape="0">
-              <a:prstClr val="black">
-                <a:alpha val="40000"/>
-              </a:prstClr>
-            </a:outerShdw>
-          </a:effectLst>
-        </p:spPr>
-        <p:style>
-          <a:lnRef idx="2">
-            <a:schemeClr val="accent1">
-              <a:shade val="15000"/>
-            </a:schemeClr>
-          </a:lnRef>
-          <a:fillRef idx="1">
-            <a:schemeClr val="accent1"/>
-          </a:fillRef>
-          <a:effectRef idx="0">
-            <a:schemeClr val="accent1"/>
-          </a:effectRef>
-          <a:fontRef idx="minor">
-            <a:schemeClr val="lt1"/>
-          </a:fontRef>
-        </p:style>
-        <p:txBody>
-          <a:bodyPr rtlCol="0" anchor="ctr"/>
-          <a:lstStyle/>
-          <a:p>
-            <a:pPr algn="ctr"/>
-            <a:endParaRPr lang="en-US" sz="1600" dirty="0">
-              <a:solidFill>
-                <a:schemeClr val="tx1"/>
-              </a:solidFill>
-            </a:endParaRPr>
-          </a:p>
-          <a:p>
-            <a:pPr algn="ctr"/>
-            <a:r>
-              <a:rPr lang="en-US" sz="1600" dirty="0">
-                <a:solidFill>
-                  <a:schemeClr val="tx1"/>
-                </a:solidFill>
-              </a:rPr>
-              <a:t>Does User Browse Folders or Search for File?</a:t>
-            </a:r>
-            <a:endParaRPr lang="en-US" sz="1500" dirty="0">
-              <a:solidFill>
-                <a:schemeClr val="tx1"/>
-              </a:solidFill>
-            </a:endParaRPr>
-          </a:p>
-        </p:txBody>
-      </p:sp>
-      <p:sp>
-        <p:nvSpPr>
-          <p:cNvPr id="14" name="Flowchart: Process 13">
-            <a:extLst>
-              <a:ext uri="{FF2B5EF4-FFF2-40B4-BE49-F238E27FC236}">
-                <a16:creationId xmlns:a16="http://schemas.microsoft.com/office/drawing/2014/main" id="{6343E8F8-458D-3497-5D97-6F19352A8AB1}"/>
-              </a:ext>
-            </a:extLst>
-          </p:cNvPr>
-          <p:cNvSpPr/>
-          <p:nvPr/>
-        </p:nvSpPr>
-        <p:spPr>
-          <a:xfrm>
-            <a:off x="9354378" y="1676400"/>
-            <a:ext cx="1828800" cy="914400"/>
-          </a:xfrm>
-          <a:prstGeom prst="flowChartProcess">
-            <a:avLst/>
-          </a:prstGeom>
-          <a:solidFill>
-            <a:schemeClr val="accent4">
-              <a:lumMod val="40000"/>
-              <a:lumOff val="60000"/>
-            </a:schemeClr>
-          </a:solidFill>
-          <a:ln w="22225">
-            <a:noFill/>
-          </a:ln>
-          <a:effectLst>
-            <a:outerShdw blurRad="63500" sx="102000" sy="102000" algn="ctr" rotWithShape="0">
-              <a:prstClr val="black">
-                <a:alpha val="40000"/>
-              </a:prstClr>
-            </a:outerShdw>
-          </a:effectLst>
-        </p:spPr>
-        <p:style>
-          <a:lnRef idx="2">
-            <a:schemeClr val="accent1">
-              <a:shade val="15000"/>
-            </a:schemeClr>
-          </a:lnRef>
-          <a:fillRef idx="1">
-            <a:schemeClr val="accent1"/>
-          </a:fillRef>
-          <a:effectRef idx="0">
-            <a:schemeClr val="accent1"/>
-          </a:effectRef>
-          <a:fontRef idx="minor">
-            <a:schemeClr val="lt1"/>
-          </a:fontRef>
-        </p:style>
-        <p:txBody>
-          <a:bodyPr rtlCol="0" anchor="ctr"/>
-          <a:lstStyle/>
-          <a:p>
-            <a:pPr algn="ctr"/>
-            <a:r>
-              <a:rPr lang="en-US" sz="1700" dirty="0">
-                <a:solidFill>
-                  <a:schemeClr val="tx1"/>
-                </a:solidFill>
-              </a:rPr>
-              <a:t>User Searches for File</a:t>
-            </a:r>
-          </a:p>
-        </p:txBody>
-      </p:sp>
-      <p:sp>
-        <p:nvSpPr>
-          <p:cNvPr id="15" name="Flowchart: Process 14">
-            <a:extLst>
-              <a:ext uri="{FF2B5EF4-FFF2-40B4-BE49-F238E27FC236}">
-                <a16:creationId xmlns:a16="http://schemas.microsoft.com/office/drawing/2014/main" id="{CE6E70B2-EDCC-E5DA-529B-71593960C410}"/>
-              </a:ext>
-            </a:extLst>
-          </p:cNvPr>
-          <p:cNvSpPr/>
-          <p:nvPr/>
-        </p:nvSpPr>
-        <p:spPr>
-          <a:xfrm>
-            <a:off x="2917961" y="3493602"/>
-            <a:ext cx="1828800" cy="914400"/>
-          </a:xfrm>
-          <a:prstGeom prst="flowChartProcess">
-            <a:avLst/>
-          </a:prstGeom>
-          <a:solidFill>
-            <a:schemeClr val="accent4">
-              <a:lumMod val="40000"/>
-              <a:lumOff val="60000"/>
-            </a:schemeClr>
-          </a:solidFill>
-          <a:ln w="22225">
-            <a:noFill/>
-          </a:ln>
-          <a:effectLst>
-            <a:outerShdw blurRad="63500" sx="102000" sy="102000" algn="ctr" rotWithShape="0">
-              <a:prstClr val="black">
-                <a:alpha val="40000"/>
-              </a:prstClr>
-            </a:outerShdw>
-          </a:effectLst>
-        </p:spPr>
-        <p:style>
-          <a:lnRef idx="2">
-            <a:schemeClr val="accent1">
-              <a:shade val="15000"/>
-            </a:schemeClr>
-          </a:lnRef>
-          <a:fillRef idx="1">
-            <a:schemeClr val="accent1"/>
-          </a:fillRef>
-          <a:effectRef idx="0">
-            <a:schemeClr val="accent1"/>
-          </a:effectRef>
-          <a:fontRef idx="minor">
-            <a:schemeClr val="lt1"/>
-          </a:fontRef>
-        </p:style>
-        <p:txBody>
-          <a:bodyPr rtlCol="0" anchor="ctr"/>
-          <a:lstStyle/>
-          <a:p>
-            <a:pPr algn="ctr"/>
-            <a:r>
-              <a:rPr lang="en-US" sz="1700" dirty="0">
-                <a:solidFill>
-                  <a:schemeClr val="tx1"/>
-                </a:solidFill>
-              </a:rPr>
-              <a:t>User Reads Document</a:t>
-            </a:r>
-          </a:p>
-        </p:txBody>
-      </p:sp>
-      <p:sp>
-        <p:nvSpPr>
-          <p:cNvPr id="16" name="Flowchart: Alternate Process 15">
-            <a:extLst>
-              <a:ext uri="{FF2B5EF4-FFF2-40B4-BE49-F238E27FC236}">
-                <a16:creationId xmlns:a16="http://schemas.microsoft.com/office/drawing/2014/main" id="{9B5B59CD-8C54-39B4-895F-EFF537A448EF}"/>
-              </a:ext>
-            </a:extLst>
-          </p:cNvPr>
-          <p:cNvSpPr/>
-          <p:nvPr/>
-        </p:nvSpPr>
-        <p:spPr>
-          <a:xfrm>
-            <a:off x="546651" y="5448286"/>
-            <a:ext cx="1828800" cy="914400"/>
-          </a:xfrm>
-          <a:prstGeom prst="flowChartAlternateProcess">
-            <a:avLst/>
-          </a:prstGeom>
-          <a:solidFill>
-            <a:schemeClr val="accent6">
-              <a:lumMod val="40000"/>
-              <a:lumOff val="60000"/>
-            </a:schemeClr>
-          </a:solidFill>
-          <a:ln w="19050">
-            <a:noFill/>
-          </a:ln>
-          <a:effectLst>
-            <a:outerShdw blurRad="50800" dist="38100" dir="8100000" algn="tr" rotWithShape="0">
-              <a:prstClr val="black">
-                <a:alpha val="40000"/>
-              </a:prstClr>
-            </a:outerShdw>
-          </a:effectLst>
-        </p:spPr>
-        <p:style>
-          <a:lnRef idx="2">
-            <a:schemeClr val="accent1">
-              <a:shade val="15000"/>
-            </a:schemeClr>
-          </a:lnRef>
-          <a:fillRef idx="1">
-            <a:schemeClr val="accent1"/>
-          </a:fillRef>
-          <a:effectRef idx="0">
-            <a:schemeClr val="accent1"/>
-          </a:effectRef>
-          <a:fontRef idx="minor">
-            <a:schemeClr val="lt1"/>
-          </a:fontRef>
-        </p:style>
-        <p:txBody>
-          <a:bodyPr rtlCol="0" anchor="ctr"/>
-          <a:lstStyle/>
-          <a:p>
-            <a:pPr algn="ctr"/>
-            <a:r>
-              <a:rPr lang="en-US" sz="1700" dirty="0">
-                <a:solidFill>
-                  <a:schemeClr val="tx1"/>
-                </a:solidFill>
-              </a:rPr>
-              <a:t>End</a:t>
-            </a:r>
-          </a:p>
-        </p:txBody>
-      </p:sp>
-      <p:cxnSp>
-        <p:nvCxnSpPr>
-          <p:cNvPr id="23" name="Straight Arrow Connector 22">
-            <a:extLst>
-              <a:ext uri="{FF2B5EF4-FFF2-40B4-BE49-F238E27FC236}">
-                <a16:creationId xmlns:a16="http://schemas.microsoft.com/office/drawing/2014/main" id="{686E252E-3FC8-181E-67F2-D63DB5B9DDD0}"/>
-              </a:ext>
-            </a:extLst>
-          </p:cNvPr>
-          <p:cNvCxnSpPr>
-            <a:cxnSpLocks/>
-            <a:stCxn id="9" idx="3"/>
-            <a:endCxn id="11" idx="1"/>
-          </p:cNvCxnSpPr>
-          <p:nvPr/>
-        </p:nvCxnSpPr>
-        <p:spPr>
-          <a:xfrm>
-            <a:off x="2458277" y="2133600"/>
-            <a:ext cx="919369" cy="0"/>
-          </a:xfrm>
-          <a:prstGeom prst="straightConnector1">
-            <a:avLst/>
-          </a:prstGeom>
-          <a:ln>
-            <a:tailEnd type="triangle" w="lg" len="lg"/>
-          </a:ln>
-        </p:spPr>
-        <p:style>
-          <a:lnRef idx="2">
-            <a:schemeClr val="accent1"/>
-          </a:lnRef>
-          <a:fillRef idx="0">
-            <a:schemeClr val="accent1"/>
-          </a:fillRef>
-          <a:effectRef idx="1">
-            <a:schemeClr val="accent1"/>
-          </a:effectRef>
-          <a:fontRef idx="minor">
-            <a:schemeClr val="tx1"/>
-          </a:fontRef>
-        </p:style>
-      </p:cxnSp>
-      <p:cxnSp>
-        <p:nvCxnSpPr>
-          <p:cNvPr id="26" name="Connector: Elbow 25">
-            <a:extLst>
-              <a:ext uri="{FF2B5EF4-FFF2-40B4-BE49-F238E27FC236}">
-                <a16:creationId xmlns:a16="http://schemas.microsoft.com/office/drawing/2014/main" id="{50CCCE40-74DC-2DEA-D7CB-1F038FE147F3}"/>
-              </a:ext>
-            </a:extLst>
-          </p:cNvPr>
-          <p:cNvCxnSpPr>
-            <a:cxnSpLocks/>
-            <a:stCxn id="11" idx="3"/>
-            <a:endCxn id="13" idx="1"/>
-          </p:cNvCxnSpPr>
-          <p:nvPr/>
-        </p:nvCxnSpPr>
-        <p:spPr>
-          <a:xfrm flipV="1">
-            <a:off x="5206446" y="2133599"/>
-            <a:ext cx="919369" cy="1"/>
-          </a:xfrm>
-          <a:prstGeom prst="bentConnector3">
-            <a:avLst/>
-          </a:prstGeom>
-          <a:ln>
-            <a:tailEnd type="triangle" w="lg" len="lg"/>
-          </a:ln>
-        </p:spPr>
-        <p:style>
-          <a:lnRef idx="2">
-            <a:schemeClr val="accent1"/>
-          </a:lnRef>
-          <a:fillRef idx="0">
-            <a:schemeClr val="accent1"/>
-          </a:fillRef>
-          <a:effectRef idx="1">
-            <a:schemeClr val="accent1"/>
-          </a:effectRef>
-          <a:fontRef idx="minor">
-            <a:schemeClr val="tx1"/>
-          </a:fontRef>
-        </p:style>
-      </p:cxnSp>
-      <p:cxnSp>
-        <p:nvCxnSpPr>
-          <p:cNvPr id="34" name="Connector: Elbow 33">
-            <a:extLst>
-              <a:ext uri="{FF2B5EF4-FFF2-40B4-BE49-F238E27FC236}">
-                <a16:creationId xmlns:a16="http://schemas.microsoft.com/office/drawing/2014/main" id="{BF9BF8E9-EC9F-50CB-48FE-608567430AB6}"/>
-              </a:ext>
-            </a:extLst>
-          </p:cNvPr>
-          <p:cNvCxnSpPr>
-            <a:cxnSpLocks/>
-            <a:stCxn id="13" idx="3"/>
-            <a:endCxn id="14" idx="1"/>
-          </p:cNvCxnSpPr>
-          <p:nvPr/>
-        </p:nvCxnSpPr>
-        <p:spPr>
-          <a:xfrm>
-            <a:off x="8395250" y="2133599"/>
-            <a:ext cx="959128" cy="1"/>
-          </a:xfrm>
-          <a:prstGeom prst="bentConnector3">
-            <a:avLst/>
-          </a:prstGeom>
-          <a:ln>
-            <a:tailEnd type="triangle" w="lg" len="lg"/>
-          </a:ln>
-        </p:spPr>
-        <p:style>
-          <a:lnRef idx="2">
-            <a:schemeClr val="accent1"/>
-          </a:lnRef>
-          <a:fillRef idx="0">
-            <a:schemeClr val="accent1"/>
-          </a:fillRef>
-          <a:effectRef idx="1">
-            <a:schemeClr val="accent1"/>
-          </a:effectRef>
-          <a:fontRef idx="minor">
-            <a:schemeClr val="tx1"/>
-          </a:fontRef>
-        </p:style>
-      </p:cxnSp>
-      <p:cxnSp>
-        <p:nvCxnSpPr>
-          <p:cNvPr id="44" name="Connector: Elbow 43">
-            <a:extLst>
-              <a:ext uri="{FF2B5EF4-FFF2-40B4-BE49-F238E27FC236}">
-                <a16:creationId xmlns:a16="http://schemas.microsoft.com/office/drawing/2014/main" id="{888E07C0-CF8A-90CD-1AD7-D97DFBC7B54F}"/>
-              </a:ext>
-            </a:extLst>
-          </p:cNvPr>
-          <p:cNvCxnSpPr>
-            <a:cxnSpLocks/>
-            <a:stCxn id="13" idx="2"/>
-            <a:endCxn id="12" idx="0"/>
-          </p:cNvCxnSpPr>
-          <p:nvPr/>
-        </p:nvCxnSpPr>
-        <p:spPr>
-          <a:xfrm rot="16200000" flipH="1">
-            <a:off x="7694542" y="2553528"/>
-            <a:ext cx="517662" cy="1385681"/>
-          </a:xfrm>
-          <a:prstGeom prst="bentConnector3">
-            <a:avLst/>
-          </a:prstGeom>
-          <a:ln>
-            <a:tailEnd type="triangle" w="lg" len="lg"/>
-          </a:ln>
-        </p:spPr>
-        <p:style>
-          <a:lnRef idx="2">
-            <a:schemeClr val="accent1"/>
-          </a:lnRef>
-          <a:fillRef idx="0">
-            <a:schemeClr val="accent1"/>
-          </a:fillRef>
-          <a:effectRef idx="1">
-            <a:schemeClr val="accent1"/>
-          </a:effectRef>
-          <a:fontRef idx="minor">
-            <a:schemeClr val="tx1"/>
-          </a:fontRef>
-        </p:style>
-      </p:cxnSp>
-      <p:cxnSp>
-        <p:nvCxnSpPr>
-          <p:cNvPr id="64" name="Connector: Elbow 63">
-            <a:extLst>
-              <a:ext uri="{FF2B5EF4-FFF2-40B4-BE49-F238E27FC236}">
-                <a16:creationId xmlns:a16="http://schemas.microsoft.com/office/drawing/2014/main" id="{35955D3C-CEFB-026E-2DC1-69F4F94A4677}"/>
-              </a:ext>
-            </a:extLst>
-          </p:cNvPr>
-          <p:cNvCxnSpPr>
-            <a:cxnSpLocks/>
-            <a:stCxn id="10" idx="1"/>
-            <a:endCxn id="15" idx="3"/>
-          </p:cNvCxnSpPr>
-          <p:nvPr/>
-        </p:nvCxnSpPr>
-        <p:spPr>
-          <a:xfrm rot="10800000">
-            <a:off x="4746761" y="3950803"/>
-            <a:ext cx="1362490" cy="1384847"/>
-          </a:xfrm>
-          <a:prstGeom prst="bentConnector3">
-            <a:avLst/>
-          </a:prstGeom>
-          <a:ln>
-            <a:tailEnd type="triangle" w="lg" len="lg"/>
-          </a:ln>
-        </p:spPr>
-        <p:style>
-          <a:lnRef idx="2">
-            <a:schemeClr val="accent1"/>
-          </a:lnRef>
-          <a:fillRef idx="0">
-            <a:schemeClr val="accent1"/>
-          </a:fillRef>
-          <a:effectRef idx="1">
-            <a:schemeClr val="accent1"/>
-          </a:effectRef>
-          <a:fontRef idx="minor">
-            <a:schemeClr val="tx1"/>
-          </a:fontRef>
-        </p:style>
-      </p:cxnSp>
-      <p:cxnSp>
-        <p:nvCxnSpPr>
-          <p:cNvPr id="67" name="Connector: Elbow 66">
-            <a:extLst>
-              <a:ext uri="{FF2B5EF4-FFF2-40B4-BE49-F238E27FC236}">
-                <a16:creationId xmlns:a16="http://schemas.microsoft.com/office/drawing/2014/main" id="{A2443E39-49BF-CFCA-DD38-9753ECEB93F1}"/>
-              </a:ext>
-            </a:extLst>
-          </p:cNvPr>
-          <p:cNvCxnSpPr>
-            <a:cxnSpLocks/>
-            <a:stCxn id="15" idx="1"/>
-            <a:endCxn id="16" idx="0"/>
-          </p:cNvCxnSpPr>
-          <p:nvPr/>
-        </p:nvCxnSpPr>
-        <p:spPr>
-          <a:xfrm rot="10800000" flipV="1">
-            <a:off x="1461051" y="3950802"/>
-            <a:ext cx="1456910" cy="1497484"/>
-          </a:xfrm>
-          <a:prstGeom prst="bentConnector2">
-            <a:avLst/>
-          </a:prstGeom>
-          <a:ln>
-            <a:solidFill>
-              <a:schemeClr val="accent1"/>
-            </a:solidFill>
-            <a:tailEnd type="triangle" w="lg" len="lg"/>
-          </a:ln>
-        </p:spPr>
-        <p:style>
-          <a:lnRef idx="2">
-            <a:schemeClr val="accent1"/>
-          </a:lnRef>
-          <a:fillRef idx="0">
-            <a:schemeClr val="accent1"/>
-          </a:fillRef>
-          <a:effectRef idx="1">
-            <a:schemeClr val="accent1"/>
-          </a:effectRef>
-          <a:fontRef idx="minor">
-            <a:schemeClr val="tx1"/>
-          </a:fontRef>
-        </p:style>
-      </p:cxnSp>
-      <p:sp>
-        <p:nvSpPr>
-          <p:cNvPr id="39" name="Flowchart: Decision 38">
-            <a:extLst>
-              <a:ext uri="{FF2B5EF4-FFF2-40B4-BE49-F238E27FC236}">
-                <a16:creationId xmlns:a16="http://schemas.microsoft.com/office/drawing/2014/main" id="{0BC6AE60-4C0E-B90C-3604-13EDC979723F}"/>
-              </a:ext>
-            </a:extLst>
-          </p:cNvPr>
-          <p:cNvSpPr/>
-          <p:nvPr/>
-        </p:nvSpPr>
-        <p:spPr>
-          <a:xfrm>
-            <a:off x="9134059" y="4484185"/>
-            <a:ext cx="2236305" cy="1707878"/>
-          </a:xfrm>
-          <a:prstGeom prst="flowChartDecision">
-            <a:avLst/>
-          </a:prstGeom>
-          <a:solidFill>
-            <a:schemeClr val="accent5">
-              <a:lumMod val="40000"/>
-              <a:lumOff val="60000"/>
-            </a:schemeClr>
-          </a:solidFill>
-          <a:ln w="22225">
-            <a:noFill/>
-          </a:ln>
-          <a:effectLst>
-            <a:outerShdw blurRad="50800" dist="38100" dir="5400000" algn="t" rotWithShape="0">
-              <a:prstClr val="black">
-                <a:alpha val="40000"/>
-              </a:prstClr>
-            </a:outerShdw>
-          </a:effectLst>
-        </p:spPr>
-        <p:style>
-          <a:lnRef idx="2">
-            <a:schemeClr val="accent1">
-              <a:shade val="15000"/>
-            </a:schemeClr>
-          </a:lnRef>
-          <a:fillRef idx="1">
-            <a:schemeClr val="accent1"/>
-          </a:fillRef>
-          <a:effectRef idx="0">
-            <a:schemeClr val="accent1"/>
-          </a:effectRef>
-          <a:fontRef idx="minor">
-            <a:schemeClr val="lt1"/>
-          </a:fontRef>
-        </p:style>
-        <p:txBody>
-          <a:bodyPr rtlCol="0" anchor="ctr"/>
-          <a:lstStyle/>
-          <a:p>
-            <a:pPr algn="ctr"/>
-            <a:r>
-              <a:rPr lang="en-US" sz="1700" dirty="0">
-                <a:solidFill>
-                  <a:schemeClr val="tx1"/>
-                </a:solidFill>
-              </a:rPr>
-              <a:t>Does User Want to Follow File Page?</a:t>
-            </a:r>
-          </a:p>
-        </p:txBody>
-      </p:sp>
-      <p:cxnSp>
-        <p:nvCxnSpPr>
-          <p:cNvPr id="49" name="Connector: Elbow 48">
-            <a:extLst>
-              <a:ext uri="{FF2B5EF4-FFF2-40B4-BE49-F238E27FC236}">
-                <a16:creationId xmlns:a16="http://schemas.microsoft.com/office/drawing/2014/main" id="{9D834CE5-BD2E-E568-C039-D348949E3F91}"/>
-              </a:ext>
-            </a:extLst>
-          </p:cNvPr>
-          <p:cNvCxnSpPr>
-            <a:cxnSpLocks/>
-            <a:stCxn id="14" idx="3"/>
-            <a:endCxn id="39" idx="3"/>
-          </p:cNvCxnSpPr>
-          <p:nvPr/>
-        </p:nvCxnSpPr>
-        <p:spPr>
-          <a:xfrm>
-            <a:off x="11183178" y="2133600"/>
-            <a:ext cx="187186" cy="3204524"/>
-          </a:xfrm>
-          <a:prstGeom prst="bentConnector3">
-            <a:avLst>
-              <a:gd name="adj1" fmla="val 222125"/>
-            </a:avLst>
-          </a:prstGeom>
-          <a:ln>
-            <a:tailEnd type="triangle" w="lg" len="lg"/>
-          </a:ln>
-        </p:spPr>
-        <p:style>
-          <a:lnRef idx="2">
-            <a:schemeClr val="accent1"/>
-          </a:lnRef>
-          <a:fillRef idx="0">
-            <a:schemeClr val="accent1"/>
-          </a:fillRef>
-          <a:effectRef idx="1">
-            <a:schemeClr val="accent1"/>
-          </a:effectRef>
-          <a:fontRef idx="minor">
-            <a:schemeClr val="tx1"/>
-          </a:fontRef>
-        </p:style>
-      </p:cxnSp>
-      <p:cxnSp>
-        <p:nvCxnSpPr>
-          <p:cNvPr id="51" name="Connector: Elbow 50">
-            <a:extLst>
-              <a:ext uri="{FF2B5EF4-FFF2-40B4-BE49-F238E27FC236}">
-                <a16:creationId xmlns:a16="http://schemas.microsoft.com/office/drawing/2014/main" id="{DF17A648-1B7F-398F-7A9B-15E2B27D0C1B}"/>
-              </a:ext>
-            </a:extLst>
-          </p:cNvPr>
-          <p:cNvCxnSpPr>
-            <a:cxnSpLocks/>
-            <a:stCxn id="12" idx="3"/>
-            <a:endCxn id="39" idx="0"/>
-          </p:cNvCxnSpPr>
-          <p:nvPr/>
-        </p:nvCxnSpPr>
-        <p:spPr>
-          <a:xfrm>
-            <a:off x="9775961" y="3962400"/>
-            <a:ext cx="476251" cy="521785"/>
-          </a:xfrm>
-          <a:prstGeom prst="bentConnector2">
-            <a:avLst/>
-          </a:prstGeom>
-          <a:ln>
-            <a:tailEnd type="triangle" w="lg" len="lg"/>
-          </a:ln>
-        </p:spPr>
-        <p:style>
-          <a:lnRef idx="2">
-            <a:schemeClr val="accent1"/>
-          </a:lnRef>
-          <a:fillRef idx="0">
-            <a:schemeClr val="accent1"/>
-          </a:fillRef>
-          <a:effectRef idx="1">
-            <a:schemeClr val="accent1"/>
-          </a:effectRef>
-          <a:fontRef idx="minor">
-            <a:schemeClr val="tx1"/>
-          </a:fontRef>
-        </p:style>
-      </p:cxnSp>
-      <p:cxnSp>
-        <p:nvCxnSpPr>
-          <p:cNvPr id="73" name="Connector: Elbow 72">
-            <a:extLst>
-              <a:ext uri="{FF2B5EF4-FFF2-40B4-BE49-F238E27FC236}">
-                <a16:creationId xmlns:a16="http://schemas.microsoft.com/office/drawing/2014/main" id="{63718E70-6A4A-9699-D9CD-E638A9037D05}"/>
-              </a:ext>
-            </a:extLst>
-          </p:cNvPr>
-          <p:cNvCxnSpPr>
-            <a:cxnSpLocks/>
-            <a:stCxn id="39" idx="1"/>
-            <a:endCxn id="10" idx="3"/>
-          </p:cNvCxnSpPr>
-          <p:nvPr/>
-        </p:nvCxnSpPr>
-        <p:spPr>
-          <a:xfrm rot="10800000">
-            <a:off x="7938051" y="5335650"/>
-            <a:ext cx="1196008" cy="2475"/>
-          </a:xfrm>
-          <a:prstGeom prst="bentConnector3">
-            <a:avLst/>
-          </a:prstGeom>
-          <a:ln>
-            <a:tailEnd type="triangle" w="lg" len="lg"/>
-          </a:ln>
-        </p:spPr>
-        <p:style>
-          <a:lnRef idx="2">
-            <a:schemeClr val="accent1"/>
-          </a:lnRef>
-          <a:fillRef idx="0">
-            <a:schemeClr val="accent1"/>
-          </a:fillRef>
-          <a:effectRef idx="1">
-            <a:schemeClr val="accent1"/>
-          </a:effectRef>
-          <a:fontRef idx="minor">
-            <a:schemeClr val="tx1"/>
-          </a:fontRef>
-        </p:style>
-      </p:cxnSp>
-      <p:sp>
-        <p:nvSpPr>
-          <p:cNvPr id="84" name="TextBox 83">
-            <a:extLst>
-              <a:ext uri="{FF2B5EF4-FFF2-40B4-BE49-F238E27FC236}">
-                <a16:creationId xmlns:a16="http://schemas.microsoft.com/office/drawing/2014/main" id="{D45DB8B6-23FD-ABC6-EEC0-1E5834166769}"/>
-              </a:ext>
-            </a:extLst>
-          </p:cNvPr>
-          <p:cNvSpPr txBox="1"/>
-          <p:nvPr/>
-        </p:nvSpPr>
-        <p:spPr>
-          <a:xfrm>
-            <a:off x="8300827" y="4966316"/>
-            <a:ext cx="574816" cy="353943"/>
-          </a:xfrm>
-          <a:prstGeom prst="rect">
-            <a:avLst/>
-          </a:prstGeom>
-          <a:noFill/>
-        </p:spPr>
-        <p:txBody>
-          <a:bodyPr wrap="square" rtlCol="0">
-            <a:spAutoFit/>
-          </a:bodyPr>
-          <a:lstStyle/>
-          <a:p>
-            <a:r>
-              <a:rPr lang="en-US" sz="1700" dirty="0"/>
-              <a:t>Yes</a:t>
-            </a:r>
-          </a:p>
-        </p:txBody>
-      </p:sp>
-      <p:cxnSp>
-        <p:nvCxnSpPr>
-          <p:cNvPr id="87" name="Connector: Elbow 86">
-            <a:extLst>
-              <a:ext uri="{FF2B5EF4-FFF2-40B4-BE49-F238E27FC236}">
-                <a16:creationId xmlns:a16="http://schemas.microsoft.com/office/drawing/2014/main" id="{B48A8EE5-F34F-A162-D622-4B0631FDD4A8}"/>
-              </a:ext>
-            </a:extLst>
-          </p:cNvPr>
-          <p:cNvCxnSpPr>
-            <a:cxnSpLocks/>
-            <a:stCxn id="39" idx="2"/>
-            <a:endCxn id="15" idx="2"/>
-          </p:cNvCxnSpPr>
-          <p:nvPr/>
-        </p:nvCxnSpPr>
-        <p:spPr>
-          <a:xfrm rot="5400000" flipH="1">
-            <a:off x="6150256" y="2090108"/>
-            <a:ext cx="1784061" cy="6419851"/>
-          </a:xfrm>
-          <a:prstGeom prst="bentConnector3">
-            <a:avLst>
-              <a:gd name="adj1" fmla="val -12813"/>
-            </a:avLst>
-          </a:prstGeom>
-          <a:ln>
-            <a:tailEnd type="triangle" w="lg" len="lg"/>
-          </a:ln>
-        </p:spPr>
-        <p:style>
-          <a:lnRef idx="2">
-            <a:schemeClr val="accent1"/>
-          </a:lnRef>
-          <a:fillRef idx="0">
-            <a:schemeClr val="accent1"/>
-          </a:fillRef>
-          <a:effectRef idx="1">
-            <a:schemeClr val="accent1"/>
-          </a:effectRef>
-          <a:fontRef idx="minor">
-            <a:schemeClr val="tx1"/>
-          </a:fontRef>
-        </p:style>
-      </p:cxnSp>
-      <p:sp>
-        <p:nvSpPr>
-          <p:cNvPr id="88" name="TextBox 87">
-            <a:extLst>
-              <a:ext uri="{FF2B5EF4-FFF2-40B4-BE49-F238E27FC236}">
-                <a16:creationId xmlns:a16="http://schemas.microsoft.com/office/drawing/2014/main" id="{05D7EDD7-7A16-235B-E1EA-7A3A420BCD74}"/>
-              </a:ext>
-            </a:extLst>
-          </p:cNvPr>
-          <p:cNvSpPr txBox="1"/>
-          <p:nvPr/>
-        </p:nvSpPr>
-        <p:spPr>
-          <a:xfrm>
-            <a:off x="9134059" y="6050092"/>
-            <a:ext cx="512684" cy="353943"/>
-          </a:xfrm>
-          <a:prstGeom prst="rect">
-            <a:avLst/>
-          </a:prstGeom>
-          <a:noFill/>
-        </p:spPr>
-        <p:txBody>
-          <a:bodyPr wrap="square" rtlCol="0">
-            <a:spAutoFit/>
-          </a:bodyPr>
-          <a:lstStyle/>
-          <a:p>
-            <a:r>
-              <a:rPr lang="en-US" sz="1700" dirty="0"/>
-              <a:t>No</a:t>
-            </a:r>
-          </a:p>
-        </p:txBody>
-      </p:sp>
-    </p:spTree>
-    <p:extLst>
-      <p:ext uri="{BB962C8B-B14F-4D97-AF65-F5344CB8AC3E}">
-        <p14:creationId xmlns:p14="http://schemas.microsoft.com/office/powerpoint/2010/main" val="2418564652"/>
       </p:ext>
     </p:extLst>
   </p:cSld>
@@ -20040,14 +21417,6 @@
 </file>
 
 <file path=customXml/item1.xml><?xml version="1.0" encoding="utf-8"?>
-<p:properties xmlns:p="http://schemas.microsoft.com/office/2006/metadata/properties" xmlns:xsi="http://www.w3.org/2001/XMLSchema-instance" xmlns:pc="http://schemas.microsoft.com/office/infopath/2007/PartnerControls">
-  <documentManagement>
-    <_activity xmlns="01c88f6b-6741-47d6-b712-4bbfcf5fc114" xsi:nil="true"/>
-  </documentManagement>
-</p:properties>
-</file>
-
-<file path=customXml/item2.xml><?xml version="1.0" encoding="utf-8"?>
 <ct:contentTypeSchema xmlns:ct="http://schemas.microsoft.com/office/2006/metadata/contentType" xmlns:ma="http://schemas.microsoft.com/office/2006/metadata/properties/metaAttributes" ct:_="" ma:_="" ma:contentTypeName="Document" ma:contentTypeID="0x010100066FE1ABB717E84D99E6A5F409ED4262" ma:contentTypeVersion="10" ma:contentTypeDescription="Create a new document." ma:contentTypeScope="" ma:versionID="d6c096f50ba43dd2b09ee3f70850cb25">
   <xsd:schema xmlns:xsd="http://www.w3.org/2001/XMLSchema" xmlns:xs="http://www.w3.org/2001/XMLSchema" xmlns:p="http://schemas.microsoft.com/office/2006/metadata/properties" xmlns:ns3="01c88f6b-6741-47d6-b712-4bbfcf5fc114" targetNamespace="http://schemas.microsoft.com/office/2006/metadata/properties" ma:root="true" ma:fieldsID="7b14cb02e9f118fe349f1f3de9123b07" ns3:_="">
     <xsd:import namespace="01c88f6b-6741-47d6-b712-4bbfcf5fc114"/>
@@ -20227,6 +21596,14 @@
 </ct:contentTypeSchema>
 </file>
 
+<file path=customXml/item2.xml><?xml version="1.0" encoding="utf-8"?>
+<p:properties xmlns:p="http://schemas.microsoft.com/office/2006/metadata/properties" xmlns:xsi="http://www.w3.org/2001/XMLSchema-instance" xmlns:pc="http://schemas.microsoft.com/office/infopath/2007/PartnerControls">
+  <documentManagement>
+    <_activity xmlns="01c88f6b-6741-47d6-b712-4bbfcf5fc114" xsi:nil="true"/>
+  </documentManagement>
+</p:properties>
+</file>
+
 <file path=customXml/item3.xml><?xml version="1.0" encoding="utf-8"?>
 <?mso-contentType ?>
 <FormTemplates xmlns="http://schemas.microsoft.com/sharepoint/v3/contenttype/forms">
@@ -20237,22 +21614,6 @@
 </file>
 
 <file path=customXml/itemProps1.xml><?xml version="1.0" encoding="utf-8"?>
-<ds:datastoreItem xmlns:ds="http://schemas.openxmlformats.org/officeDocument/2006/customXml" ds:itemID="{21FE0BF8-DE1E-4E1B-B989-1B1D817E2FFE}">
-  <ds:schemaRefs>
-    <ds:schemaRef ds:uri="http://www.w3.org/XML/1998/namespace"/>
-    <ds:schemaRef ds:uri="http://schemas.microsoft.com/office/2006/metadata/properties"/>
-    <ds:schemaRef ds:uri="http://schemas.openxmlformats.org/package/2006/metadata/core-properties"/>
-    <ds:schemaRef ds:uri="http://schemas.microsoft.com/office/2006/documentManagement/types"/>
-    <ds:schemaRef ds:uri="01c88f6b-6741-47d6-b712-4bbfcf5fc114"/>
-    <ds:schemaRef ds:uri="http://schemas.microsoft.com/office/infopath/2007/PartnerControls"/>
-    <ds:schemaRef ds:uri="http://purl.org/dc/dcmitype/"/>
-    <ds:schemaRef ds:uri="http://purl.org/dc/terms/"/>
-    <ds:schemaRef ds:uri="http://purl.org/dc/elements/1.1/"/>
-  </ds:schemaRefs>
-</ds:datastoreItem>
-</file>
-
-<file path=customXml/itemProps2.xml><?xml version="1.0" encoding="utf-8"?>
 <ds:datastoreItem xmlns:ds="http://schemas.openxmlformats.org/officeDocument/2006/customXml" ds:itemID="{3E3162CD-4A35-4847-BFBD-8124FC7B3B26}">
   <ds:schemaRefs>
     <ds:schemaRef ds:uri="http://schemas.microsoft.com/office/2006/metadata/contentType"/>
@@ -20270,6 +21631,22 @@
 </ds:datastoreItem>
 </file>
 
+<file path=customXml/itemProps2.xml><?xml version="1.0" encoding="utf-8"?>
+<ds:datastoreItem xmlns:ds="http://schemas.openxmlformats.org/officeDocument/2006/customXml" ds:itemID="{21FE0BF8-DE1E-4E1B-B989-1B1D817E2FFE}">
+  <ds:schemaRefs>
+    <ds:schemaRef ds:uri="http://www.w3.org/XML/1998/namespace"/>
+    <ds:schemaRef ds:uri="http://schemas.microsoft.com/office/2006/metadata/properties"/>
+    <ds:schemaRef ds:uri="http://schemas.openxmlformats.org/package/2006/metadata/core-properties"/>
+    <ds:schemaRef ds:uri="http://schemas.microsoft.com/office/2006/documentManagement/types"/>
+    <ds:schemaRef ds:uri="01c88f6b-6741-47d6-b712-4bbfcf5fc114"/>
+    <ds:schemaRef ds:uri="http://schemas.microsoft.com/office/infopath/2007/PartnerControls"/>
+    <ds:schemaRef ds:uri="http://purl.org/dc/dcmitype/"/>
+    <ds:schemaRef ds:uri="http://purl.org/dc/terms/"/>
+    <ds:schemaRef ds:uri="http://purl.org/dc/elements/1.1/"/>
+  </ds:schemaRefs>
+</ds:datastoreItem>
+</file>
+
 <file path=customXml/itemProps3.xml><?xml version="1.0" encoding="utf-8"?>
 <ds:datastoreItem xmlns:ds="http://schemas.openxmlformats.org/officeDocument/2006/customXml" ds:itemID="{1B7C44E5-9B15-4900-98EA-439F0CB21C16}">
   <ds:schemaRefs>

--- a/Deliverables/Diagrams_ConEd_Internship.pptx
+++ b/Deliverables/Diagrams_ConEd_Internship.pptx
@@ -19391,8 +19391,8 @@
         </p:blipFill>
         <p:spPr>
           <a:xfrm>
-            <a:off x="674002" y="2690731"/>
-            <a:ext cx="1579611" cy="921440"/>
+            <a:off x="801170" y="2461012"/>
+            <a:ext cx="1451980" cy="846988"/>
           </a:xfrm>
           <a:prstGeom prst="rect">
             <a:avLst/>
@@ -19463,8 +19463,8 @@
         </p:blipFill>
         <p:spPr>
           <a:xfrm>
-            <a:off x="2089415" y="2949812"/>
-            <a:ext cx="679847" cy="958375"/>
+            <a:off x="2253150" y="2667749"/>
+            <a:ext cx="616503" cy="869079"/>
           </a:xfrm>
           <a:prstGeom prst="rect">
             <a:avLst/>
@@ -19643,8 +19643,8 @@
         </p:blipFill>
         <p:spPr>
           <a:xfrm>
-            <a:off x="6623096" y="2461012"/>
-            <a:ext cx="1853434" cy="1043218"/>
+            <a:off x="767736" y="3208791"/>
+            <a:ext cx="1961151" cy="1103847"/>
           </a:xfrm>
           <a:prstGeom prst="rect">
             <a:avLst/>
@@ -21417,6 +21417,14 @@
 </file>
 
 <file path=customXml/item1.xml><?xml version="1.0" encoding="utf-8"?>
+<p:properties xmlns:p="http://schemas.microsoft.com/office/2006/metadata/properties" xmlns:xsi="http://www.w3.org/2001/XMLSchema-instance" xmlns:pc="http://schemas.microsoft.com/office/infopath/2007/PartnerControls">
+  <documentManagement>
+    <_activity xmlns="01c88f6b-6741-47d6-b712-4bbfcf5fc114" xsi:nil="true"/>
+  </documentManagement>
+</p:properties>
+</file>
+
+<file path=customXml/item2.xml><?xml version="1.0" encoding="utf-8"?>
 <ct:contentTypeSchema xmlns:ct="http://schemas.microsoft.com/office/2006/metadata/contentType" xmlns:ma="http://schemas.microsoft.com/office/2006/metadata/properties/metaAttributes" ct:_="" ma:_="" ma:contentTypeName="Document" ma:contentTypeID="0x010100066FE1ABB717E84D99E6A5F409ED4262" ma:contentTypeVersion="10" ma:contentTypeDescription="Create a new document." ma:contentTypeScope="" ma:versionID="d6c096f50ba43dd2b09ee3f70850cb25">
   <xsd:schema xmlns:xsd="http://www.w3.org/2001/XMLSchema" xmlns:xs="http://www.w3.org/2001/XMLSchema" xmlns:p="http://schemas.microsoft.com/office/2006/metadata/properties" xmlns:ns3="01c88f6b-6741-47d6-b712-4bbfcf5fc114" targetNamespace="http://schemas.microsoft.com/office/2006/metadata/properties" ma:root="true" ma:fieldsID="7b14cb02e9f118fe349f1f3de9123b07" ns3:_="">
     <xsd:import namespace="01c88f6b-6741-47d6-b712-4bbfcf5fc114"/>
@@ -21596,14 +21604,6 @@
 </ct:contentTypeSchema>
 </file>
 
-<file path=customXml/item2.xml><?xml version="1.0" encoding="utf-8"?>
-<p:properties xmlns:p="http://schemas.microsoft.com/office/2006/metadata/properties" xmlns:xsi="http://www.w3.org/2001/XMLSchema-instance" xmlns:pc="http://schemas.microsoft.com/office/infopath/2007/PartnerControls">
-  <documentManagement>
-    <_activity xmlns="01c88f6b-6741-47d6-b712-4bbfcf5fc114" xsi:nil="true"/>
-  </documentManagement>
-</p:properties>
-</file>
-
 <file path=customXml/item3.xml><?xml version="1.0" encoding="utf-8"?>
 <?mso-contentType ?>
 <FormTemplates xmlns="http://schemas.microsoft.com/sharepoint/v3/contenttype/forms">
@@ -21614,6 +21614,22 @@
 </file>
 
 <file path=customXml/itemProps1.xml><?xml version="1.0" encoding="utf-8"?>
+<ds:datastoreItem xmlns:ds="http://schemas.openxmlformats.org/officeDocument/2006/customXml" ds:itemID="{21FE0BF8-DE1E-4E1B-B989-1B1D817E2FFE}">
+  <ds:schemaRefs>
+    <ds:schemaRef ds:uri="http://www.w3.org/XML/1998/namespace"/>
+    <ds:schemaRef ds:uri="http://schemas.microsoft.com/office/2006/metadata/properties"/>
+    <ds:schemaRef ds:uri="http://schemas.openxmlformats.org/package/2006/metadata/core-properties"/>
+    <ds:schemaRef ds:uri="http://schemas.microsoft.com/office/2006/documentManagement/types"/>
+    <ds:schemaRef ds:uri="01c88f6b-6741-47d6-b712-4bbfcf5fc114"/>
+    <ds:schemaRef ds:uri="http://schemas.microsoft.com/office/infopath/2007/PartnerControls"/>
+    <ds:schemaRef ds:uri="http://purl.org/dc/dcmitype/"/>
+    <ds:schemaRef ds:uri="http://purl.org/dc/terms/"/>
+    <ds:schemaRef ds:uri="http://purl.org/dc/elements/1.1/"/>
+  </ds:schemaRefs>
+</ds:datastoreItem>
+</file>
+
+<file path=customXml/itemProps2.xml><?xml version="1.0" encoding="utf-8"?>
 <ds:datastoreItem xmlns:ds="http://schemas.openxmlformats.org/officeDocument/2006/customXml" ds:itemID="{3E3162CD-4A35-4847-BFBD-8124FC7B3B26}">
   <ds:schemaRefs>
     <ds:schemaRef ds:uri="http://schemas.microsoft.com/office/2006/metadata/contentType"/>
@@ -21631,22 +21647,6 @@
 </ds:datastoreItem>
 </file>
 
-<file path=customXml/itemProps2.xml><?xml version="1.0" encoding="utf-8"?>
-<ds:datastoreItem xmlns:ds="http://schemas.openxmlformats.org/officeDocument/2006/customXml" ds:itemID="{21FE0BF8-DE1E-4E1B-B989-1B1D817E2FFE}">
-  <ds:schemaRefs>
-    <ds:schemaRef ds:uri="http://www.w3.org/XML/1998/namespace"/>
-    <ds:schemaRef ds:uri="http://schemas.microsoft.com/office/2006/metadata/properties"/>
-    <ds:schemaRef ds:uri="http://schemas.openxmlformats.org/package/2006/metadata/core-properties"/>
-    <ds:schemaRef ds:uri="http://schemas.microsoft.com/office/2006/documentManagement/types"/>
-    <ds:schemaRef ds:uri="01c88f6b-6741-47d6-b712-4bbfcf5fc114"/>
-    <ds:schemaRef ds:uri="http://schemas.microsoft.com/office/infopath/2007/PartnerControls"/>
-    <ds:schemaRef ds:uri="http://purl.org/dc/dcmitype/"/>
-    <ds:schemaRef ds:uri="http://purl.org/dc/terms/"/>
-    <ds:schemaRef ds:uri="http://purl.org/dc/elements/1.1/"/>
-  </ds:schemaRefs>
-</ds:datastoreItem>
-</file>
-
 <file path=customXml/itemProps3.xml><?xml version="1.0" encoding="utf-8"?>
 <ds:datastoreItem xmlns:ds="http://schemas.openxmlformats.org/officeDocument/2006/customXml" ds:itemID="{1B7C44E5-9B15-4900-98EA-439F0CB21C16}">
   <ds:schemaRefs>

--- a/Deliverables/Diagrams_ConEd_Internship.pptx
+++ b/Deliverables/Diagrams_ConEd_Internship.pptx
@@ -19391,7 +19391,7 @@
         </p:blipFill>
         <p:spPr>
           <a:xfrm>
-            <a:off x="801170" y="2461012"/>
+            <a:off x="838032" y="2461012"/>
             <a:ext cx="1451980" cy="846988"/>
           </a:xfrm>
           <a:prstGeom prst="rect">
@@ -19463,7 +19463,7 @@
         </p:blipFill>
         <p:spPr>
           <a:xfrm>
-            <a:off x="2253150" y="2667749"/>
+            <a:off x="2289845" y="2631189"/>
             <a:ext cx="616503" cy="869079"/>
           </a:xfrm>
           <a:prstGeom prst="rect">
@@ -19643,8 +19643,8 @@
         </p:blipFill>
         <p:spPr>
           <a:xfrm>
-            <a:off x="767736" y="3208791"/>
-            <a:ext cx="1961151" cy="1103847"/>
+            <a:off x="826863" y="3142731"/>
+            <a:ext cx="2066221" cy="1162986"/>
           </a:xfrm>
           <a:prstGeom prst="rect">
             <a:avLst/>
@@ -21417,14 +21417,6 @@
 </file>
 
 <file path=customXml/item1.xml><?xml version="1.0" encoding="utf-8"?>
-<p:properties xmlns:p="http://schemas.microsoft.com/office/2006/metadata/properties" xmlns:xsi="http://www.w3.org/2001/XMLSchema-instance" xmlns:pc="http://schemas.microsoft.com/office/infopath/2007/PartnerControls">
-  <documentManagement>
-    <_activity xmlns="01c88f6b-6741-47d6-b712-4bbfcf5fc114" xsi:nil="true"/>
-  </documentManagement>
-</p:properties>
-</file>
-
-<file path=customXml/item2.xml><?xml version="1.0" encoding="utf-8"?>
 <ct:contentTypeSchema xmlns:ct="http://schemas.microsoft.com/office/2006/metadata/contentType" xmlns:ma="http://schemas.microsoft.com/office/2006/metadata/properties/metaAttributes" ct:_="" ma:_="" ma:contentTypeName="Document" ma:contentTypeID="0x010100066FE1ABB717E84D99E6A5F409ED4262" ma:contentTypeVersion="10" ma:contentTypeDescription="Create a new document." ma:contentTypeScope="" ma:versionID="d6c096f50ba43dd2b09ee3f70850cb25">
   <xsd:schema xmlns:xsd="http://www.w3.org/2001/XMLSchema" xmlns:xs="http://www.w3.org/2001/XMLSchema" xmlns:p="http://schemas.microsoft.com/office/2006/metadata/properties" xmlns:ns3="01c88f6b-6741-47d6-b712-4bbfcf5fc114" targetNamespace="http://schemas.microsoft.com/office/2006/metadata/properties" ma:root="true" ma:fieldsID="7b14cb02e9f118fe349f1f3de9123b07" ns3:_="">
     <xsd:import namespace="01c88f6b-6741-47d6-b712-4bbfcf5fc114"/>
@@ -21604,6 +21596,14 @@
 </ct:contentTypeSchema>
 </file>
 
+<file path=customXml/item2.xml><?xml version="1.0" encoding="utf-8"?>
+<p:properties xmlns:p="http://schemas.microsoft.com/office/2006/metadata/properties" xmlns:xsi="http://www.w3.org/2001/XMLSchema-instance" xmlns:pc="http://schemas.microsoft.com/office/infopath/2007/PartnerControls">
+  <documentManagement>
+    <_activity xmlns="01c88f6b-6741-47d6-b712-4bbfcf5fc114" xsi:nil="true"/>
+  </documentManagement>
+</p:properties>
+</file>
+
 <file path=customXml/item3.xml><?xml version="1.0" encoding="utf-8"?>
 <?mso-contentType ?>
 <FormTemplates xmlns="http://schemas.microsoft.com/sharepoint/v3/contenttype/forms">
@@ -21614,22 +21614,6 @@
 </file>
 
 <file path=customXml/itemProps1.xml><?xml version="1.0" encoding="utf-8"?>
-<ds:datastoreItem xmlns:ds="http://schemas.openxmlformats.org/officeDocument/2006/customXml" ds:itemID="{21FE0BF8-DE1E-4E1B-B989-1B1D817E2FFE}">
-  <ds:schemaRefs>
-    <ds:schemaRef ds:uri="http://www.w3.org/XML/1998/namespace"/>
-    <ds:schemaRef ds:uri="http://schemas.microsoft.com/office/2006/metadata/properties"/>
-    <ds:schemaRef ds:uri="http://schemas.openxmlformats.org/package/2006/metadata/core-properties"/>
-    <ds:schemaRef ds:uri="http://schemas.microsoft.com/office/2006/documentManagement/types"/>
-    <ds:schemaRef ds:uri="01c88f6b-6741-47d6-b712-4bbfcf5fc114"/>
-    <ds:schemaRef ds:uri="http://schemas.microsoft.com/office/infopath/2007/PartnerControls"/>
-    <ds:schemaRef ds:uri="http://purl.org/dc/dcmitype/"/>
-    <ds:schemaRef ds:uri="http://purl.org/dc/terms/"/>
-    <ds:schemaRef ds:uri="http://purl.org/dc/elements/1.1/"/>
-  </ds:schemaRefs>
-</ds:datastoreItem>
-</file>
-
-<file path=customXml/itemProps2.xml><?xml version="1.0" encoding="utf-8"?>
 <ds:datastoreItem xmlns:ds="http://schemas.openxmlformats.org/officeDocument/2006/customXml" ds:itemID="{3E3162CD-4A35-4847-BFBD-8124FC7B3B26}">
   <ds:schemaRefs>
     <ds:schemaRef ds:uri="http://schemas.microsoft.com/office/2006/metadata/contentType"/>
@@ -21647,6 +21631,22 @@
 </ds:datastoreItem>
 </file>
 
+<file path=customXml/itemProps2.xml><?xml version="1.0" encoding="utf-8"?>
+<ds:datastoreItem xmlns:ds="http://schemas.openxmlformats.org/officeDocument/2006/customXml" ds:itemID="{21FE0BF8-DE1E-4E1B-B989-1B1D817E2FFE}">
+  <ds:schemaRefs>
+    <ds:schemaRef ds:uri="http://www.w3.org/XML/1998/namespace"/>
+    <ds:schemaRef ds:uri="http://schemas.microsoft.com/office/2006/metadata/properties"/>
+    <ds:schemaRef ds:uri="http://schemas.openxmlformats.org/package/2006/metadata/core-properties"/>
+    <ds:schemaRef ds:uri="http://schemas.microsoft.com/office/2006/documentManagement/types"/>
+    <ds:schemaRef ds:uri="01c88f6b-6741-47d6-b712-4bbfcf5fc114"/>
+    <ds:schemaRef ds:uri="http://schemas.microsoft.com/office/infopath/2007/PartnerControls"/>
+    <ds:schemaRef ds:uri="http://purl.org/dc/dcmitype/"/>
+    <ds:schemaRef ds:uri="http://purl.org/dc/terms/"/>
+    <ds:schemaRef ds:uri="http://purl.org/dc/elements/1.1/"/>
+  </ds:schemaRefs>
+</ds:datastoreItem>
+</file>
+
 <file path=customXml/itemProps3.xml><?xml version="1.0" encoding="utf-8"?>
 <ds:datastoreItem xmlns:ds="http://schemas.openxmlformats.org/officeDocument/2006/customXml" ds:itemID="{1B7C44E5-9B15-4900-98EA-439F0CB21C16}">
   <ds:schemaRefs>
